--- a/ppt/chapter 7.pptx
+++ b/ppt/chapter 7.pptx
@@ -12,6 +12,23 @@
     <p:sldId id="260" r:id="rId6"/>
     <p:sldId id="261" r:id="rId7"/>
     <p:sldId id="262" r:id="rId8"/>
+    <p:sldId id="263" r:id="rId9"/>
+    <p:sldId id="264" r:id="rId10"/>
+    <p:sldId id="265" r:id="rId11"/>
+    <p:sldId id="266" r:id="rId12"/>
+    <p:sldId id="267" r:id="rId13"/>
+    <p:sldId id="268" r:id="rId14"/>
+    <p:sldId id="269" r:id="rId15"/>
+    <p:sldId id="270" r:id="rId16"/>
+    <p:sldId id="271" r:id="rId17"/>
+    <p:sldId id="272" r:id="rId18"/>
+    <p:sldId id="277" r:id="rId19"/>
+    <p:sldId id="278" r:id="rId20"/>
+    <p:sldId id="273" r:id="rId21"/>
+    <p:sldId id="274" r:id="rId22"/>
+    <p:sldId id="275" r:id="rId23"/>
+    <p:sldId id="276" r:id="rId24"/>
+    <p:sldId id="279" r:id="rId25"/>
   </p:sldIdLst>
   <p:sldSz cx="12192000" cy="6858000"/>
   <p:notesSz cx="6858000" cy="9144000"/>
@@ -110,6 +127,11 @@
       </a:defRPr>
     </a:lvl9pPr>
   </p:defaultTextStyle>
+  <p:extLst>
+    <p:ext uri="{EFAFB233-063F-42B5-8137-9DF3F51BA10A}">
+      <p15:sldGuideLst xmlns:p15="http://schemas.microsoft.com/office/powerpoint/2012/main"/>
+    </p:ext>
+  </p:extLst>
 </p:presentation>
 </file>
 
@@ -3346,6 +3368,3381 @@
 </p:sld>
 </file>
 
+<file path=ppt/slides/slide10.xml><?xml version="1.0" encoding="utf-8"?>
+<p:sld xmlns:a="http://schemas.openxmlformats.org/drawingml/2006/main" xmlns:r="http://schemas.openxmlformats.org/officeDocument/2006/relationships" xmlns:p="http://schemas.openxmlformats.org/presentationml/2006/main">
+  <p:cSld>
+    <p:spTree>
+      <p:nvGrpSpPr>
+        <p:cNvPr id="1" name=""/>
+        <p:cNvGrpSpPr/>
+        <p:nvPr/>
+      </p:nvGrpSpPr>
+      <p:grpSpPr>
+        <a:xfrm>
+          <a:off x="0" y="0"/>
+          <a:ext cx="0" cy="0"/>
+          <a:chOff x="0" y="0"/>
+          <a:chExt cx="0" cy="0"/>
+        </a:xfrm>
+      </p:grpSpPr>
+      <p:sp>
+        <p:nvSpPr>
+          <p:cNvPr id="2" name="标题 1"/>
+          <p:cNvSpPr>
+            <a:spLocks noGrp="1"/>
+          </p:cNvSpPr>
+          <p:nvPr>
+            <p:ph type="title"/>
+          </p:nvPr>
+        </p:nvSpPr>
+        <p:spPr/>
+        <p:txBody>
+          <a:bodyPr/>
+          <a:lstStyle/>
+          <a:p>
+            <a:endParaRPr lang="zh-CN" altLang="en-US"/>
+          </a:p>
+        </p:txBody>
+      </p:sp>
+      <p:sp>
+        <p:nvSpPr>
+          <p:cNvPr id="3" name="内容占位符 2"/>
+          <p:cNvSpPr>
+            <a:spLocks noGrp="1"/>
+          </p:cNvSpPr>
+          <p:nvPr>
+            <p:ph idx="1"/>
+          </p:nvPr>
+        </p:nvSpPr>
+        <p:spPr>
+          <a:xfrm>
+            <a:off x="726017" y="1676400"/>
+            <a:ext cx="11059583" cy="4572000"/>
+          </a:xfrm>
+        </p:spPr>
+        <p:txBody>
+          <a:bodyPr/>
+          <a:lstStyle/>
+          <a:p>
+            <a:r>
+              <a:rPr lang="en-US" altLang="zh-CN" dirty="0"/>
+              <a:t>7. What is wrong with the following piece of code?</a:t>
+            </a:r>
+          </a:p>
+          <a:p>
+            <a:pPr marL="0" indent="0">
+              <a:buNone/>
+            </a:pPr>
+            <a:r>
+              <a:rPr lang="en-US" altLang="zh-CN" sz="3600" dirty="0" err="1">
+                <a:solidFill>
+                  <a:srgbClr val="0000FF"/>
+                </a:solidFill>
+              </a:rPr>
+              <a:t>int</a:t>
+            </a:r>
+            <a:r>
+              <a:rPr lang="en-US" altLang="zh-CN" sz="3600" dirty="0">
+                <a:solidFill>
+                  <a:srgbClr val="0000FF"/>
+                </a:solidFill>
+              </a:rPr>
+              <a:t> </a:t>
+            </a:r>
+            <a:r>
+              <a:rPr lang="en-US" altLang="zh-CN" sz="3600" dirty="0" err="1">
+                <a:solidFill>
+                  <a:srgbClr val="0000FF"/>
+                </a:solidFill>
+              </a:rPr>
+              <a:t>sample_array</a:t>
+            </a:r>
+            <a:r>
+              <a:rPr lang="en-US" altLang="zh-CN" sz="3600" dirty="0">
+                <a:solidFill>
+                  <a:srgbClr val="0000FF"/>
+                </a:solidFill>
+              </a:rPr>
+              <a:t>[10];</a:t>
+            </a:r>
+          </a:p>
+          <a:p>
+            <a:pPr marL="0" indent="0">
+              <a:buNone/>
+            </a:pPr>
+            <a:r>
+              <a:rPr lang="en-US" altLang="zh-CN" sz="3600" dirty="0">
+                <a:solidFill>
+                  <a:srgbClr val="0000FF"/>
+                </a:solidFill>
+              </a:rPr>
+              <a:t>for (</a:t>
+            </a:r>
+            <a:r>
+              <a:rPr lang="en-US" altLang="zh-CN" sz="3600" dirty="0" err="1">
+                <a:solidFill>
+                  <a:srgbClr val="0000FF"/>
+                </a:solidFill>
+              </a:rPr>
+              <a:t>int</a:t>
+            </a:r>
+            <a:r>
+              <a:rPr lang="en-US" altLang="zh-CN" sz="3600" dirty="0">
+                <a:solidFill>
+                  <a:srgbClr val="0000FF"/>
+                </a:solidFill>
+              </a:rPr>
+              <a:t> index = 1; index &lt;= 10; index++)</a:t>
+            </a:r>
+          </a:p>
+          <a:p>
+            <a:pPr marL="0" indent="0">
+              <a:buNone/>
+            </a:pPr>
+            <a:r>
+              <a:rPr lang="en-US" altLang="zh-CN" sz="3600" dirty="0">
+                <a:solidFill>
+                  <a:srgbClr val="0000FF"/>
+                </a:solidFill>
+              </a:rPr>
+              <a:t>  </a:t>
+            </a:r>
+            <a:r>
+              <a:rPr lang="en-US" altLang="zh-CN" sz="3600" dirty="0" err="1">
+                <a:solidFill>
+                  <a:srgbClr val="0000FF"/>
+                </a:solidFill>
+              </a:rPr>
+              <a:t>sample_array</a:t>
+            </a:r>
+            <a:r>
+              <a:rPr lang="en-US" altLang="zh-CN" sz="3600" dirty="0">
+                <a:solidFill>
+                  <a:srgbClr val="0000FF"/>
+                </a:solidFill>
+              </a:rPr>
+              <a:t>[index] = 3*index;</a:t>
+            </a:r>
+            <a:endParaRPr lang="zh-CN" altLang="en-US" sz="3600" dirty="0">
+              <a:solidFill>
+                <a:srgbClr val="0000FF"/>
+              </a:solidFill>
+            </a:endParaRPr>
+          </a:p>
+        </p:txBody>
+      </p:sp>
+    </p:spTree>
+    <p:extLst>
+      <p:ext uri="{BB962C8B-B14F-4D97-AF65-F5344CB8AC3E}">
+        <p14:creationId xmlns:p14="http://schemas.microsoft.com/office/powerpoint/2010/main" val="1706110216"/>
+      </p:ext>
+    </p:extLst>
+  </p:cSld>
+  <p:clrMapOvr>
+    <a:masterClrMapping/>
+  </p:clrMapOvr>
+  <p:transition spd="med"/>
+</p:sld>
+</file>
+
+<file path=ppt/slides/slide11.xml><?xml version="1.0" encoding="utf-8"?>
+<p:sld xmlns:a="http://schemas.openxmlformats.org/drawingml/2006/main" xmlns:r="http://schemas.openxmlformats.org/officeDocument/2006/relationships" xmlns:p="http://schemas.openxmlformats.org/presentationml/2006/main">
+  <p:cSld>
+    <p:spTree>
+      <p:nvGrpSpPr>
+        <p:cNvPr id="1" name=""/>
+        <p:cNvGrpSpPr/>
+        <p:nvPr/>
+      </p:nvGrpSpPr>
+      <p:grpSpPr>
+        <a:xfrm>
+          <a:off x="0" y="0"/>
+          <a:ext cx="0" cy="0"/>
+          <a:chOff x="0" y="0"/>
+          <a:chExt cx="0" cy="0"/>
+        </a:xfrm>
+      </p:grpSpPr>
+      <p:sp>
+        <p:nvSpPr>
+          <p:cNvPr id="2" name="标题 1"/>
+          <p:cNvSpPr>
+            <a:spLocks noGrp="1"/>
+          </p:cNvSpPr>
+          <p:nvPr>
+            <p:ph type="title"/>
+          </p:nvPr>
+        </p:nvSpPr>
+        <p:spPr/>
+        <p:txBody>
+          <a:bodyPr/>
+          <a:lstStyle/>
+          <a:p>
+            <a:r>
+              <a:rPr lang="en-US" altLang="zh-CN" b="1" dirty="0"/>
+              <a:t>Indexed Variables as Function Arguments</a:t>
+            </a:r>
+            <a:endParaRPr lang="zh-CN" altLang="en-US" dirty="0">
+              <a:solidFill>
+                <a:srgbClr val="0000FF"/>
+              </a:solidFill>
+              <a:latin typeface="+mn-lt"/>
+              <a:ea typeface="+mn-ea"/>
+              <a:cs typeface="+mn-cs"/>
+            </a:endParaRPr>
+          </a:p>
+        </p:txBody>
+      </p:sp>
+      <p:sp>
+        <p:nvSpPr>
+          <p:cNvPr id="3" name="内容占位符 2"/>
+          <p:cNvSpPr>
+            <a:spLocks noGrp="1"/>
+          </p:cNvSpPr>
+          <p:nvPr>
+            <p:ph idx="1"/>
+          </p:nvPr>
+        </p:nvSpPr>
+        <p:spPr/>
+        <p:txBody>
+          <a:bodyPr/>
+          <a:lstStyle/>
+          <a:p>
+            <a:pPr marL="0" indent="0">
+              <a:buNone/>
+            </a:pPr>
+            <a:r>
+              <a:rPr lang="en-US" altLang="zh-CN" sz="3200" dirty="0" err="1">
+                <a:solidFill>
+                  <a:srgbClr val="0000FF"/>
+                </a:solidFill>
+              </a:rPr>
+              <a:t>int</a:t>
+            </a:r>
+            <a:r>
+              <a:rPr lang="en-US" altLang="zh-CN" sz="3200" dirty="0">
+                <a:solidFill>
+                  <a:srgbClr val="0000FF"/>
+                </a:solidFill>
+              </a:rPr>
+              <a:t> </a:t>
+            </a:r>
+            <a:r>
+              <a:rPr lang="en-US" altLang="zh-CN" sz="3200" dirty="0" err="1">
+                <a:solidFill>
+                  <a:srgbClr val="0000FF"/>
+                </a:solidFill>
+              </a:rPr>
+              <a:t>i</a:t>
+            </a:r>
+            <a:r>
+              <a:rPr lang="en-US" altLang="zh-CN" sz="3200" dirty="0">
+                <a:solidFill>
+                  <a:srgbClr val="0000FF"/>
+                </a:solidFill>
+              </a:rPr>
+              <a:t>, n, a[10</a:t>
+            </a:r>
+            <a:r>
+              <a:rPr lang="en-US" altLang="zh-CN" sz="3200" dirty="0">
+                <a:solidFill>
+                  <a:srgbClr val="0000FF"/>
+                </a:solidFill>
+              </a:rPr>
+              <a:t>];</a:t>
+            </a:r>
+          </a:p>
+          <a:p>
+            <a:pPr marL="0" indent="0">
+              <a:buNone/>
+            </a:pPr>
+            <a:r>
+              <a:rPr lang="en-US" altLang="zh-CN" sz="2400" dirty="0" err="1"/>
+              <a:t>my_function</a:t>
+            </a:r>
+            <a:r>
+              <a:rPr lang="en-US" altLang="zh-CN" sz="2400" dirty="0"/>
+              <a:t> takes one argument of type </a:t>
+            </a:r>
+            <a:r>
+              <a:rPr lang="en-US" altLang="zh-CN" sz="2400" dirty="0" err="1"/>
+              <a:t>int</a:t>
+            </a:r>
+            <a:r>
+              <a:rPr lang="en-US" altLang="zh-CN" sz="2400" dirty="0"/>
+              <a:t>,</a:t>
+            </a:r>
+            <a:endParaRPr lang="en-US" altLang="zh-CN" sz="3200" dirty="0">
+              <a:solidFill>
+                <a:srgbClr val="0000FF"/>
+              </a:solidFill>
+            </a:endParaRPr>
+          </a:p>
+          <a:p>
+            <a:pPr marL="0" indent="0">
+              <a:buNone/>
+            </a:pPr>
+            <a:r>
+              <a:rPr lang="en-US" altLang="zh-CN" sz="3200" dirty="0" err="1">
+                <a:solidFill>
+                  <a:srgbClr val="0000FF"/>
+                </a:solidFill>
+              </a:rPr>
+              <a:t>my_function</a:t>
+            </a:r>
+            <a:r>
+              <a:rPr lang="en-US" altLang="zh-CN" sz="3200" dirty="0">
+                <a:solidFill>
+                  <a:srgbClr val="0000FF"/>
+                </a:solidFill>
+              </a:rPr>
+              <a:t>(n</a:t>
+            </a:r>
+            <a:r>
+              <a:rPr lang="en-US" altLang="zh-CN" sz="3200" dirty="0">
+                <a:solidFill>
+                  <a:srgbClr val="0000FF"/>
+                </a:solidFill>
+              </a:rPr>
+              <a:t>);</a:t>
+            </a:r>
+          </a:p>
+          <a:p>
+            <a:pPr marL="0" indent="0">
+              <a:buNone/>
+            </a:pPr>
+            <a:r>
+              <a:rPr lang="en-US" altLang="zh-CN" sz="2400" dirty="0"/>
+              <a:t>Since an indexed variable of the array a is also a variable of type </a:t>
+            </a:r>
+            <a:r>
+              <a:rPr lang="en-US" altLang="zh-CN" sz="2400" dirty="0" err="1"/>
+              <a:t>int</a:t>
+            </a:r>
+            <a:r>
+              <a:rPr lang="en-US" altLang="zh-CN" sz="2400" dirty="0"/>
+              <a:t>, just </a:t>
+            </a:r>
+            <a:r>
+              <a:rPr lang="en-US" altLang="zh-CN" sz="2400" dirty="0" smtClean="0"/>
+              <a:t>like n</a:t>
+            </a:r>
+            <a:r>
+              <a:rPr lang="en-US" altLang="zh-CN" sz="2400" dirty="0"/>
+              <a:t>, the following is equally legal:</a:t>
+            </a:r>
+            <a:endParaRPr lang="en-US" altLang="zh-CN" sz="2400" dirty="0" smtClean="0"/>
+          </a:p>
+          <a:p>
+            <a:pPr marL="0" indent="0">
+              <a:buNone/>
+            </a:pPr>
+            <a:r>
+              <a:rPr lang="en-US" altLang="zh-CN" sz="3200" dirty="0" err="1">
+                <a:solidFill>
+                  <a:srgbClr val="0000FF"/>
+                </a:solidFill>
+              </a:rPr>
+              <a:t>my_function</a:t>
+            </a:r>
+            <a:r>
+              <a:rPr lang="en-US" altLang="zh-CN" sz="3200" dirty="0">
+                <a:solidFill>
+                  <a:srgbClr val="0000FF"/>
+                </a:solidFill>
+              </a:rPr>
+              <a:t>(a[3</a:t>
+            </a:r>
+            <a:r>
+              <a:rPr lang="en-US" altLang="zh-CN" sz="3200" dirty="0" smtClean="0">
+                <a:solidFill>
+                  <a:srgbClr val="0000FF"/>
+                </a:solidFill>
+              </a:rPr>
+              <a:t>]);</a:t>
+            </a:r>
+          </a:p>
+          <a:p>
+            <a:pPr marL="0" indent="0">
+              <a:buNone/>
+            </a:pPr>
+            <a:r>
+              <a:rPr lang="en-US" altLang="zh-CN" sz="2400" dirty="0"/>
+              <a:t>There is one subtlety that does apply to indexed variables used as</a:t>
+            </a:r>
+          </a:p>
+          <a:p>
+            <a:pPr marL="0" indent="0">
+              <a:buNone/>
+            </a:pPr>
+            <a:r>
+              <a:rPr lang="en-US" altLang="zh-CN" sz="2400" dirty="0"/>
+              <a:t>arguments. For example, consider the following function call</a:t>
+            </a:r>
+            <a:r>
+              <a:rPr lang="en-US" altLang="zh-CN" sz="2400" dirty="0" smtClean="0"/>
+              <a:t>:</a:t>
+            </a:r>
+          </a:p>
+          <a:p>
+            <a:pPr marL="0" indent="0">
+              <a:buNone/>
+            </a:pPr>
+            <a:r>
+              <a:rPr lang="en-US" altLang="zh-CN" sz="3200" dirty="0" err="1">
+                <a:solidFill>
+                  <a:srgbClr val="0000FF"/>
+                </a:solidFill>
+              </a:rPr>
+              <a:t>my_function</a:t>
+            </a:r>
+            <a:r>
+              <a:rPr lang="en-US" altLang="zh-CN" sz="3200" dirty="0">
+                <a:solidFill>
+                  <a:srgbClr val="0000FF"/>
+                </a:solidFill>
+              </a:rPr>
+              <a:t>(a[</a:t>
+            </a:r>
+            <a:r>
+              <a:rPr lang="en-US" altLang="zh-CN" sz="3200" dirty="0" err="1">
+                <a:solidFill>
+                  <a:srgbClr val="0000FF"/>
+                </a:solidFill>
+              </a:rPr>
+              <a:t>i</a:t>
+            </a:r>
+            <a:r>
+              <a:rPr lang="en-US" altLang="zh-CN" sz="3200" dirty="0">
+                <a:solidFill>
+                  <a:srgbClr val="0000FF"/>
+                </a:solidFill>
+              </a:rPr>
+              <a:t>]);</a:t>
+            </a:r>
+            <a:endParaRPr lang="zh-CN" altLang="en-US" sz="3200" dirty="0">
+              <a:solidFill>
+                <a:srgbClr val="0000FF"/>
+              </a:solidFill>
+            </a:endParaRPr>
+          </a:p>
+        </p:txBody>
+      </p:sp>
+    </p:spTree>
+    <p:extLst>
+      <p:ext uri="{BB962C8B-B14F-4D97-AF65-F5344CB8AC3E}">
+        <p14:creationId xmlns:p14="http://schemas.microsoft.com/office/powerpoint/2010/main" val="4042191294"/>
+      </p:ext>
+    </p:extLst>
+  </p:cSld>
+  <p:clrMapOvr>
+    <a:masterClrMapping/>
+  </p:clrMapOvr>
+  <p:transition spd="med"/>
+</p:sld>
+</file>
+
+<file path=ppt/slides/slide12.xml><?xml version="1.0" encoding="utf-8"?>
+<p:sld xmlns:a="http://schemas.openxmlformats.org/drawingml/2006/main" xmlns:r="http://schemas.openxmlformats.org/officeDocument/2006/relationships" xmlns:p="http://schemas.openxmlformats.org/presentationml/2006/main">
+  <p:cSld>
+    <p:spTree>
+      <p:nvGrpSpPr>
+        <p:cNvPr id="1" name=""/>
+        <p:cNvGrpSpPr/>
+        <p:nvPr/>
+      </p:nvGrpSpPr>
+      <p:grpSpPr>
+        <a:xfrm>
+          <a:off x="0" y="0"/>
+          <a:ext cx="0" cy="0"/>
+          <a:chOff x="0" y="0"/>
+          <a:chExt cx="0" cy="0"/>
+        </a:xfrm>
+      </p:grpSpPr>
+      <p:sp>
+        <p:nvSpPr>
+          <p:cNvPr id="2" name="标题 1"/>
+          <p:cNvSpPr>
+            <a:spLocks noGrp="1"/>
+          </p:cNvSpPr>
+          <p:nvPr>
+            <p:ph type="title"/>
+          </p:nvPr>
+        </p:nvSpPr>
+        <p:spPr/>
+        <p:txBody>
+          <a:bodyPr/>
+          <a:lstStyle/>
+          <a:p>
+            <a:r>
+              <a:rPr lang="en-US" altLang="zh-CN" b="1" dirty="0"/>
+              <a:t>Entire Arrays as Function </a:t>
+            </a:r>
+            <a:r>
+              <a:rPr lang="en-US" altLang="zh-CN" b="1" dirty="0" smtClean="0"/>
+              <a:t>Arguments</a:t>
+            </a:r>
+            <a:endParaRPr lang="zh-CN" altLang="en-US" dirty="0"/>
+          </a:p>
+        </p:txBody>
+      </p:sp>
+      <p:sp>
+        <p:nvSpPr>
+          <p:cNvPr id="3" name="内容占位符 2"/>
+          <p:cNvSpPr>
+            <a:spLocks noGrp="1"/>
+          </p:cNvSpPr>
+          <p:nvPr>
+            <p:ph idx="1"/>
+          </p:nvPr>
+        </p:nvSpPr>
+        <p:spPr/>
+        <p:txBody>
+          <a:bodyPr/>
+          <a:lstStyle/>
+          <a:p>
+            <a:pPr marL="0" indent="0">
+              <a:buNone/>
+            </a:pPr>
+            <a:r>
+              <a:rPr lang="en-US" altLang="zh-CN" sz="2400" dirty="0">
+                <a:solidFill>
+                  <a:srgbClr val="0000FF"/>
+                </a:solidFill>
+              </a:rPr>
+              <a:t>//Uses </a:t>
+            </a:r>
+            <a:r>
+              <a:rPr lang="en-US" altLang="zh-CN" sz="2400" dirty="0" err="1">
+                <a:solidFill>
+                  <a:srgbClr val="0000FF"/>
+                </a:solidFill>
+              </a:rPr>
+              <a:t>iostream</a:t>
+            </a:r>
+            <a:r>
+              <a:rPr lang="en-US" altLang="zh-CN" sz="2400" dirty="0">
+                <a:solidFill>
+                  <a:srgbClr val="0000FF"/>
+                </a:solidFill>
+              </a:rPr>
+              <a:t>:</a:t>
+            </a:r>
+          </a:p>
+          <a:p>
+            <a:pPr marL="0" indent="0">
+              <a:buNone/>
+            </a:pPr>
+            <a:r>
+              <a:rPr lang="en-US" altLang="zh-CN" sz="2400" dirty="0">
+                <a:solidFill>
+                  <a:srgbClr val="0000FF"/>
+                </a:solidFill>
+              </a:rPr>
+              <a:t> </a:t>
+            </a:r>
+            <a:r>
+              <a:rPr lang="en-US" altLang="zh-CN" sz="2400" dirty="0">
+                <a:solidFill>
+                  <a:srgbClr val="0000FF"/>
+                </a:solidFill>
+              </a:rPr>
+              <a:t>void </a:t>
+            </a:r>
+            <a:r>
+              <a:rPr lang="en-US" altLang="zh-CN" sz="2400" dirty="0" err="1">
+                <a:solidFill>
+                  <a:srgbClr val="0000FF"/>
+                </a:solidFill>
+              </a:rPr>
+              <a:t>fill_up</a:t>
+            </a:r>
+            <a:r>
+              <a:rPr lang="en-US" altLang="zh-CN" sz="2400" dirty="0">
+                <a:solidFill>
+                  <a:srgbClr val="0000FF"/>
+                </a:solidFill>
+              </a:rPr>
+              <a:t>(</a:t>
+            </a:r>
+            <a:r>
+              <a:rPr lang="en-US" altLang="zh-CN" sz="2400" dirty="0" err="1">
+                <a:solidFill>
+                  <a:srgbClr val="0000FF"/>
+                </a:solidFill>
+              </a:rPr>
+              <a:t>int</a:t>
+            </a:r>
+            <a:r>
+              <a:rPr lang="en-US" altLang="zh-CN" sz="2400" dirty="0">
+                <a:solidFill>
+                  <a:srgbClr val="0000FF"/>
+                </a:solidFill>
+              </a:rPr>
+              <a:t> a[], </a:t>
+            </a:r>
+            <a:r>
+              <a:rPr lang="en-US" altLang="zh-CN" sz="2400" dirty="0" err="1">
+                <a:solidFill>
+                  <a:srgbClr val="0000FF"/>
+                </a:solidFill>
+              </a:rPr>
+              <a:t>int</a:t>
+            </a:r>
+            <a:r>
+              <a:rPr lang="en-US" altLang="zh-CN" sz="2400" dirty="0">
+                <a:solidFill>
+                  <a:srgbClr val="0000FF"/>
+                </a:solidFill>
+              </a:rPr>
+              <a:t> size)</a:t>
+            </a:r>
+          </a:p>
+          <a:p>
+            <a:pPr marL="0" indent="0">
+              <a:buNone/>
+            </a:pPr>
+            <a:r>
+              <a:rPr lang="en-US" altLang="zh-CN" sz="2400" dirty="0">
+                <a:solidFill>
+                  <a:srgbClr val="0000FF"/>
+                </a:solidFill>
+              </a:rPr>
+              <a:t> {</a:t>
+            </a:r>
+          </a:p>
+          <a:p>
+            <a:pPr marL="0" indent="0">
+              <a:buNone/>
+            </a:pPr>
+            <a:r>
+              <a:rPr lang="en-US" altLang="zh-CN" sz="2400" dirty="0" smtClean="0">
+                <a:solidFill>
+                  <a:srgbClr val="0000FF"/>
+                </a:solidFill>
+              </a:rPr>
+              <a:t>	using </a:t>
+            </a:r>
+            <a:r>
+              <a:rPr lang="en-US" altLang="zh-CN" sz="2400" dirty="0">
+                <a:solidFill>
+                  <a:srgbClr val="0000FF"/>
+                </a:solidFill>
+              </a:rPr>
+              <a:t>namespace </a:t>
+            </a:r>
+            <a:r>
+              <a:rPr lang="en-US" altLang="zh-CN" sz="2400" dirty="0" err="1">
+                <a:solidFill>
+                  <a:srgbClr val="0000FF"/>
+                </a:solidFill>
+              </a:rPr>
+              <a:t>std</a:t>
+            </a:r>
+            <a:r>
+              <a:rPr lang="en-US" altLang="zh-CN" sz="2400" dirty="0">
+                <a:solidFill>
+                  <a:srgbClr val="0000FF"/>
+                </a:solidFill>
+              </a:rPr>
+              <a:t>;</a:t>
+            </a:r>
+          </a:p>
+          <a:p>
+            <a:pPr marL="0" indent="0">
+              <a:buNone/>
+            </a:pPr>
+            <a:r>
+              <a:rPr lang="en-US" altLang="zh-CN" sz="2400" dirty="0" smtClean="0">
+                <a:solidFill>
+                  <a:srgbClr val="0000FF"/>
+                </a:solidFill>
+              </a:rPr>
+              <a:t>	</a:t>
+            </a:r>
+            <a:r>
+              <a:rPr lang="en-US" altLang="zh-CN" sz="2400" dirty="0" err="1" smtClean="0">
+                <a:solidFill>
+                  <a:srgbClr val="0000FF"/>
+                </a:solidFill>
+              </a:rPr>
+              <a:t>cout</a:t>
+            </a:r>
+            <a:r>
+              <a:rPr lang="en-US" altLang="zh-CN" sz="2400" dirty="0" smtClean="0">
+                <a:solidFill>
+                  <a:srgbClr val="0000FF"/>
+                </a:solidFill>
+              </a:rPr>
+              <a:t> </a:t>
+            </a:r>
+            <a:r>
+              <a:rPr lang="en-US" altLang="zh-CN" sz="2400" dirty="0">
+                <a:solidFill>
+                  <a:srgbClr val="0000FF"/>
+                </a:solidFill>
+              </a:rPr>
+              <a:t>&lt;&lt; "Enter " &lt;&lt; size &lt;&lt; " numbers:\n";</a:t>
+            </a:r>
+          </a:p>
+          <a:p>
+            <a:pPr marL="0" indent="0">
+              <a:buNone/>
+            </a:pPr>
+            <a:r>
+              <a:rPr lang="nn-NO" altLang="zh-CN" sz="2400" dirty="0" smtClean="0">
+                <a:solidFill>
+                  <a:srgbClr val="0000FF"/>
+                </a:solidFill>
+              </a:rPr>
+              <a:t>	for </a:t>
+            </a:r>
+            <a:r>
+              <a:rPr lang="nn-NO" altLang="zh-CN" sz="2400" dirty="0">
+                <a:solidFill>
+                  <a:srgbClr val="0000FF"/>
+                </a:solidFill>
+              </a:rPr>
+              <a:t>(int i = 0; i &lt; size; i++)</a:t>
+            </a:r>
+          </a:p>
+          <a:p>
+            <a:pPr marL="0" indent="0">
+              <a:buNone/>
+            </a:pPr>
+            <a:r>
+              <a:rPr lang="en-US" altLang="zh-CN" sz="2400" dirty="0" smtClean="0">
+                <a:solidFill>
+                  <a:srgbClr val="0000FF"/>
+                </a:solidFill>
+              </a:rPr>
+              <a:t>	</a:t>
+            </a:r>
+            <a:r>
+              <a:rPr lang="en-US" altLang="zh-CN" sz="2400" dirty="0" err="1" smtClean="0">
+                <a:solidFill>
+                  <a:srgbClr val="0000FF"/>
+                </a:solidFill>
+              </a:rPr>
+              <a:t>cin</a:t>
+            </a:r>
+            <a:r>
+              <a:rPr lang="en-US" altLang="zh-CN" sz="2400" dirty="0" smtClean="0">
+                <a:solidFill>
+                  <a:srgbClr val="0000FF"/>
+                </a:solidFill>
+              </a:rPr>
+              <a:t> </a:t>
+            </a:r>
+            <a:r>
+              <a:rPr lang="en-US" altLang="zh-CN" sz="2400" dirty="0">
+                <a:solidFill>
+                  <a:srgbClr val="0000FF"/>
+                </a:solidFill>
+              </a:rPr>
+              <a:t>&gt;&gt; a[</a:t>
+            </a:r>
+            <a:r>
+              <a:rPr lang="en-US" altLang="zh-CN" sz="2400" dirty="0" err="1">
+                <a:solidFill>
+                  <a:srgbClr val="0000FF"/>
+                </a:solidFill>
+              </a:rPr>
+              <a:t>i</a:t>
+            </a:r>
+            <a:r>
+              <a:rPr lang="en-US" altLang="zh-CN" sz="2400" dirty="0">
+                <a:solidFill>
+                  <a:srgbClr val="0000FF"/>
+                </a:solidFill>
+              </a:rPr>
+              <a:t>];</a:t>
+            </a:r>
+          </a:p>
+          <a:p>
+            <a:pPr marL="0" indent="0">
+              <a:buNone/>
+            </a:pPr>
+            <a:r>
+              <a:rPr lang="en-US" altLang="zh-CN" sz="2400" dirty="0" smtClean="0">
+                <a:solidFill>
+                  <a:srgbClr val="0000FF"/>
+                </a:solidFill>
+              </a:rPr>
+              <a:t>	size-</a:t>
+            </a:r>
+            <a:r>
+              <a:rPr lang="en-US" altLang="zh-CN" sz="2400" dirty="0">
+                <a:solidFill>
+                  <a:srgbClr val="0000FF"/>
+                </a:solidFill>
+              </a:rPr>
+              <a:t>-;</a:t>
+            </a:r>
+          </a:p>
+          <a:p>
+            <a:pPr marL="0" indent="0">
+              <a:buNone/>
+            </a:pPr>
+            <a:r>
+              <a:rPr lang="en-US" altLang="zh-CN" sz="2400" dirty="0" smtClean="0">
+                <a:solidFill>
+                  <a:srgbClr val="0000FF"/>
+                </a:solidFill>
+              </a:rPr>
+              <a:t>	</a:t>
+            </a:r>
+            <a:r>
+              <a:rPr lang="en-US" altLang="zh-CN" sz="2400" dirty="0" err="1" smtClean="0">
+                <a:solidFill>
+                  <a:srgbClr val="0000FF"/>
+                </a:solidFill>
+              </a:rPr>
+              <a:t>cout</a:t>
+            </a:r>
+            <a:r>
+              <a:rPr lang="en-US" altLang="zh-CN" sz="2400" dirty="0" smtClean="0">
+                <a:solidFill>
+                  <a:srgbClr val="0000FF"/>
+                </a:solidFill>
+              </a:rPr>
+              <a:t> </a:t>
+            </a:r>
+            <a:r>
+              <a:rPr lang="en-US" altLang="zh-CN" sz="2400" dirty="0">
+                <a:solidFill>
+                  <a:srgbClr val="0000FF"/>
+                </a:solidFill>
+              </a:rPr>
+              <a:t>&lt;&lt; "The last array index used is " &lt;&lt; size &lt;&lt; </a:t>
+            </a:r>
+            <a:r>
+              <a:rPr lang="en-US" altLang="zh-CN" sz="2400" dirty="0" err="1">
+                <a:solidFill>
+                  <a:srgbClr val="0000FF"/>
+                </a:solidFill>
+              </a:rPr>
+              <a:t>endl</a:t>
+            </a:r>
+            <a:r>
+              <a:rPr lang="en-US" altLang="zh-CN" sz="2400" dirty="0">
+                <a:solidFill>
+                  <a:srgbClr val="0000FF"/>
+                </a:solidFill>
+              </a:rPr>
+              <a:t>;</a:t>
+            </a:r>
+          </a:p>
+          <a:p>
+            <a:pPr marL="0" indent="0">
+              <a:buNone/>
+            </a:pPr>
+            <a:r>
+              <a:rPr lang="en-US" altLang="zh-CN" sz="2400" dirty="0" smtClean="0">
+                <a:solidFill>
+                  <a:srgbClr val="0000FF"/>
+                </a:solidFill>
+              </a:rPr>
+              <a:t>}</a:t>
+            </a:r>
+            <a:endParaRPr lang="zh-CN" altLang="en-US" sz="2400" dirty="0">
+              <a:solidFill>
+                <a:srgbClr val="0000FF"/>
+              </a:solidFill>
+            </a:endParaRPr>
+          </a:p>
+        </p:txBody>
+      </p:sp>
+    </p:spTree>
+    <p:extLst>
+      <p:ext uri="{BB962C8B-B14F-4D97-AF65-F5344CB8AC3E}">
+        <p14:creationId xmlns:p14="http://schemas.microsoft.com/office/powerpoint/2010/main" val="2493382974"/>
+      </p:ext>
+    </p:extLst>
+  </p:cSld>
+  <p:clrMapOvr>
+    <a:masterClrMapping/>
+  </p:clrMapOvr>
+  <p:transition spd="med"/>
+</p:sld>
+</file>
+
+<file path=ppt/slides/slide13.xml><?xml version="1.0" encoding="utf-8"?>
+<p:sld xmlns:a="http://schemas.openxmlformats.org/drawingml/2006/main" xmlns:r="http://schemas.openxmlformats.org/officeDocument/2006/relationships" xmlns:p="http://schemas.openxmlformats.org/presentationml/2006/main">
+  <p:cSld>
+    <p:spTree>
+      <p:nvGrpSpPr>
+        <p:cNvPr id="1" name=""/>
+        <p:cNvGrpSpPr/>
+        <p:nvPr/>
+      </p:nvGrpSpPr>
+      <p:grpSpPr>
+        <a:xfrm>
+          <a:off x="0" y="0"/>
+          <a:ext cx="0" cy="0"/>
+          <a:chOff x="0" y="0"/>
+          <a:chExt cx="0" cy="0"/>
+        </a:xfrm>
+      </p:grpSpPr>
+      <p:sp>
+        <p:nvSpPr>
+          <p:cNvPr id="2" name="标题 1"/>
+          <p:cNvSpPr>
+            <a:spLocks noGrp="1"/>
+          </p:cNvSpPr>
+          <p:nvPr>
+            <p:ph type="title"/>
+          </p:nvPr>
+        </p:nvSpPr>
+        <p:spPr/>
+        <p:txBody>
+          <a:bodyPr/>
+          <a:lstStyle/>
+          <a:p>
+            <a:r>
+              <a:rPr lang="en-US" altLang="zh-CN" b="1" dirty="0"/>
+              <a:t>The </a:t>
+            </a:r>
+            <a:r>
+              <a:rPr lang="en-US" altLang="zh-CN" dirty="0" err="1"/>
+              <a:t>const</a:t>
+            </a:r>
+            <a:r>
+              <a:rPr lang="en-US" altLang="zh-CN" dirty="0"/>
+              <a:t> </a:t>
+            </a:r>
+            <a:r>
+              <a:rPr lang="en-US" altLang="zh-CN" b="1" dirty="0"/>
+              <a:t>Parameter Modifier</a:t>
+            </a:r>
+            <a:endParaRPr lang="zh-CN" altLang="en-US" dirty="0"/>
+          </a:p>
+        </p:txBody>
+      </p:sp>
+      <p:sp>
+        <p:nvSpPr>
+          <p:cNvPr id="3" name="内容占位符 2"/>
+          <p:cNvSpPr>
+            <a:spLocks noGrp="1"/>
+          </p:cNvSpPr>
+          <p:nvPr>
+            <p:ph idx="1"/>
+          </p:nvPr>
+        </p:nvSpPr>
+        <p:spPr/>
+        <p:txBody>
+          <a:bodyPr/>
+          <a:lstStyle/>
+          <a:p>
+            <a:pPr marL="0" indent="0">
+              <a:buNone/>
+            </a:pPr>
+            <a:r>
+              <a:rPr lang="en-US" altLang="zh-CN" sz="2000" dirty="0"/>
+              <a:t>void </a:t>
+            </a:r>
+            <a:r>
+              <a:rPr lang="en-US" altLang="zh-CN" sz="2000" dirty="0" err="1"/>
+              <a:t>show_the_world</a:t>
+            </a:r>
+            <a:r>
+              <a:rPr lang="en-US" altLang="zh-CN" sz="2000" dirty="0"/>
+              <a:t>(</a:t>
+            </a:r>
+            <a:r>
+              <a:rPr lang="en-US" altLang="zh-CN" sz="2000" dirty="0" err="1"/>
+              <a:t>const</a:t>
+            </a:r>
+            <a:r>
+              <a:rPr lang="en-US" altLang="zh-CN" sz="2000" dirty="0"/>
+              <a:t> </a:t>
+            </a:r>
+            <a:r>
+              <a:rPr lang="en-US" altLang="zh-CN" sz="2000" dirty="0" err="1"/>
+              <a:t>int</a:t>
+            </a:r>
+            <a:r>
+              <a:rPr lang="en-US" altLang="zh-CN" sz="2000" dirty="0"/>
+              <a:t> a[], </a:t>
+            </a:r>
+            <a:r>
+              <a:rPr lang="en-US" altLang="zh-CN" sz="2000" dirty="0" err="1"/>
+              <a:t>int</a:t>
+            </a:r>
+            <a:r>
+              <a:rPr lang="en-US" altLang="zh-CN" sz="2000" dirty="0"/>
+              <a:t> </a:t>
+            </a:r>
+            <a:r>
+              <a:rPr lang="en-US" altLang="zh-CN" sz="2000" dirty="0" err="1"/>
+              <a:t>size_of_a</a:t>
+            </a:r>
+            <a:r>
+              <a:rPr lang="en-US" altLang="zh-CN" sz="2000" dirty="0"/>
+              <a:t>)</a:t>
+            </a:r>
+          </a:p>
+          <a:p>
+            <a:pPr marL="0" indent="0">
+              <a:buNone/>
+            </a:pPr>
+            <a:r>
+              <a:rPr lang="en-US" altLang="zh-CN" sz="2000" dirty="0"/>
+              <a:t>//Precondition: </a:t>
+            </a:r>
+            <a:r>
+              <a:rPr lang="en-US" altLang="zh-CN" sz="2000" dirty="0" err="1"/>
+              <a:t>size_of_a</a:t>
+            </a:r>
+            <a:r>
+              <a:rPr lang="en-US" altLang="zh-CN" sz="2000" dirty="0"/>
+              <a:t> is the declared size of the array a.</a:t>
+            </a:r>
+          </a:p>
+          <a:p>
+            <a:pPr marL="0" indent="0">
+              <a:buNone/>
+            </a:pPr>
+            <a:r>
+              <a:rPr lang="en-US" altLang="zh-CN" sz="2000" dirty="0"/>
+              <a:t>//All indexed variables of a have been given values.</a:t>
+            </a:r>
+          </a:p>
+          <a:p>
+            <a:pPr marL="0" indent="0">
+              <a:buNone/>
+            </a:pPr>
+            <a:r>
+              <a:rPr lang="en-US" altLang="zh-CN" sz="2000" dirty="0"/>
+              <a:t>//</a:t>
+            </a:r>
+            <a:r>
+              <a:rPr lang="en-US" altLang="zh-CN" sz="2000" dirty="0" err="1"/>
+              <a:t>Postcondition</a:t>
+            </a:r>
+            <a:r>
+              <a:rPr lang="en-US" altLang="zh-CN" sz="2000" dirty="0"/>
+              <a:t>: The values in a have been written</a:t>
+            </a:r>
+          </a:p>
+          <a:p>
+            <a:pPr marL="0" indent="0">
+              <a:buNone/>
+            </a:pPr>
+            <a:r>
+              <a:rPr lang="en-US" altLang="zh-CN" sz="2000" dirty="0"/>
+              <a:t>//to the screen.</a:t>
+            </a:r>
+          </a:p>
+          <a:p>
+            <a:pPr marL="0" indent="0">
+              <a:buNone/>
+            </a:pPr>
+            <a:r>
+              <a:rPr lang="en-US" altLang="zh-CN" sz="2400" dirty="0">
+                <a:solidFill>
+                  <a:srgbClr val="0000FF"/>
+                </a:solidFill>
+              </a:rPr>
+              <a:t>{</a:t>
+            </a:r>
+          </a:p>
+          <a:p>
+            <a:pPr marL="0" indent="0">
+              <a:buNone/>
+            </a:pPr>
+            <a:r>
+              <a:rPr lang="en-US" altLang="zh-CN" sz="2400" dirty="0">
+                <a:solidFill>
+                  <a:srgbClr val="0000FF"/>
+                </a:solidFill>
+              </a:rPr>
+              <a:t>	</a:t>
+            </a:r>
+            <a:r>
+              <a:rPr lang="en-US" altLang="zh-CN" sz="2400" dirty="0" err="1">
+                <a:solidFill>
+                  <a:srgbClr val="0000FF"/>
+                </a:solidFill>
+              </a:rPr>
+              <a:t>cout</a:t>
+            </a:r>
+            <a:r>
+              <a:rPr lang="en-US" altLang="zh-CN" sz="2400" dirty="0">
+                <a:solidFill>
+                  <a:srgbClr val="0000FF"/>
+                </a:solidFill>
+              </a:rPr>
+              <a:t> </a:t>
+            </a:r>
+            <a:r>
+              <a:rPr lang="en-US" altLang="zh-CN" sz="2400" dirty="0">
+                <a:solidFill>
+                  <a:srgbClr val="0000FF"/>
+                </a:solidFill>
+              </a:rPr>
+              <a:t>&lt;&lt; "The array contains the following values:\n";</a:t>
+            </a:r>
+          </a:p>
+          <a:p>
+            <a:pPr marL="0" indent="0">
+              <a:buNone/>
+            </a:pPr>
+            <a:r>
+              <a:rPr lang="en-US" altLang="zh-CN" sz="2400" dirty="0">
+                <a:solidFill>
+                  <a:srgbClr val="0000FF"/>
+                </a:solidFill>
+              </a:rPr>
+              <a:t>	for </a:t>
+            </a:r>
+            <a:r>
+              <a:rPr lang="en-US" altLang="zh-CN" sz="2400" dirty="0">
+                <a:solidFill>
+                  <a:srgbClr val="0000FF"/>
+                </a:solidFill>
+              </a:rPr>
+              <a:t>(</a:t>
+            </a:r>
+            <a:r>
+              <a:rPr lang="en-US" altLang="zh-CN" sz="2400" dirty="0" err="1">
+                <a:solidFill>
+                  <a:srgbClr val="0000FF"/>
+                </a:solidFill>
+              </a:rPr>
+              <a:t>int</a:t>
+            </a:r>
+            <a:r>
+              <a:rPr lang="en-US" altLang="zh-CN" sz="2400" dirty="0">
+                <a:solidFill>
+                  <a:srgbClr val="0000FF"/>
+                </a:solidFill>
+              </a:rPr>
+              <a:t> </a:t>
+            </a:r>
+            <a:r>
+              <a:rPr lang="en-US" altLang="zh-CN" sz="2400" dirty="0" err="1">
+                <a:solidFill>
+                  <a:srgbClr val="0000FF"/>
+                </a:solidFill>
+              </a:rPr>
+              <a:t>i</a:t>
+            </a:r>
+            <a:r>
+              <a:rPr lang="en-US" altLang="zh-CN" sz="2400" dirty="0">
+                <a:solidFill>
+                  <a:srgbClr val="0000FF"/>
+                </a:solidFill>
+              </a:rPr>
+              <a:t> = 0; </a:t>
+            </a:r>
+            <a:r>
+              <a:rPr lang="en-US" altLang="zh-CN" sz="2400" dirty="0" err="1">
+                <a:solidFill>
+                  <a:srgbClr val="0000FF"/>
+                </a:solidFill>
+              </a:rPr>
+              <a:t>i</a:t>
+            </a:r>
+            <a:r>
+              <a:rPr lang="en-US" altLang="zh-CN" sz="2400" dirty="0">
+                <a:solidFill>
+                  <a:srgbClr val="0000FF"/>
+                </a:solidFill>
+              </a:rPr>
+              <a:t> &lt; </a:t>
+            </a:r>
+            <a:r>
+              <a:rPr lang="en-US" altLang="zh-CN" sz="2400" dirty="0" err="1">
+                <a:solidFill>
+                  <a:srgbClr val="0000FF"/>
+                </a:solidFill>
+              </a:rPr>
+              <a:t>size_of_a</a:t>
+            </a:r>
+            <a:r>
+              <a:rPr lang="en-US" altLang="zh-CN" sz="2400" dirty="0">
+                <a:solidFill>
+                  <a:srgbClr val="0000FF"/>
+                </a:solidFill>
+              </a:rPr>
+              <a:t>; a[</a:t>
+            </a:r>
+            <a:r>
+              <a:rPr lang="en-US" altLang="zh-CN" sz="2400" dirty="0" err="1">
+                <a:solidFill>
+                  <a:srgbClr val="0000FF"/>
+                </a:solidFill>
+              </a:rPr>
+              <a:t>i</a:t>
+            </a:r>
+            <a:r>
+              <a:rPr lang="en-US" altLang="zh-CN" sz="2400" dirty="0">
+                <a:solidFill>
+                  <a:srgbClr val="0000FF"/>
+                </a:solidFill>
+              </a:rPr>
+              <a:t>]++)</a:t>
+            </a:r>
+          </a:p>
+          <a:p>
+            <a:pPr marL="0" indent="0">
+              <a:buNone/>
+            </a:pPr>
+            <a:r>
+              <a:rPr lang="en-US" altLang="zh-CN" sz="2400" dirty="0">
+                <a:solidFill>
+                  <a:srgbClr val="0000FF"/>
+                </a:solidFill>
+              </a:rPr>
+              <a:t>	</a:t>
+            </a:r>
+            <a:r>
+              <a:rPr lang="en-US" altLang="zh-CN" sz="2400" dirty="0" err="1">
+                <a:solidFill>
+                  <a:srgbClr val="0000FF"/>
+                </a:solidFill>
+              </a:rPr>
+              <a:t>cout</a:t>
+            </a:r>
+            <a:r>
+              <a:rPr lang="en-US" altLang="zh-CN" sz="2400" dirty="0">
+                <a:solidFill>
+                  <a:srgbClr val="0000FF"/>
+                </a:solidFill>
+              </a:rPr>
+              <a:t> </a:t>
+            </a:r>
+            <a:r>
+              <a:rPr lang="en-US" altLang="zh-CN" sz="2400" dirty="0">
+                <a:solidFill>
+                  <a:srgbClr val="0000FF"/>
+                </a:solidFill>
+              </a:rPr>
+              <a:t>&lt;&lt; a[</a:t>
+            </a:r>
+            <a:r>
+              <a:rPr lang="en-US" altLang="zh-CN" sz="2400" dirty="0" err="1">
+                <a:solidFill>
+                  <a:srgbClr val="0000FF"/>
+                </a:solidFill>
+              </a:rPr>
+              <a:t>i</a:t>
+            </a:r>
+            <a:r>
+              <a:rPr lang="en-US" altLang="zh-CN" sz="2400" dirty="0">
+                <a:solidFill>
+                  <a:srgbClr val="0000FF"/>
+                </a:solidFill>
+              </a:rPr>
+              <a:t>] &lt;&lt; " ";</a:t>
+            </a:r>
+          </a:p>
+          <a:p>
+            <a:pPr marL="0" indent="0">
+              <a:buNone/>
+            </a:pPr>
+            <a:r>
+              <a:rPr lang="en-US" altLang="zh-CN" sz="2400" dirty="0">
+                <a:solidFill>
+                  <a:srgbClr val="0000FF"/>
+                </a:solidFill>
+              </a:rPr>
+              <a:t>	</a:t>
+            </a:r>
+            <a:r>
+              <a:rPr lang="en-US" altLang="zh-CN" sz="2400" dirty="0" err="1">
+                <a:solidFill>
+                  <a:srgbClr val="0000FF"/>
+                </a:solidFill>
+              </a:rPr>
+              <a:t>cout</a:t>
+            </a:r>
+            <a:r>
+              <a:rPr lang="en-US" altLang="zh-CN" sz="2400" dirty="0">
+                <a:solidFill>
+                  <a:srgbClr val="0000FF"/>
+                </a:solidFill>
+              </a:rPr>
+              <a:t> </a:t>
+            </a:r>
+            <a:r>
+              <a:rPr lang="en-US" altLang="zh-CN" sz="2400" dirty="0">
+                <a:solidFill>
+                  <a:srgbClr val="0000FF"/>
+                </a:solidFill>
+              </a:rPr>
+              <a:t>&lt;&lt; </a:t>
+            </a:r>
+            <a:r>
+              <a:rPr lang="en-US" altLang="zh-CN" sz="2400" dirty="0" err="1">
+                <a:solidFill>
+                  <a:srgbClr val="0000FF"/>
+                </a:solidFill>
+              </a:rPr>
+              <a:t>endl</a:t>
+            </a:r>
+            <a:r>
+              <a:rPr lang="en-US" altLang="zh-CN" sz="2400" dirty="0">
+                <a:solidFill>
+                  <a:srgbClr val="0000FF"/>
+                </a:solidFill>
+              </a:rPr>
+              <a:t>;</a:t>
+            </a:r>
+          </a:p>
+          <a:p>
+            <a:pPr marL="0" indent="0">
+              <a:buNone/>
+            </a:pPr>
+            <a:r>
+              <a:rPr lang="en-US" altLang="zh-CN" sz="2400" dirty="0">
+                <a:solidFill>
+                  <a:srgbClr val="0000FF"/>
+                </a:solidFill>
+              </a:rPr>
+              <a:t>}</a:t>
+            </a:r>
+            <a:endParaRPr lang="zh-CN" altLang="en-US" sz="2400" dirty="0">
+              <a:solidFill>
+                <a:srgbClr val="0000FF"/>
+              </a:solidFill>
+            </a:endParaRPr>
+          </a:p>
+        </p:txBody>
+      </p:sp>
+    </p:spTree>
+    <p:extLst>
+      <p:ext uri="{BB962C8B-B14F-4D97-AF65-F5344CB8AC3E}">
+        <p14:creationId xmlns:p14="http://schemas.microsoft.com/office/powerpoint/2010/main" val="1345545564"/>
+      </p:ext>
+    </p:extLst>
+  </p:cSld>
+  <p:clrMapOvr>
+    <a:masterClrMapping/>
+  </p:clrMapOvr>
+  <p:transition spd="med"/>
+</p:sld>
+</file>
+
+<file path=ppt/slides/slide14.xml><?xml version="1.0" encoding="utf-8"?>
+<p:sld xmlns:a="http://schemas.openxmlformats.org/drawingml/2006/main" xmlns:r="http://schemas.openxmlformats.org/officeDocument/2006/relationships" xmlns:p="http://schemas.openxmlformats.org/presentationml/2006/main">
+  <p:cSld>
+    <p:spTree>
+      <p:nvGrpSpPr>
+        <p:cNvPr id="1" name=""/>
+        <p:cNvGrpSpPr/>
+        <p:nvPr/>
+      </p:nvGrpSpPr>
+      <p:grpSpPr>
+        <a:xfrm>
+          <a:off x="0" y="0"/>
+          <a:ext cx="0" cy="0"/>
+          <a:chOff x="0" y="0"/>
+          <a:chExt cx="0" cy="0"/>
+        </a:xfrm>
+      </p:grpSpPr>
+      <p:sp>
+        <p:nvSpPr>
+          <p:cNvPr id="2" name="标题 1"/>
+          <p:cNvSpPr>
+            <a:spLocks noGrp="1"/>
+          </p:cNvSpPr>
+          <p:nvPr>
+            <p:ph type="title"/>
+          </p:nvPr>
+        </p:nvSpPr>
+        <p:spPr/>
+        <p:txBody>
+          <a:bodyPr/>
+          <a:lstStyle/>
+          <a:p>
+            <a:r>
+              <a:rPr lang="en-US" altLang="zh-CN" dirty="0" smtClean="0"/>
+              <a:t>Test</a:t>
+            </a:r>
+            <a:endParaRPr lang="zh-CN" altLang="en-US" dirty="0"/>
+          </a:p>
+        </p:txBody>
+      </p:sp>
+      <p:sp>
+        <p:nvSpPr>
+          <p:cNvPr id="3" name="内容占位符 2"/>
+          <p:cNvSpPr>
+            <a:spLocks noGrp="1"/>
+          </p:cNvSpPr>
+          <p:nvPr>
+            <p:ph idx="1"/>
+          </p:nvPr>
+        </p:nvSpPr>
+        <p:spPr/>
+        <p:txBody>
+          <a:bodyPr/>
+          <a:lstStyle/>
+          <a:p>
+            <a:pPr marL="0" indent="0">
+              <a:buNone/>
+            </a:pPr>
+            <a:r>
+              <a:rPr lang="en-US" altLang="zh-CN" sz="2000" dirty="0">
+                <a:solidFill>
+                  <a:srgbClr val="0000FF"/>
+                </a:solidFill>
+              </a:rPr>
+              <a:t>void too2(</a:t>
+            </a:r>
+            <a:r>
+              <a:rPr lang="en-US" altLang="zh-CN" sz="2000" dirty="0" err="1">
+                <a:solidFill>
+                  <a:srgbClr val="0000FF"/>
+                </a:solidFill>
+              </a:rPr>
+              <a:t>int</a:t>
+            </a:r>
+            <a:r>
+              <a:rPr lang="en-US" altLang="zh-CN" sz="2000" dirty="0">
+                <a:solidFill>
+                  <a:srgbClr val="0000FF"/>
+                </a:solidFill>
+              </a:rPr>
+              <a:t> a[], </a:t>
+            </a:r>
+            <a:r>
+              <a:rPr lang="en-US" altLang="zh-CN" sz="2000" dirty="0" err="1">
+                <a:solidFill>
+                  <a:srgbClr val="0000FF"/>
+                </a:solidFill>
+              </a:rPr>
+              <a:t>int</a:t>
+            </a:r>
+            <a:r>
+              <a:rPr lang="en-US" altLang="zh-CN" sz="2000" dirty="0">
+                <a:solidFill>
+                  <a:srgbClr val="0000FF"/>
+                </a:solidFill>
+              </a:rPr>
+              <a:t> </a:t>
+            </a:r>
+            <a:r>
+              <a:rPr lang="en-US" altLang="zh-CN" sz="2000" dirty="0" err="1">
+                <a:solidFill>
+                  <a:srgbClr val="0000FF"/>
+                </a:solidFill>
+              </a:rPr>
+              <a:t>how_many</a:t>
+            </a:r>
+            <a:r>
+              <a:rPr lang="en-US" altLang="zh-CN" sz="2000" dirty="0">
+                <a:solidFill>
+                  <a:srgbClr val="0000FF"/>
+                </a:solidFill>
+              </a:rPr>
+              <a:t>)</a:t>
+            </a:r>
+          </a:p>
+          <a:p>
+            <a:pPr marL="0" indent="0">
+              <a:buNone/>
+            </a:pPr>
+            <a:r>
+              <a:rPr lang="en-US" altLang="zh-CN" sz="2000" dirty="0">
+                <a:solidFill>
+                  <a:srgbClr val="0000FF"/>
+                </a:solidFill>
+              </a:rPr>
+              <a:t>{</a:t>
+            </a:r>
+          </a:p>
+          <a:p>
+            <a:pPr marL="0" indent="0">
+              <a:buNone/>
+            </a:pPr>
+            <a:r>
+              <a:rPr lang="en-US" altLang="zh-CN" sz="2000" dirty="0">
+                <a:solidFill>
+                  <a:srgbClr val="0000FF"/>
+                </a:solidFill>
+              </a:rPr>
+              <a:t>	for </a:t>
+            </a:r>
+            <a:r>
+              <a:rPr lang="en-US" altLang="zh-CN" sz="2000" dirty="0">
+                <a:solidFill>
+                  <a:srgbClr val="0000FF"/>
+                </a:solidFill>
+              </a:rPr>
+              <a:t>(</a:t>
+            </a:r>
+            <a:r>
+              <a:rPr lang="en-US" altLang="zh-CN" sz="2000" dirty="0" err="1">
+                <a:solidFill>
+                  <a:srgbClr val="0000FF"/>
+                </a:solidFill>
+              </a:rPr>
+              <a:t>int</a:t>
+            </a:r>
+            <a:r>
+              <a:rPr lang="en-US" altLang="zh-CN" sz="2000" dirty="0">
+                <a:solidFill>
+                  <a:srgbClr val="0000FF"/>
+                </a:solidFill>
+              </a:rPr>
+              <a:t> index = 0; index &lt; </a:t>
+            </a:r>
+            <a:r>
+              <a:rPr lang="en-US" altLang="zh-CN" sz="2000" dirty="0" err="1">
+                <a:solidFill>
+                  <a:srgbClr val="0000FF"/>
+                </a:solidFill>
+              </a:rPr>
+              <a:t>how_many</a:t>
+            </a:r>
+            <a:r>
+              <a:rPr lang="en-US" altLang="zh-CN" sz="2000" dirty="0">
+                <a:solidFill>
+                  <a:srgbClr val="0000FF"/>
+                </a:solidFill>
+              </a:rPr>
+              <a:t>; index++)</a:t>
+            </a:r>
+          </a:p>
+          <a:p>
+            <a:pPr marL="0" indent="0">
+              <a:buNone/>
+            </a:pPr>
+            <a:r>
+              <a:rPr lang="en-US" altLang="zh-CN" sz="2000" dirty="0">
+                <a:solidFill>
+                  <a:srgbClr val="0000FF"/>
+                </a:solidFill>
+              </a:rPr>
+              <a:t>	a[index</a:t>
+            </a:r>
+            <a:r>
+              <a:rPr lang="en-US" altLang="zh-CN" sz="2000" dirty="0">
+                <a:solidFill>
+                  <a:srgbClr val="0000FF"/>
+                </a:solidFill>
+              </a:rPr>
+              <a:t>] = 2;</a:t>
+            </a:r>
+          </a:p>
+          <a:p>
+            <a:pPr marL="0" indent="0">
+              <a:buNone/>
+            </a:pPr>
+            <a:r>
+              <a:rPr lang="en-US" altLang="zh-CN" sz="2000" dirty="0">
+                <a:solidFill>
+                  <a:srgbClr val="0000FF"/>
+                </a:solidFill>
+              </a:rPr>
+              <a:t>}</a:t>
+            </a:r>
+          </a:p>
+          <a:p>
+            <a:pPr marL="0" indent="0">
+              <a:buNone/>
+            </a:pPr>
+            <a:r>
+              <a:rPr lang="en-US" altLang="zh-CN" sz="1600" dirty="0"/>
+              <a:t>Which of the following are acceptable function calls?</a:t>
+            </a:r>
+          </a:p>
+          <a:p>
+            <a:pPr marL="0" indent="0">
+              <a:buNone/>
+            </a:pPr>
+            <a:r>
+              <a:rPr lang="en-US" altLang="zh-CN" sz="1600" dirty="0" err="1" smtClean="0"/>
+              <a:t>int</a:t>
+            </a:r>
+            <a:r>
+              <a:rPr lang="en-US" altLang="zh-CN" sz="1600" dirty="0" smtClean="0"/>
+              <a:t> </a:t>
+            </a:r>
+            <a:r>
+              <a:rPr lang="en-US" altLang="zh-CN" sz="1600" dirty="0" err="1"/>
+              <a:t>my_array</a:t>
+            </a:r>
+            <a:r>
+              <a:rPr lang="en-US" altLang="zh-CN" sz="1600" dirty="0"/>
+              <a:t>[29];</a:t>
+            </a:r>
+          </a:p>
+          <a:p>
+            <a:pPr marL="0" indent="0">
+              <a:buNone/>
+            </a:pPr>
+            <a:endParaRPr lang="en-US" altLang="zh-CN" sz="1600" dirty="0" smtClean="0"/>
+          </a:p>
+          <a:p>
+            <a:pPr marL="0" indent="0">
+              <a:buNone/>
+            </a:pPr>
+            <a:r>
+              <a:rPr lang="en-US" altLang="zh-CN" sz="1600" dirty="0" smtClean="0"/>
+              <a:t>A: too2(</a:t>
+            </a:r>
+            <a:r>
+              <a:rPr lang="en-US" altLang="zh-CN" sz="1600" dirty="0" err="1" smtClean="0"/>
+              <a:t>my_array</a:t>
+            </a:r>
+            <a:r>
+              <a:rPr lang="en-US" altLang="zh-CN" sz="1600" dirty="0"/>
+              <a:t>, 29</a:t>
+            </a:r>
+            <a:r>
+              <a:rPr lang="en-US" altLang="zh-CN" sz="1600" dirty="0" smtClean="0"/>
+              <a:t>);</a:t>
+            </a:r>
+          </a:p>
+          <a:p>
+            <a:pPr marL="0" indent="0">
+              <a:buNone/>
+            </a:pPr>
+            <a:r>
+              <a:rPr lang="en-US" altLang="zh-CN" sz="1600" dirty="0" smtClean="0"/>
+              <a:t>          </a:t>
+            </a:r>
+          </a:p>
+          <a:p>
+            <a:pPr marL="0" indent="0">
+              <a:buNone/>
+            </a:pPr>
+            <a:r>
+              <a:rPr lang="en-US" altLang="zh-CN" sz="1600" dirty="0" smtClean="0"/>
+              <a:t>B: too2(</a:t>
+            </a:r>
+            <a:r>
+              <a:rPr lang="en-US" altLang="zh-CN" sz="1600" dirty="0" err="1" smtClean="0"/>
+              <a:t>my_array</a:t>
+            </a:r>
+            <a:r>
+              <a:rPr lang="en-US" altLang="zh-CN" sz="1600" dirty="0"/>
+              <a:t>, 10);</a:t>
+            </a:r>
+          </a:p>
+          <a:p>
+            <a:pPr marL="0" indent="0">
+              <a:buNone/>
+            </a:pPr>
+            <a:endParaRPr lang="en-US" altLang="zh-CN" sz="1600" dirty="0" smtClean="0"/>
+          </a:p>
+          <a:p>
+            <a:pPr marL="0" indent="0">
+              <a:buNone/>
+            </a:pPr>
+            <a:r>
+              <a:rPr lang="en-US" altLang="zh-CN" sz="1600" dirty="0" smtClean="0"/>
+              <a:t>C: too2(</a:t>
+            </a:r>
+            <a:r>
+              <a:rPr lang="en-US" altLang="zh-CN" sz="1600" dirty="0" err="1" smtClean="0"/>
+              <a:t>my_array</a:t>
+            </a:r>
+            <a:r>
+              <a:rPr lang="en-US" altLang="zh-CN" sz="1600" dirty="0"/>
+              <a:t>, 55</a:t>
+            </a:r>
+            <a:r>
+              <a:rPr lang="en-US" altLang="zh-CN" sz="1600" dirty="0" smtClean="0"/>
+              <a:t>);</a:t>
+            </a:r>
+            <a:endParaRPr lang="en-US" altLang="zh-CN" sz="1600" dirty="0"/>
+          </a:p>
+        </p:txBody>
+      </p:sp>
+    </p:spTree>
+    <p:extLst>
+      <p:ext uri="{BB962C8B-B14F-4D97-AF65-F5344CB8AC3E}">
+        <p14:creationId xmlns:p14="http://schemas.microsoft.com/office/powerpoint/2010/main" val="1823043948"/>
+      </p:ext>
+    </p:extLst>
+  </p:cSld>
+  <p:clrMapOvr>
+    <a:masterClrMapping/>
+  </p:clrMapOvr>
+  <p:transition spd="med"/>
+</p:sld>
+</file>
+
+<file path=ppt/slides/slide15.xml><?xml version="1.0" encoding="utf-8"?>
+<p:sld xmlns:a="http://schemas.openxmlformats.org/drawingml/2006/main" xmlns:r="http://schemas.openxmlformats.org/officeDocument/2006/relationships" xmlns:p="http://schemas.openxmlformats.org/presentationml/2006/main">
+  <p:cSld>
+    <p:spTree>
+      <p:nvGrpSpPr>
+        <p:cNvPr id="1" name=""/>
+        <p:cNvGrpSpPr/>
+        <p:nvPr/>
+      </p:nvGrpSpPr>
+      <p:grpSpPr>
+        <a:xfrm>
+          <a:off x="0" y="0"/>
+          <a:ext cx="0" cy="0"/>
+          <a:chOff x="0" y="0"/>
+          <a:chExt cx="0" cy="0"/>
+        </a:xfrm>
+      </p:grpSpPr>
+      <p:sp>
+        <p:nvSpPr>
+          <p:cNvPr id="2" name="标题 1"/>
+          <p:cNvSpPr>
+            <a:spLocks noGrp="1"/>
+          </p:cNvSpPr>
+          <p:nvPr>
+            <p:ph type="title"/>
+          </p:nvPr>
+        </p:nvSpPr>
+        <p:spPr/>
+        <p:txBody>
+          <a:bodyPr/>
+          <a:lstStyle/>
+          <a:p>
+            <a:r>
+              <a:rPr lang="en-US" altLang="zh-CN" b="1" dirty="0"/>
+              <a:t>PROGRAMMING WITH ARRAYS</a:t>
+            </a:r>
+            <a:endParaRPr lang="zh-CN" altLang="en-US" dirty="0"/>
+          </a:p>
+        </p:txBody>
+      </p:sp>
+      <p:sp>
+        <p:nvSpPr>
+          <p:cNvPr id="3" name="内容占位符 2"/>
+          <p:cNvSpPr>
+            <a:spLocks noGrp="1"/>
+          </p:cNvSpPr>
+          <p:nvPr>
+            <p:ph idx="1"/>
+          </p:nvPr>
+        </p:nvSpPr>
+        <p:spPr/>
+        <p:txBody>
+          <a:bodyPr/>
+          <a:lstStyle/>
+          <a:p>
+            <a:r>
+              <a:rPr lang="en-US" altLang="zh-CN" sz="2400" dirty="0" err="1">
+                <a:solidFill>
+                  <a:srgbClr val="0000FF"/>
+                </a:solidFill>
+              </a:rPr>
+              <a:t>fill_array</a:t>
+            </a:r>
+            <a:r>
+              <a:rPr lang="en-US" altLang="zh-CN" sz="2400" dirty="0">
+                <a:solidFill>
+                  <a:srgbClr val="0000FF"/>
+                </a:solidFill>
+              </a:rPr>
+              <a:t>(score, MAX_NUMBER_SCORES, </a:t>
+            </a:r>
+            <a:r>
+              <a:rPr lang="en-US" altLang="zh-CN" sz="2400" dirty="0" err="1">
+                <a:solidFill>
+                  <a:srgbClr val="0000FF"/>
+                </a:solidFill>
+              </a:rPr>
+              <a:t>number_used</a:t>
+            </a:r>
+            <a:r>
+              <a:rPr lang="en-US" altLang="zh-CN" sz="2400" dirty="0" smtClean="0">
+                <a:solidFill>
+                  <a:srgbClr val="0000FF"/>
+                </a:solidFill>
+              </a:rPr>
+              <a:t>);</a:t>
+            </a:r>
+          </a:p>
+          <a:p>
+            <a:endParaRPr lang="en-US" altLang="zh-CN" sz="2400" dirty="0" smtClean="0">
+              <a:solidFill>
+                <a:srgbClr val="0000FF"/>
+              </a:solidFill>
+            </a:endParaRPr>
+          </a:p>
+          <a:p>
+            <a:r>
+              <a:rPr lang="en-US" altLang="zh-CN" sz="2400" dirty="0">
+                <a:solidFill>
+                  <a:srgbClr val="0000FF"/>
+                </a:solidFill>
+              </a:rPr>
+              <a:t>double </a:t>
+            </a:r>
+            <a:r>
+              <a:rPr lang="en-US" altLang="zh-CN" sz="2400" dirty="0" err="1">
+                <a:solidFill>
+                  <a:srgbClr val="0000FF"/>
+                </a:solidFill>
+              </a:rPr>
+              <a:t>compute_average</a:t>
+            </a:r>
+            <a:r>
+              <a:rPr lang="en-US" altLang="zh-CN" sz="2400" dirty="0">
+                <a:solidFill>
+                  <a:srgbClr val="0000FF"/>
+                </a:solidFill>
+              </a:rPr>
+              <a:t>(</a:t>
+            </a:r>
+            <a:r>
+              <a:rPr lang="en-US" altLang="zh-CN" sz="2400" dirty="0" err="1">
+                <a:solidFill>
+                  <a:srgbClr val="0000FF"/>
+                </a:solidFill>
+              </a:rPr>
+              <a:t>const</a:t>
+            </a:r>
+            <a:r>
+              <a:rPr lang="en-US" altLang="zh-CN" sz="2400" dirty="0">
+                <a:solidFill>
+                  <a:srgbClr val="0000FF"/>
+                </a:solidFill>
+              </a:rPr>
+              <a:t> </a:t>
+            </a:r>
+            <a:r>
+              <a:rPr lang="en-US" altLang="zh-CN" sz="2400" dirty="0" err="1">
+                <a:solidFill>
+                  <a:srgbClr val="0000FF"/>
+                </a:solidFill>
+              </a:rPr>
+              <a:t>int</a:t>
+            </a:r>
+            <a:r>
+              <a:rPr lang="en-US" altLang="zh-CN" sz="2400" dirty="0">
+                <a:solidFill>
+                  <a:srgbClr val="0000FF"/>
+                </a:solidFill>
+              </a:rPr>
+              <a:t> a[], </a:t>
+            </a:r>
+            <a:r>
+              <a:rPr lang="en-US" altLang="zh-CN" sz="2400" dirty="0" err="1">
+                <a:solidFill>
+                  <a:srgbClr val="0000FF"/>
+                </a:solidFill>
+              </a:rPr>
+              <a:t>int</a:t>
+            </a:r>
+            <a:r>
+              <a:rPr lang="en-US" altLang="zh-CN" sz="2400" dirty="0">
+                <a:solidFill>
+                  <a:srgbClr val="0000FF"/>
+                </a:solidFill>
+              </a:rPr>
+              <a:t> </a:t>
+            </a:r>
+            <a:r>
+              <a:rPr lang="en-US" altLang="zh-CN" sz="2400" dirty="0" err="1">
+                <a:solidFill>
+                  <a:srgbClr val="0000FF"/>
+                </a:solidFill>
+              </a:rPr>
+              <a:t>number_used</a:t>
+            </a:r>
+            <a:r>
+              <a:rPr lang="en-US" altLang="zh-CN" sz="2400" dirty="0" smtClean="0">
+                <a:solidFill>
+                  <a:srgbClr val="0000FF"/>
+                </a:solidFill>
+              </a:rPr>
+              <a:t>)</a:t>
+            </a:r>
+          </a:p>
+          <a:p>
+            <a:endParaRPr lang="en-US" altLang="zh-CN" dirty="0" smtClean="0"/>
+          </a:p>
+          <a:p>
+            <a:r>
+              <a:rPr lang="en-US" altLang="zh-CN" sz="2400" dirty="0">
+                <a:solidFill>
+                  <a:srgbClr val="0000FF"/>
+                </a:solidFill>
+              </a:rPr>
+              <a:t>void </a:t>
+            </a:r>
+            <a:r>
+              <a:rPr lang="en-US" altLang="zh-CN" sz="2400" dirty="0" err="1">
+                <a:solidFill>
+                  <a:srgbClr val="0000FF"/>
+                </a:solidFill>
+              </a:rPr>
+              <a:t>show_difference</a:t>
+            </a:r>
+            <a:r>
+              <a:rPr lang="en-US" altLang="zh-CN" sz="2400" dirty="0">
+                <a:solidFill>
+                  <a:srgbClr val="0000FF"/>
+                </a:solidFill>
+              </a:rPr>
+              <a:t>(</a:t>
+            </a:r>
+            <a:r>
+              <a:rPr lang="en-US" altLang="zh-CN" sz="2400" dirty="0" err="1">
+                <a:solidFill>
+                  <a:srgbClr val="0000FF"/>
+                </a:solidFill>
+              </a:rPr>
+              <a:t>const</a:t>
+            </a:r>
+            <a:r>
+              <a:rPr lang="en-US" altLang="zh-CN" sz="2400" dirty="0">
+                <a:solidFill>
+                  <a:srgbClr val="0000FF"/>
+                </a:solidFill>
+              </a:rPr>
+              <a:t> </a:t>
+            </a:r>
+            <a:r>
+              <a:rPr lang="en-US" altLang="zh-CN" sz="2400" dirty="0" err="1">
+                <a:solidFill>
+                  <a:srgbClr val="0000FF"/>
+                </a:solidFill>
+              </a:rPr>
+              <a:t>int</a:t>
+            </a:r>
+            <a:r>
+              <a:rPr lang="en-US" altLang="zh-CN" sz="2400" dirty="0">
+                <a:solidFill>
+                  <a:srgbClr val="0000FF"/>
+                </a:solidFill>
+              </a:rPr>
+              <a:t> a[], </a:t>
+            </a:r>
+            <a:r>
+              <a:rPr lang="en-US" altLang="zh-CN" sz="2400" dirty="0" err="1">
+                <a:solidFill>
+                  <a:srgbClr val="0000FF"/>
+                </a:solidFill>
+              </a:rPr>
+              <a:t>int</a:t>
+            </a:r>
+            <a:r>
+              <a:rPr lang="en-US" altLang="zh-CN" sz="2400" dirty="0">
+                <a:solidFill>
+                  <a:srgbClr val="0000FF"/>
+                </a:solidFill>
+              </a:rPr>
+              <a:t> </a:t>
+            </a:r>
+            <a:r>
+              <a:rPr lang="en-US" altLang="zh-CN" sz="2400" dirty="0" err="1">
+                <a:solidFill>
+                  <a:srgbClr val="0000FF"/>
+                </a:solidFill>
+              </a:rPr>
+              <a:t>number_used</a:t>
+            </a:r>
+            <a:r>
+              <a:rPr lang="en-US" altLang="zh-CN" sz="2400" dirty="0">
+                <a:solidFill>
+                  <a:srgbClr val="0000FF"/>
+                </a:solidFill>
+              </a:rPr>
+              <a:t>)</a:t>
+            </a:r>
+          </a:p>
+          <a:p>
+            <a:endParaRPr lang="en-US" altLang="zh-CN" sz="2400" dirty="0">
+              <a:solidFill>
+                <a:srgbClr val="0000FF"/>
+              </a:solidFill>
+            </a:endParaRPr>
+          </a:p>
+          <a:p>
+            <a:r>
+              <a:rPr lang="en-US" altLang="zh-CN" dirty="0" smtClean="0"/>
+              <a:t>Search </a:t>
+            </a:r>
+            <a:r>
+              <a:rPr lang="en-US" altLang="zh-CN" sz="2400" dirty="0" err="1">
+                <a:solidFill>
+                  <a:srgbClr val="0000FF"/>
+                </a:solidFill>
+              </a:rPr>
+              <a:t>int</a:t>
+            </a:r>
+            <a:r>
+              <a:rPr lang="en-US" altLang="zh-CN" sz="2400" dirty="0">
+                <a:solidFill>
+                  <a:srgbClr val="0000FF"/>
+                </a:solidFill>
+              </a:rPr>
+              <a:t> search(</a:t>
+            </a:r>
+            <a:r>
+              <a:rPr lang="en-US" altLang="zh-CN" sz="2400" dirty="0" err="1">
+                <a:solidFill>
+                  <a:srgbClr val="0000FF"/>
+                </a:solidFill>
+              </a:rPr>
+              <a:t>const</a:t>
+            </a:r>
+            <a:r>
+              <a:rPr lang="en-US" altLang="zh-CN" sz="2400" dirty="0">
+                <a:solidFill>
+                  <a:srgbClr val="0000FF"/>
+                </a:solidFill>
+              </a:rPr>
+              <a:t> </a:t>
+            </a:r>
+            <a:r>
+              <a:rPr lang="en-US" altLang="zh-CN" sz="2400" dirty="0" err="1">
+                <a:solidFill>
+                  <a:srgbClr val="0000FF"/>
+                </a:solidFill>
+              </a:rPr>
+              <a:t>int</a:t>
+            </a:r>
+            <a:r>
+              <a:rPr lang="en-US" altLang="zh-CN" sz="2400" dirty="0">
+                <a:solidFill>
+                  <a:srgbClr val="0000FF"/>
+                </a:solidFill>
+              </a:rPr>
+              <a:t> a[], </a:t>
+            </a:r>
+            <a:r>
+              <a:rPr lang="en-US" altLang="zh-CN" sz="2400" dirty="0" err="1">
+                <a:solidFill>
+                  <a:srgbClr val="0000FF"/>
+                </a:solidFill>
+              </a:rPr>
+              <a:t>int</a:t>
+            </a:r>
+            <a:r>
+              <a:rPr lang="en-US" altLang="zh-CN" sz="2400" dirty="0">
+                <a:solidFill>
+                  <a:srgbClr val="0000FF"/>
+                </a:solidFill>
+              </a:rPr>
+              <a:t> </a:t>
+            </a:r>
+            <a:r>
+              <a:rPr lang="en-US" altLang="zh-CN" sz="2400" dirty="0" err="1">
+                <a:solidFill>
+                  <a:srgbClr val="0000FF"/>
+                </a:solidFill>
+              </a:rPr>
+              <a:t>number_used</a:t>
+            </a:r>
+            <a:r>
+              <a:rPr lang="en-US" altLang="zh-CN" sz="2400" dirty="0">
+                <a:solidFill>
+                  <a:srgbClr val="0000FF"/>
+                </a:solidFill>
+              </a:rPr>
+              <a:t>, </a:t>
+            </a:r>
+            <a:r>
+              <a:rPr lang="en-US" altLang="zh-CN" sz="2400" dirty="0" err="1">
+                <a:solidFill>
+                  <a:srgbClr val="0000FF"/>
+                </a:solidFill>
+              </a:rPr>
+              <a:t>int</a:t>
+            </a:r>
+            <a:r>
+              <a:rPr lang="en-US" altLang="zh-CN" sz="2400" dirty="0">
+                <a:solidFill>
+                  <a:srgbClr val="0000FF"/>
+                </a:solidFill>
+              </a:rPr>
+              <a:t> target</a:t>
+            </a:r>
+            <a:r>
+              <a:rPr lang="en-US" altLang="zh-CN" sz="2400" dirty="0" smtClean="0">
+                <a:solidFill>
+                  <a:srgbClr val="0000FF"/>
+                </a:solidFill>
+              </a:rPr>
+              <a:t>)</a:t>
+            </a:r>
+          </a:p>
+          <a:p>
+            <a:endParaRPr lang="en-US" altLang="zh-CN" sz="2400" dirty="0">
+              <a:solidFill>
+                <a:srgbClr val="0000FF"/>
+              </a:solidFill>
+            </a:endParaRPr>
+          </a:p>
+          <a:p>
+            <a:endParaRPr lang="en-US" altLang="zh-CN" sz="2400" dirty="0">
+              <a:solidFill>
+                <a:srgbClr val="0000FF"/>
+              </a:solidFill>
+            </a:endParaRPr>
+          </a:p>
+          <a:p>
+            <a:pPr marL="0" indent="0">
+              <a:buNone/>
+            </a:pPr>
+            <a:endParaRPr lang="zh-CN" altLang="en-US" sz="2000" dirty="0">
+              <a:solidFill>
+                <a:srgbClr val="0000FF"/>
+              </a:solidFill>
+            </a:endParaRPr>
+          </a:p>
+        </p:txBody>
+      </p:sp>
+    </p:spTree>
+    <p:extLst>
+      <p:ext uri="{BB962C8B-B14F-4D97-AF65-F5344CB8AC3E}">
+        <p14:creationId xmlns:p14="http://schemas.microsoft.com/office/powerpoint/2010/main" val="1332723207"/>
+      </p:ext>
+    </p:extLst>
+  </p:cSld>
+  <p:clrMapOvr>
+    <a:masterClrMapping/>
+  </p:clrMapOvr>
+  <p:transition spd="med"/>
+</p:sld>
+</file>
+
+<file path=ppt/slides/slide16.xml><?xml version="1.0" encoding="utf-8"?>
+<p:sld xmlns:a="http://schemas.openxmlformats.org/drawingml/2006/main" xmlns:r="http://schemas.openxmlformats.org/officeDocument/2006/relationships" xmlns:p="http://schemas.openxmlformats.org/presentationml/2006/main">
+  <p:cSld>
+    <p:spTree>
+      <p:nvGrpSpPr>
+        <p:cNvPr id="1" name=""/>
+        <p:cNvGrpSpPr/>
+        <p:nvPr/>
+      </p:nvGrpSpPr>
+      <p:grpSpPr>
+        <a:xfrm>
+          <a:off x="0" y="0"/>
+          <a:ext cx="0" cy="0"/>
+          <a:chOff x="0" y="0"/>
+          <a:chExt cx="0" cy="0"/>
+        </a:xfrm>
+      </p:grpSpPr>
+      <p:sp>
+        <p:nvSpPr>
+          <p:cNvPr id="2" name="标题 1"/>
+          <p:cNvSpPr>
+            <a:spLocks noGrp="1"/>
+          </p:cNvSpPr>
+          <p:nvPr>
+            <p:ph type="title"/>
+          </p:nvPr>
+        </p:nvSpPr>
+        <p:spPr/>
+        <p:txBody>
+          <a:bodyPr/>
+          <a:lstStyle/>
+          <a:p>
+            <a:r>
+              <a:rPr lang="en-US" altLang="zh-CN" b="1" dirty="0"/>
+              <a:t>Sorting an Array</a:t>
+            </a:r>
+            <a:endParaRPr lang="zh-CN" altLang="en-US" dirty="0"/>
+          </a:p>
+        </p:txBody>
+      </p:sp>
+      <p:sp>
+        <p:nvSpPr>
+          <p:cNvPr id="3" name="内容占位符 2"/>
+          <p:cNvSpPr>
+            <a:spLocks noGrp="1"/>
+          </p:cNvSpPr>
+          <p:nvPr>
+            <p:ph idx="1"/>
+          </p:nvPr>
+        </p:nvSpPr>
+        <p:spPr>
+          <a:xfrm>
+            <a:off x="189688" y="1790700"/>
+            <a:ext cx="11059583" cy="4572000"/>
+          </a:xfrm>
+        </p:spPr>
+        <p:txBody>
+          <a:bodyPr/>
+          <a:lstStyle/>
+          <a:p>
+            <a:r>
+              <a:rPr lang="en-US" altLang="zh-CN" sz="2400" dirty="0">
+                <a:solidFill>
+                  <a:srgbClr val="0000FF"/>
+                </a:solidFill>
+              </a:rPr>
+              <a:t>void sort(</a:t>
+            </a:r>
+            <a:r>
+              <a:rPr lang="en-US" altLang="zh-CN" sz="2400" dirty="0" err="1">
+                <a:solidFill>
+                  <a:srgbClr val="0000FF"/>
+                </a:solidFill>
+              </a:rPr>
+              <a:t>int</a:t>
+            </a:r>
+            <a:r>
+              <a:rPr lang="en-US" altLang="zh-CN" sz="2400" dirty="0">
+                <a:solidFill>
+                  <a:srgbClr val="0000FF"/>
+                </a:solidFill>
+              </a:rPr>
+              <a:t> a[], </a:t>
+            </a:r>
+            <a:r>
+              <a:rPr lang="en-US" altLang="zh-CN" sz="2400" dirty="0" err="1">
+                <a:solidFill>
+                  <a:srgbClr val="0000FF"/>
+                </a:solidFill>
+              </a:rPr>
+              <a:t>int</a:t>
+            </a:r>
+            <a:r>
+              <a:rPr lang="en-US" altLang="zh-CN" sz="2400" dirty="0">
+                <a:solidFill>
+                  <a:srgbClr val="0000FF"/>
+                </a:solidFill>
+              </a:rPr>
+              <a:t> </a:t>
+            </a:r>
+            <a:r>
+              <a:rPr lang="en-US" altLang="zh-CN" sz="2400" dirty="0" err="1">
+                <a:solidFill>
+                  <a:srgbClr val="0000FF"/>
+                </a:solidFill>
+              </a:rPr>
+              <a:t>number_used</a:t>
+            </a:r>
+            <a:r>
+              <a:rPr lang="en-US" altLang="zh-CN" sz="2400" dirty="0">
+                <a:solidFill>
+                  <a:srgbClr val="0000FF"/>
+                </a:solidFill>
+              </a:rPr>
+              <a:t>);</a:t>
+            </a:r>
+          </a:p>
+          <a:p>
+            <a:pPr marL="0" indent="0">
+              <a:buNone/>
+            </a:pPr>
+            <a:r>
+              <a:rPr lang="en-US" altLang="zh-CN" dirty="0"/>
+              <a:t>//Precondition: </a:t>
+            </a:r>
+            <a:r>
+              <a:rPr lang="en-US" altLang="zh-CN" dirty="0" err="1"/>
+              <a:t>number_used</a:t>
+            </a:r>
+            <a:r>
+              <a:rPr lang="en-US" altLang="zh-CN" dirty="0"/>
+              <a:t> &lt;= declared size of the array a.</a:t>
+            </a:r>
+          </a:p>
+          <a:p>
+            <a:pPr marL="0" indent="0">
+              <a:buNone/>
+            </a:pPr>
+            <a:r>
+              <a:rPr lang="en-US" altLang="zh-CN" dirty="0"/>
+              <a:t>//Array elements a[0] through a[number_used-1] have values</a:t>
+            </a:r>
+            <a:r>
+              <a:rPr lang="en-US" altLang="zh-CN" dirty="0" smtClean="0"/>
+              <a:t>.</a:t>
+            </a:r>
+          </a:p>
+          <a:p>
+            <a:pPr marL="0" indent="0">
+              <a:buNone/>
+            </a:pPr>
+            <a:endParaRPr lang="en-US" altLang="zh-CN" dirty="0"/>
+          </a:p>
+          <a:p>
+            <a:r>
+              <a:rPr lang="en-US" altLang="zh-CN" dirty="0"/>
+              <a:t>The function sort rearranges the elements in array a so that after </a:t>
+            </a:r>
+            <a:r>
+              <a:rPr lang="en-US" altLang="zh-CN" dirty="0" smtClean="0"/>
+              <a:t>the function </a:t>
+            </a:r>
+            <a:r>
+              <a:rPr lang="en-US" altLang="zh-CN" dirty="0"/>
+              <a:t>call is completed the elements are sorted as follows:</a:t>
+            </a:r>
+          </a:p>
+          <a:p>
+            <a:pPr marL="0" indent="0">
+              <a:buNone/>
+            </a:pPr>
+            <a:r>
+              <a:rPr lang="en-US" altLang="zh-CN" dirty="0" smtClean="0"/>
+              <a:t> a[0</a:t>
+            </a:r>
+            <a:r>
+              <a:rPr lang="en-US" altLang="zh-CN" dirty="0"/>
+              <a:t>] ≤ a[1] ≤ a[2] ≤ ... ≤ a[</a:t>
+            </a:r>
+            <a:r>
+              <a:rPr lang="en-US" altLang="zh-CN" dirty="0" err="1"/>
+              <a:t>number_used</a:t>
+            </a:r>
+            <a:r>
+              <a:rPr lang="en-US" altLang="zh-CN" dirty="0"/>
+              <a:t> - 1]</a:t>
+            </a:r>
+            <a:endParaRPr lang="zh-CN" altLang="en-US" dirty="0"/>
+          </a:p>
+        </p:txBody>
+      </p:sp>
+    </p:spTree>
+    <p:extLst>
+      <p:ext uri="{BB962C8B-B14F-4D97-AF65-F5344CB8AC3E}">
+        <p14:creationId xmlns:p14="http://schemas.microsoft.com/office/powerpoint/2010/main" val="1618529113"/>
+      </p:ext>
+    </p:extLst>
+  </p:cSld>
+  <p:clrMapOvr>
+    <a:masterClrMapping/>
+  </p:clrMapOvr>
+  <p:transition spd="med"/>
+</p:sld>
+</file>
+
+<file path=ppt/slides/slide17.xml><?xml version="1.0" encoding="utf-8"?>
+<p:sld xmlns:a="http://schemas.openxmlformats.org/drawingml/2006/main" xmlns:r="http://schemas.openxmlformats.org/officeDocument/2006/relationships" xmlns:p="http://schemas.openxmlformats.org/presentationml/2006/main">
+  <p:cSld>
+    <p:spTree>
+      <p:nvGrpSpPr>
+        <p:cNvPr id="1" name=""/>
+        <p:cNvGrpSpPr/>
+        <p:nvPr/>
+      </p:nvGrpSpPr>
+      <p:grpSpPr>
+        <a:xfrm>
+          <a:off x="0" y="0"/>
+          <a:ext cx="0" cy="0"/>
+          <a:chOff x="0" y="0"/>
+          <a:chExt cx="0" cy="0"/>
+        </a:xfrm>
+      </p:grpSpPr>
+      <p:sp>
+        <p:nvSpPr>
+          <p:cNvPr id="2" name="标题 1"/>
+          <p:cNvSpPr>
+            <a:spLocks noGrp="1"/>
+          </p:cNvSpPr>
+          <p:nvPr>
+            <p:ph type="title"/>
+          </p:nvPr>
+        </p:nvSpPr>
+        <p:spPr/>
+        <p:txBody>
+          <a:bodyPr/>
+          <a:lstStyle/>
+          <a:p>
+            <a:r>
+              <a:rPr lang="en-US" altLang="zh-CN" b="1" dirty="0"/>
+              <a:t>selection sort </a:t>
+            </a:r>
+            <a:r>
+              <a:rPr lang="en-US" altLang="zh-CN" dirty="0"/>
+              <a:t>algorithm</a:t>
+            </a:r>
+            <a:endParaRPr lang="zh-CN" altLang="en-US" dirty="0"/>
+          </a:p>
+        </p:txBody>
+      </p:sp>
+      <p:sp>
+        <p:nvSpPr>
+          <p:cNvPr id="3" name="内容占位符 2"/>
+          <p:cNvSpPr>
+            <a:spLocks noGrp="1"/>
+          </p:cNvSpPr>
+          <p:nvPr>
+            <p:ph idx="1"/>
+          </p:nvPr>
+        </p:nvSpPr>
+        <p:spPr/>
+        <p:txBody>
+          <a:bodyPr/>
+          <a:lstStyle/>
+          <a:p>
+            <a:pPr marL="0" indent="0">
+              <a:buNone/>
+            </a:pPr>
+            <a:r>
+              <a:rPr lang="en-US" altLang="zh-CN" sz="2400" dirty="0">
+                <a:solidFill>
+                  <a:srgbClr val="0000FF"/>
+                </a:solidFill>
+              </a:rPr>
+              <a:t>for (</a:t>
+            </a:r>
+            <a:r>
+              <a:rPr lang="en-US" altLang="zh-CN" sz="2400" dirty="0" err="1">
+                <a:solidFill>
+                  <a:srgbClr val="0000FF"/>
+                </a:solidFill>
+              </a:rPr>
+              <a:t>int</a:t>
+            </a:r>
+            <a:r>
+              <a:rPr lang="en-US" altLang="zh-CN" sz="2400" dirty="0">
+                <a:solidFill>
+                  <a:srgbClr val="0000FF"/>
+                </a:solidFill>
+              </a:rPr>
+              <a:t> index = 0; index &lt; </a:t>
+            </a:r>
+            <a:r>
+              <a:rPr lang="en-US" altLang="zh-CN" sz="2400" dirty="0" err="1">
+                <a:solidFill>
+                  <a:srgbClr val="0000FF"/>
+                </a:solidFill>
+              </a:rPr>
+              <a:t>number_used</a:t>
+            </a:r>
+            <a:r>
+              <a:rPr lang="en-US" altLang="zh-CN" sz="2400" dirty="0">
+                <a:solidFill>
+                  <a:srgbClr val="0000FF"/>
+                </a:solidFill>
+              </a:rPr>
+              <a:t>; index++)</a:t>
+            </a:r>
+          </a:p>
+          <a:p>
+            <a:pPr marL="0" indent="0">
+              <a:buNone/>
+            </a:pPr>
+            <a:r>
+              <a:rPr lang="en-US" altLang="zh-CN" dirty="0" smtClean="0"/>
+              <a:t>	Place </a:t>
+            </a:r>
+            <a:r>
+              <a:rPr lang="en-US" altLang="zh-CN" dirty="0"/>
+              <a:t>the </a:t>
+            </a:r>
+            <a:r>
+              <a:rPr lang="en-US" altLang="zh-CN" dirty="0" err="1"/>
+              <a:t>indexth</a:t>
+            </a:r>
+            <a:r>
+              <a:rPr lang="en-US" altLang="zh-CN" dirty="0"/>
+              <a:t> smallest element in a[index]</a:t>
+            </a:r>
+            <a:endParaRPr lang="zh-CN" altLang="en-US" dirty="0"/>
+          </a:p>
+        </p:txBody>
+      </p:sp>
+    </p:spTree>
+    <p:extLst>
+      <p:ext uri="{BB962C8B-B14F-4D97-AF65-F5344CB8AC3E}">
+        <p14:creationId xmlns:p14="http://schemas.microsoft.com/office/powerpoint/2010/main" val="3293414217"/>
+      </p:ext>
+    </p:extLst>
+  </p:cSld>
+  <p:clrMapOvr>
+    <a:masterClrMapping/>
+  </p:clrMapOvr>
+  <p:transition spd="med"/>
+</p:sld>
+</file>
+
+<file path=ppt/slides/slide18.xml><?xml version="1.0" encoding="utf-8"?>
+<p:sld xmlns:a="http://schemas.openxmlformats.org/drawingml/2006/main" xmlns:r="http://schemas.openxmlformats.org/officeDocument/2006/relationships" xmlns:p="http://schemas.openxmlformats.org/presentationml/2006/main">
+  <p:cSld>
+    <p:spTree>
+      <p:nvGrpSpPr>
+        <p:cNvPr id="1" name=""/>
+        <p:cNvGrpSpPr/>
+        <p:nvPr/>
+      </p:nvGrpSpPr>
+      <p:grpSpPr>
+        <a:xfrm>
+          <a:off x="0" y="0"/>
+          <a:ext cx="0" cy="0"/>
+          <a:chOff x="0" y="0"/>
+          <a:chExt cx="0" cy="0"/>
+        </a:xfrm>
+      </p:grpSpPr>
+      <p:sp>
+        <p:nvSpPr>
+          <p:cNvPr id="2" name="标题 1"/>
+          <p:cNvSpPr>
+            <a:spLocks noGrp="1"/>
+          </p:cNvSpPr>
+          <p:nvPr>
+            <p:ph type="title"/>
+          </p:nvPr>
+        </p:nvSpPr>
+        <p:spPr/>
+        <p:txBody>
+          <a:bodyPr/>
+          <a:lstStyle/>
+          <a:p>
+            <a:r>
+              <a:rPr lang="en-US" altLang="zh-CN" b="1" dirty="0"/>
+              <a:t>5.2 CALL-BY-REFERENCE PARAMETERS</a:t>
+            </a:r>
+            <a:endParaRPr lang="zh-CN" altLang="en-US" dirty="0"/>
+          </a:p>
+        </p:txBody>
+      </p:sp>
+      <p:sp>
+        <p:nvSpPr>
+          <p:cNvPr id="3" name="内容占位符 2"/>
+          <p:cNvSpPr>
+            <a:spLocks noGrp="1"/>
+          </p:cNvSpPr>
+          <p:nvPr>
+            <p:ph idx="1"/>
+          </p:nvPr>
+        </p:nvSpPr>
+        <p:spPr/>
+        <p:txBody>
+          <a:bodyPr/>
+          <a:lstStyle/>
+          <a:p>
+            <a:pPr marL="0" indent="0">
+              <a:buNone/>
+            </a:pPr>
+            <a:r>
+              <a:rPr lang="en-US" altLang="zh-CN" sz="2400" dirty="0">
+                <a:solidFill>
+                  <a:srgbClr val="0000FF"/>
+                </a:solidFill>
+              </a:rPr>
+              <a:t>void </a:t>
+            </a:r>
+            <a:r>
+              <a:rPr lang="en-US" altLang="zh-CN" sz="2400" dirty="0" err="1">
+                <a:solidFill>
+                  <a:srgbClr val="0000FF"/>
+                </a:solidFill>
+              </a:rPr>
+              <a:t>get_input</a:t>
+            </a:r>
+            <a:r>
+              <a:rPr lang="en-US" altLang="zh-CN" sz="2400" dirty="0">
+                <a:solidFill>
+                  <a:srgbClr val="0000FF"/>
+                </a:solidFill>
+              </a:rPr>
+              <a:t>(double&amp; </a:t>
+            </a:r>
+            <a:r>
+              <a:rPr lang="en-US" altLang="zh-CN" sz="2400" dirty="0" err="1">
+                <a:solidFill>
+                  <a:srgbClr val="0000FF"/>
+                </a:solidFill>
+              </a:rPr>
+              <a:t>f_variable</a:t>
+            </a:r>
+            <a:r>
+              <a:rPr lang="en-US" altLang="zh-CN" sz="2400" dirty="0">
+                <a:solidFill>
+                  <a:srgbClr val="0000FF"/>
+                </a:solidFill>
+              </a:rPr>
+              <a:t>)</a:t>
+            </a:r>
+          </a:p>
+          <a:p>
+            <a:pPr marL="0" indent="0">
+              <a:buNone/>
+            </a:pPr>
+            <a:r>
+              <a:rPr lang="en-US" altLang="zh-CN" sz="2400" dirty="0">
+                <a:solidFill>
+                  <a:srgbClr val="0000FF"/>
+                </a:solidFill>
+              </a:rPr>
+              <a:t>{</a:t>
+            </a:r>
+          </a:p>
+          <a:p>
+            <a:pPr marL="0" indent="0">
+              <a:buNone/>
+            </a:pPr>
+            <a:r>
+              <a:rPr lang="en-US" altLang="zh-CN" sz="2400" dirty="0">
+                <a:solidFill>
+                  <a:srgbClr val="0000FF"/>
+                </a:solidFill>
+              </a:rPr>
+              <a:t>	</a:t>
+            </a:r>
+            <a:r>
+              <a:rPr lang="en-US" altLang="zh-CN" sz="2400" dirty="0" err="1">
+                <a:solidFill>
+                  <a:srgbClr val="0000FF"/>
+                </a:solidFill>
+              </a:rPr>
+              <a:t>cout</a:t>
+            </a:r>
+            <a:r>
+              <a:rPr lang="en-US" altLang="zh-CN" sz="2400" dirty="0">
+                <a:solidFill>
+                  <a:srgbClr val="0000FF"/>
+                </a:solidFill>
+              </a:rPr>
+              <a:t> </a:t>
+            </a:r>
+            <a:r>
+              <a:rPr lang="en-US" altLang="zh-CN" sz="2400" dirty="0">
+                <a:solidFill>
+                  <a:srgbClr val="0000FF"/>
+                </a:solidFill>
+              </a:rPr>
+              <a:t>&lt;&lt; "I will convert a Fahrenheit temperature"</a:t>
+            </a:r>
+          </a:p>
+          <a:p>
+            <a:pPr marL="0" indent="0">
+              <a:buNone/>
+            </a:pPr>
+            <a:r>
+              <a:rPr lang="en-US" altLang="zh-CN" sz="2400" dirty="0">
+                <a:solidFill>
+                  <a:srgbClr val="0000FF"/>
+                </a:solidFill>
+              </a:rPr>
+              <a:t>	&lt;&lt; </a:t>
+            </a:r>
+            <a:r>
+              <a:rPr lang="en-US" altLang="zh-CN" sz="2400" dirty="0">
+                <a:solidFill>
+                  <a:srgbClr val="0000FF"/>
+                </a:solidFill>
+              </a:rPr>
+              <a:t>" to Celsius.\n"</a:t>
+            </a:r>
+          </a:p>
+          <a:p>
+            <a:pPr marL="0" indent="0">
+              <a:buNone/>
+            </a:pPr>
+            <a:r>
+              <a:rPr lang="de-DE" altLang="zh-CN" sz="2400" dirty="0">
+                <a:solidFill>
+                  <a:srgbClr val="0000FF"/>
+                </a:solidFill>
+              </a:rPr>
+              <a:t>	&lt;&lt; </a:t>
+            </a:r>
+            <a:r>
+              <a:rPr lang="de-DE" altLang="zh-CN" sz="2400" dirty="0">
+                <a:solidFill>
+                  <a:srgbClr val="0000FF"/>
+                </a:solidFill>
+              </a:rPr>
+              <a:t>"Enter a temperature in Fahrenheit: ";</a:t>
+            </a:r>
+          </a:p>
+          <a:p>
+            <a:pPr marL="0" indent="0">
+              <a:buNone/>
+            </a:pPr>
+            <a:r>
+              <a:rPr lang="en-US" altLang="zh-CN" sz="2400" dirty="0">
+                <a:solidFill>
+                  <a:srgbClr val="0000FF"/>
+                </a:solidFill>
+              </a:rPr>
+              <a:t>	</a:t>
+            </a:r>
+            <a:r>
+              <a:rPr lang="en-US" altLang="zh-CN" sz="2400" dirty="0" err="1">
+                <a:solidFill>
+                  <a:srgbClr val="0000FF"/>
+                </a:solidFill>
+              </a:rPr>
+              <a:t>cin</a:t>
+            </a:r>
+            <a:r>
+              <a:rPr lang="en-US" altLang="zh-CN" sz="2400" dirty="0">
+                <a:solidFill>
+                  <a:srgbClr val="0000FF"/>
+                </a:solidFill>
+              </a:rPr>
+              <a:t> </a:t>
+            </a:r>
+            <a:r>
+              <a:rPr lang="en-US" altLang="zh-CN" sz="2400" dirty="0">
+                <a:solidFill>
+                  <a:srgbClr val="0000FF"/>
+                </a:solidFill>
+              </a:rPr>
+              <a:t>&gt;&gt; </a:t>
+            </a:r>
+            <a:r>
+              <a:rPr lang="en-US" altLang="zh-CN" sz="2400" dirty="0" err="1">
+                <a:solidFill>
+                  <a:srgbClr val="0000FF"/>
+                </a:solidFill>
+              </a:rPr>
+              <a:t>f_variable</a:t>
+            </a:r>
+            <a:r>
+              <a:rPr lang="en-US" altLang="zh-CN" sz="2400" dirty="0">
+                <a:solidFill>
+                  <a:srgbClr val="0000FF"/>
+                </a:solidFill>
+              </a:rPr>
+              <a:t>;</a:t>
+            </a:r>
+          </a:p>
+          <a:p>
+            <a:pPr marL="0" indent="0">
+              <a:buNone/>
+            </a:pPr>
+            <a:r>
+              <a:rPr lang="en-US" altLang="zh-CN" sz="2400" dirty="0" smtClean="0">
+                <a:solidFill>
+                  <a:srgbClr val="0000FF"/>
+                </a:solidFill>
+              </a:rPr>
+              <a:t>}</a:t>
+            </a:r>
+            <a:endParaRPr lang="en-US" altLang="zh-CN" sz="2400" dirty="0">
+              <a:solidFill>
+                <a:srgbClr val="0000FF"/>
+              </a:solidFill>
+            </a:endParaRPr>
+          </a:p>
+          <a:p>
+            <a:pPr marL="0" indent="0">
+              <a:buNone/>
+            </a:pPr>
+            <a:r>
+              <a:rPr lang="en-US" altLang="zh-CN" sz="2400" dirty="0">
+                <a:solidFill>
+                  <a:srgbClr val="0000FF"/>
+                </a:solidFill>
+              </a:rPr>
+              <a:t>d</a:t>
+            </a:r>
+            <a:r>
+              <a:rPr lang="en-US" altLang="zh-CN" sz="2400" dirty="0" smtClean="0">
+                <a:solidFill>
+                  <a:srgbClr val="0000FF"/>
+                </a:solidFill>
+              </a:rPr>
+              <a:t>ouble a=1.0;</a:t>
+            </a:r>
+          </a:p>
+          <a:p>
+            <a:pPr marL="0" indent="0">
+              <a:buNone/>
+            </a:pPr>
+            <a:r>
+              <a:rPr lang="en-US" altLang="zh-CN" sz="2400" dirty="0" err="1" smtClean="0">
+                <a:solidFill>
+                  <a:srgbClr val="0000FF"/>
+                </a:solidFill>
+              </a:rPr>
+              <a:t>get_input</a:t>
+            </a:r>
+            <a:r>
+              <a:rPr lang="en-US" altLang="zh-CN" sz="2400" dirty="0" smtClean="0">
+                <a:solidFill>
+                  <a:srgbClr val="0000FF"/>
+                </a:solidFill>
+              </a:rPr>
+              <a:t>(a);   </a:t>
+            </a:r>
+          </a:p>
+          <a:p>
+            <a:pPr marL="0" indent="0">
+              <a:buNone/>
+            </a:pPr>
+            <a:r>
+              <a:rPr lang="en-US" altLang="zh-CN" sz="2400" dirty="0" err="1">
+                <a:solidFill>
+                  <a:srgbClr val="0000FF"/>
+                </a:solidFill>
+              </a:rPr>
+              <a:t>c</a:t>
+            </a:r>
+            <a:r>
+              <a:rPr lang="en-US" altLang="zh-CN" sz="2400" dirty="0" err="1" smtClean="0">
+                <a:solidFill>
+                  <a:srgbClr val="0000FF"/>
+                </a:solidFill>
+              </a:rPr>
+              <a:t>out</a:t>
+            </a:r>
+            <a:r>
+              <a:rPr lang="en-US" altLang="zh-CN" sz="2400" dirty="0" smtClean="0">
+                <a:solidFill>
+                  <a:srgbClr val="0000FF"/>
+                </a:solidFill>
+              </a:rPr>
+              <a:t>&lt;&lt; a;  </a:t>
+            </a:r>
+            <a:endParaRPr lang="zh-CN" altLang="en-US" sz="2400" dirty="0">
+              <a:solidFill>
+                <a:srgbClr val="0000FF"/>
+              </a:solidFill>
+            </a:endParaRPr>
+          </a:p>
+        </p:txBody>
+      </p:sp>
+      <p:sp>
+        <p:nvSpPr>
+          <p:cNvPr id="4" name="矩形 3"/>
+          <p:cNvSpPr/>
+          <p:nvPr/>
+        </p:nvSpPr>
+        <p:spPr bwMode="auto">
+          <a:xfrm>
+            <a:off x="3138854" y="5246077"/>
+            <a:ext cx="4220307" cy="407377"/>
+          </a:xfrm>
+          <a:prstGeom prst="rect">
+            <a:avLst/>
+          </a:prstGeom>
+          <a:blipFill dpi="0" rotWithShape="0">
+            <a:blip r:embed="rId2"/>
+            <a:srcRect/>
+            <a:tile tx="0" ty="0" sx="100000" sy="100000" flip="none" algn="tl"/>
+          </a:blipFill>
+          <a:ln w="9525" cap="flat" cmpd="sng" algn="ctr">
+            <a:solidFill>
+              <a:schemeClr val="tx1"/>
+            </a:solidFill>
+            <a:prstDash val="solid"/>
+            <a:round/>
+            <a:headEnd type="none" w="med" len="med"/>
+            <a:tailEnd type="none" w="med" len="med"/>
+          </a:ln>
+          <a:effectLst/>
+          <a:extLst>
+            <a:ext uri="{AF507438-7753-43E0-B8FC-AC1667EBCBE1}">
+              <a14:hiddenEffects xmlns:a14="http://schemas.microsoft.com/office/drawing/2010/main">
+                <a:effectLst>
+                  <a:outerShdw dist="35921" dir="2700000" algn="ctr" rotWithShape="0">
+                    <a:schemeClr val="bg2"/>
+                  </a:outerShdw>
+                </a:effectLst>
+              </a14:hiddenEffects>
+            </a:ext>
+          </a:extLst>
+        </p:spPr>
+        <p:txBody>
+          <a:bodyPr vert="horz" wrap="none" lIns="91440" tIns="45720" rIns="91440" bIns="45720" numCol="1" rtlCol="0" anchor="ctr" anchorCtr="0" compatLnSpc="1">
+            <a:prstTxWarp prst="textNoShape">
+              <a:avLst/>
+            </a:prstTxWarp>
+          </a:bodyPr>
+          <a:lstStyle/>
+          <a:p>
+            <a:pPr marL="0" marR="0" indent="0" algn="l" defTabSz="914400" rtl="0" eaLnBrk="1" fontAlgn="base" latinLnBrk="0" hangingPunct="1">
+              <a:lnSpc>
+                <a:spcPct val="100000"/>
+              </a:lnSpc>
+              <a:spcBef>
+                <a:spcPct val="0"/>
+              </a:spcBef>
+              <a:spcAft>
+                <a:spcPct val="0"/>
+              </a:spcAft>
+              <a:buClrTx/>
+              <a:buSzTx/>
+              <a:buFontTx/>
+              <a:buNone/>
+              <a:tabLst/>
+            </a:pPr>
+            <a:r>
+              <a:rPr kumimoji="0" lang="en-US" altLang="zh-CN" sz="2400" b="0" i="0" u="none" strike="noStrike" cap="none" normalizeH="0" baseline="0" dirty="0" smtClean="0">
+                <a:ln>
+                  <a:noFill/>
+                </a:ln>
+                <a:solidFill>
+                  <a:schemeClr val="tx1"/>
+                </a:solidFill>
+                <a:effectLst/>
+                <a:latin typeface="Arial" panose="020B0604020202020204" pitchFamily="34" charset="0"/>
+              </a:rPr>
+              <a:t>Input: 20.22</a:t>
+            </a:r>
+            <a:endParaRPr kumimoji="0" lang="zh-CN" altLang="en-US" sz="2400" b="0" i="0" u="none" strike="noStrike" cap="none" normalizeH="0" baseline="0" dirty="0" smtClean="0">
+              <a:ln>
+                <a:noFill/>
+              </a:ln>
+              <a:solidFill>
+                <a:schemeClr val="tx1"/>
+              </a:solidFill>
+              <a:effectLst/>
+              <a:latin typeface="Arial" panose="020B0604020202020204" pitchFamily="34" charset="0"/>
+            </a:endParaRPr>
+          </a:p>
+        </p:txBody>
+      </p:sp>
+    </p:spTree>
+    <p:extLst>
+      <p:ext uri="{BB962C8B-B14F-4D97-AF65-F5344CB8AC3E}">
+        <p14:creationId xmlns:p14="http://schemas.microsoft.com/office/powerpoint/2010/main" val="1518574519"/>
+      </p:ext>
+    </p:extLst>
+  </p:cSld>
+  <p:clrMapOvr>
+    <a:masterClrMapping/>
+  </p:clrMapOvr>
+  <p:transition spd="med"/>
+</p:sld>
+</file>
+
+<file path=ppt/slides/slide19.xml><?xml version="1.0" encoding="utf-8"?>
+<p:sld xmlns:a="http://schemas.openxmlformats.org/drawingml/2006/main" xmlns:r="http://schemas.openxmlformats.org/officeDocument/2006/relationships" xmlns:p="http://schemas.openxmlformats.org/presentationml/2006/main">
+  <p:cSld>
+    <p:spTree>
+      <p:nvGrpSpPr>
+        <p:cNvPr id="1" name=""/>
+        <p:cNvGrpSpPr/>
+        <p:nvPr/>
+      </p:nvGrpSpPr>
+      <p:grpSpPr>
+        <a:xfrm>
+          <a:off x="0" y="0"/>
+          <a:ext cx="0" cy="0"/>
+          <a:chOff x="0" y="0"/>
+          <a:chExt cx="0" cy="0"/>
+        </a:xfrm>
+      </p:grpSpPr>
+      <p:sp>
+        <p:nvSpPr>
+          <p:cNvPr id="2" name="标题 1"/>
+          <p:cNvSpPr>
+            <a:spLocks noGrp="1"/>
+          </p:cNvSpPr>
+          <p:nvPr>
+            <p:ph type="title"/>
+          </p:nvPr>
+        </p:nvSpPr>
+        <p:spPr/>
+        <p:txBody>
+          <a:bodyPr/>
+          <a:lstStyle/>
+          <a:p>
+            <a:r>
+              <a:rPr lang="en-US" altLang="zh-CN" b="1" dirty="0"/>
+              <a:t>5.2 CALL-BY-REFERENCE PARAMETERS</a:t>
+            </a:r>
+            <a:endParaRPr lang="zh-CN" altLang="en-US" dirty="0"/>
+          </a:p>
+        </p:txBody>
+      </p:sp>
+      <p:sp>
+        <p:nvSpPr>
+          <p:cNvPr id="3" name="内容占位符 2"/>
+          <p:cNvSpPr>
+            <a:spLocks noGrp="1"/>
+          </p:cNvSpPr>
+          <p:nvPr>
+            <p:ph idx="1"/>
+          </p:nvPr>
+        </p:nvSpPr>
+        <p:spPr/>
+        <p:txBody>
+          <a:bodyPr/>
+          <a:lstStyle/>
+          <a:p>
+            <a:pPr marL="0" indent="0">
+              <a:buNone/>
+            </a:pPr>
+            <a:r>
+              <a:rPr lang="en-US" altLang="zh-CN" sz="2400" dirty="0">
+                <a:solidFill>
+                  <a:srgbClr val="0000FF"/>
+                </a:solidFill>
+              </a:rPr>
+              <a:t>void </a:t>
+            </a:r>
+            <a:r>
+              <a:rPr lang="en-US" altLang="zh-CN" sz="2400" dirty="0" err="1">
+                <a:solidFill>
+                  <a:srgbClr val="0000FF"/>
+                </a:solidFill>
+              </a:rPr>
+              <a:t>get_input</a:t>
+            </a:r>
+            <a:r>
+              <a:rPr lang="en-US" altLang="zh-CN" sz="2400" dirty="0">
+                <a:solidFill>
+                  <a:srgbClr val="0000FF"/>
+                </a:solidFill>
+              </a:rPr>
+              <a:t>(double&amp; </a:t>
+            </a:r>
+            <a:r>
+              <a:rPr lang="en-US" altLang="zh-CN" sz="2400" dirty="0" err="1">
+                <a:solidFill>
+                  <a:srgbClr val="0000FF"/>
+                </a:solidFill>
+              </a:rPr>
+              <a:t>f_variable</a:t>
+            </a:r>
+            <a:r>
+              <a:rPr lang="en-US" altLang="zh-CN" sz="2400" dirty="0">
+                <a:solidFill>
+                  <a:srgbClr val="0000FF"/>
+                </a:solidFill>
+              </a:rPr>
+              <a:t>)</a:t>
+            </a:r>
+          </a:p>
+          <a:p>
+            <a:pPr marL="0" indent="0">
+              <a:buNone/>
+            </a:pPr>
+            <a:r>
+              <a:rPr lang="en-US" altLang="zh-CN" sz="2400" dirty="0">
+                <a:solidFill>
+                  <a:srgbClr val="0000FF"/>
+                </a:solidFill>
+              </a:rPr>
+              <a:t>{</a:t>
+            </a:r>
+          </a:p>
+          <a:p>
+            <a:pPr marL="0" indent="0">
+              <a:buNone/>
+            </a:pPr>
+            <a:r>
+              <a:rPr lang="en-US" altLang="zh-CN" sz="2400" dirty="0">
+                <a:solidFill>
+                  <a:srgbClr val="0000FF"/>
+                </a:solidFill>
+              </a:rPr>
+              <a:t>	</a:t>
+            </a:r>
+            <a:r>
+              <a:rPr lang="en-US" altLang="zh-CN" sz="2400" dirty="0" err="1">
+                <a:solidFill>
+                  <a:srgbClr val="0000FF"/>
+                </a:solidFill>
+              </a:rPr>
+              <a:t>cout</a:t>
+            </a:r>
+            <a:r>
+              <a:rPr lang="en-US" altLang="zh-CN" sz="2400" dirty="0">
+                <a:solidFill>
+                  <a:srgbClr val="0000FF"/>
+                </a:solidFill>
+              </a:rPr>
+              <a:t> </a:t>
+            </a:r>
+            <a:r>
+              <a:rPr lang="en-US" altLang="zh-CN" sz="2400" dirty="0">
+                <a:solidFill>
+                  <a:srgbClr val="0000FF"/>
+                </a:solidFill>
+              </a:rPr>
+              <a:t>&lt;&lt; "I will convert a Fahrenheit temperature"</a:t>
+            </a:r>
+          </a:p>
+          <a:p>
+            <a:pPr marL="0" indent="0">
+              <a:buNone/>
+            </a:pPr>
+            <a:r>
+              <a:rPr lang="en-US" altLang="zh-CN" sz="2400" dirty="0">
+                <a:solidFill>
+                  <a:srgbClr val="0000FF"/>
+                </a:solidFill>
+              </a:rPr>
+              <a:t>	&lt;&lt; </a:t>
+            </a:r>
+            <a:r>
+              <a:rPr lang="en-US" altLang="zh-CN" sz="2400" dirty="0">
+                <a:solidFill>
+                  <a:srgbClr val="0000FF"/>
+                </a:solidFill>
+              </a:rPr>
+              <a:t>" to Celsius.\n"</a:t>
+            </a:r>
+          </a:p>
+          <a:p>
+            <a:pPr marL="0" indent="0">
+              <a:buNone/>
+            </a:pPr>
+            <a:r>
+              <a:rPr lang="de-DE" altLang="zh-CN" sz="2400" dirty="0">
+                <a:solidFill>
+                  <a:srgbClr val="0000FF"/>
+                </a:solidFill>
+              </a:rPr>
+              <a:t>	&lt;&lt; </a:t>
+            </a:r>
+            <a:r>
+              <a:rPr lang="de-DE" altLang="zh-CN" sz="2400" dirty="0">
+                <a:solidFill>
+                  <a:srgbClr val="0000FF"/>
+                </a:solidFill>
+              </a:rPr>
+              <a:t>"Enter a temperature in Fahrenheit: ";</a:t>
+            </a:r>
+          </a:p>
+          <a:p>
+            <a:pPr marL="0" indent="0">
+              <a:buNone/>
+            </a:pPr>
+            <a:r>
+              <a:rPr lang="en-US" altLang="zh-CN" sz="2400" dirty="0">
+                <a:solidFill>
+                  <a:srgbClr val="0000FF"/>
+                </a:solidFill>
+              </a:rPr>
+              <a:t>	</a:t>
+            </a:r>
+            <a:r>
+              <a:rPr lang="en-US" altLang="zh-CN" sz="2400" dirty="0" err="1">
+                <a:solidFill>
+                  <a:srgbClr val="0000FF"/>
+                </a:solidFill>
+              </a:rPr>
+              <a:t>cin</a:t>
+            </a:r>
+            <a:r>
+              <a:rPr lang="en-US" altLang="zh-CN" sz="2400" dirty="0">
+                <a:solidFill>
+                  <a:srgbClr val="0000FF"/>
+                </a:solidFill>
+              </a:rPr>
+              <a:t> </a:t>
+            </a:r>
+            <a:r>
+              <a:rPr lang="en-US" altLang="zh-CN" sz="2400" dirty="0">
+                <a:solidFill>
+                  <a:srgbClr val="0000FF"/>
+                </a:solidFill>
+              </a:rPr>
+              <a:t>&gt;&gt; </a:t>
+            </a:r>
+            <a:r>
+              <a:rPr lang="en-US" altLang="zh-CN" sz="2400" dirty="0" err="1">
+                <a:solidFill>
+                  <a:srgbClr val="0000FF"/>
+                </a:solidFill>
+              </a:rPr>
+              <a:t>f_variable</a:t>
+            </a:r>
+            <a:r>
+              <a:rPr lang="en-US" altLang="zh-CN" sz="2400" dirty="0">
+                <a:solidFill>
+                  <a:srgbClr val="0000FF"/>
+                </a:solidFill>
+              </a:rPr>
+              <a:t>;</a:t>
+            </a:r>
+          </a:p>
+          <a:p>
+            <a:pPr marL="0" indent="0">
+              <a:buNone/>
+            </a:pPr>
+            <a:r>
+              <a:rPr lang="en-US" altLang="zh-CN" sz="2400" dirty="0" smtClean="0">
+                <a:solidFill>
+                  <a:srgbClr val="0000FF"/>
+                </a:solidFill>
+              </a:rPr>
+              <a:t>}</a:t>
+            </a:r>
+            <a:endParaRPr lang="en-US" altLang="zh-CN" sz="2400" dirty="0">
+              <a:solidFill>
+                <a:srgbClr val="0000FF"/>
+              </a:solidFill>
+            </a:endParaRPr>
+          </a:p>
+          <a:p>
+            <a:pPr marL="0" indent="0">
+              <a:buNone/>
+            </a:pPr>
+            <a:r>
+              <a:rPr lang="en-US" altLang="zh-CN" sz="2400" dirty="0">
+                <a:solidFill>
+                  <a:srgbClr val="0000FF"/>
+                </a:solidFill>
+              </a:rPr>
+              <a:t>d</a:t>
+            </a:r>
+            <a:r>
+              <a:rPr lang="en-US" altLang="zh-CN" sz="2400" dirty="0" smtClean="0">
+                <a:solidFill>
+                  <a:srgbClr val="0000FF"/>
+                </a:solidFill>
+              </a:rPr>
+              <a:t>ouble a=1.0;</a:t>
+            </a:r>
+          </a:p>
+          <a:p>
+            <a:pPr marL="0" indent="0">
+              <a:buNone/>
+            </a:pPr>
+            <a:r>
+              <a:rPr lang="en-US" altLang="zh-CN" sz="2400" dirty="0" err="1" smtClean="0">
+                <a:solidFill>
+                  <a:srgbClr val="0000FF"/>
+                </a:solidFill>
+              </a:rPr>
+              <a:t>get_input</a:t>
+            </a:r>
+            <a:r>
+              <a:rPr lang="en-US" altLang="zh-CN" sz="2400" dirty="0" smtClean="0">
+                <a:solidFill>
+                  <a:srgbClr val="0000FF"/>
+                </a:solidFill>
+              </a:rPr>
+              <a:t>(a);   </a:t>
+            </a:r>
+          </a:p>
+          <a:p>
+            <a:pPr marL="0" indent="0">
+              <a:buNone/>
+            </a:pPr>
+            <a:r>
+              <a:rPr lang="en-US" altLang="zh-CN" sz="2400" dirty="0" err="1">
+                <a:solidFill>
+                  <a:srgbClr val="0000FF"/>
+                </a:solidFill>
+              </a:rPr>
+              <a:t>c</a:t>
+            </a:r>
+            <a:r>
+              <a:rPr lang="en-US" altLang="zh-CN" sz="2400" dirty="0" err="1" smtClean="0">
+                <a:solidFill>
+                  <a:srgbClr val="0000FF"/>
+                </a:solidFill>
+              </a:rPr>
+              <a:t>out</a:t>
+            </a:r>
+            <a:r>
+              <a:rPr lang="en-US" altLang="zh-CN" sz="2400" dirty="0" smtClean="0">
+                <a:solidFill>
+                  <a:srgbClr val="0000FF"/>
+                </a:solidFill>
+              </a:rPr>
+              <a:t>&lt;&lt; a;  </a:t>
+            </a:r>
+            <a:endParaRPr lang="zh-CN" altLang="en-US" sz="2400" dirty="0">
+              <a:solidFill>
+                <a:srgbClr val="0000FF"/>
+              </a:solidFill>
+            </a:endParaRPr>
+          </a:p>
+        </p:txBody>
+      </p:sp>
+      <p:sp>
+        <p:nvSpPr>
+          <p:cNvPr id="5" name="矩形 4"/>
+          <p:cNvSpPr/>
+          <p:nvPr/>
+        </p:nvSpPr>
+        <p:spPr bwMode="auto">
+          <a:xfrm>
+            <a:off x="3138853" y="5747238"/>
+            <a:ext cx="4220307" cy="407377"/>
+          </a:xfrm>
+          <a:prstGeom prst="rect">
+            <a:avLst/>
+          </a:prstGeom>
+          <a:blipFill dpi="0" rotWithShape="0">
+            <a:blip r:embed="rId2"/>
+            <a:srcRect/>
+            <a:tile tx="0" ty="0" sx="100000" sy="100000" flip="none" algn="tl"/>
+          </a:blipFill>
+          <a:ln w="9525" cap="flat" cmpd="sng" algn="ctr">
+            <a:solidFill>
+              <a:schemeClr val="tx1"/>
+            </a:solidFill>
+            <a:prstDash val="solid"/>
+            <a:round/>
+            <a:headEnd type="none" w="med" len="med"/>
+            <a:tailEnd type="none" w="med" len="med"/>
+          </a:ln>
+          <a:effectLst/>
+          <a:extLst>
+            <a:ext uri="{AF507438-7753-43E0-B8FC-AC1667EBCBE1}">
+              <a14:hiddenEffects xmlns:a14="http://schemas.microsoft.com/office/drawing/2010/main">
+                <a:effectLst>
+                  <a:outerShdw dist="35921" dir="2700000" algn="ctr" rotWithShape="0">
+                    <a:schemeClr val="bg2"/>
+                  </a:outerShdw>
+                </a:effectLst>
+              </a14:hiddenEffects>
+            </a:ext>
+          </a:extLst>
+        </p:spPr>
+        <p:txBody>
+          <a:bodyPr vert="horz" wrap="none" lIns="91440" tIns="45720" rIns="91440" bIns="45720" numCol="1" rtlCol="0" anchor="ctr" anchorCtr="0" compatLnSpc="1">
+            <a:prstTxWarp prst="textNoShape">
+              <a:avLst/>
+            </a:prstTxWarp>
+          </a:bodyPr>
+          <a:lstStyle/>
+          <a:p>
+            <a:pPr marL="0" marR="0" indent="0" algn="l" defTabSz="914400" rtl="0" eaLnBrk="1" fontAlgn="base" latinLnBrk="0" hangingPunct="1">
+              <a:lnSpc>
+                <a:spcPct val="100000"/>
+              </a:lnSpc>
+              <a:spcBef>
+                <a:spcPct val="0"/>
+              </a:spcBef>
+              <a:spcAft>
+                <a:spcPct val="0"/>
+              </a:spcAft>
+              <a:buClrTx/>
+              <a:buSzTx/>
+              <a:buFontTx/>
+              <a:buNone/>
+              <a:tabLst/>
+            </a:pPr>
+            <a:r>
+              <a:rPr lang="en-US" altLang="zh-CN" sz="2400" dirty="0" smtClean="0">
+                <a:latin typeface="Arial" panose="020B0604020202020204" pitchFamily="34" charset="0"/>
+              </a:rPr>
+              <a:t>out</a:t>
+            </a:r>
+            <a:r>
+              <a:rPr kumimoji="0" lang="en-US" altLang="zh-CN" sz="2400" b="0" i="0" u="none" strike="noStrike" cap="none" normalizeH="0" baseline="0" dirty="0" smtClean="0">
+                <a:ln>
+                  <a:noFill/>
+                </a:ln>
+                <a:solidFill>
+                  <a:schemeClr val="tx1"/>
+                </a:solidFill>
+                <a:effectLst/>
+                <a:latin typeface="Arial" panose="020B0604020202020204" pitchFamily="34" charset="0"/>
+              </a:rPr>
+              <a:t>put: 20.22</a:t>
+            </a:r>
+            <a:endParaRPr kumimoji="0" lang="zh-CN" altLang="en-US" sz="2400" b="0" i="0" u="none" strike="noStrike" cap="none" normalizeH="0" baseline="0" dirty="0" smtClean="0">
+              <a:ln>
+                <a:noFill/>
+              </a:ln>
+              <a:solidFill>
+                <a:schemeClr val="tx1"/>
+              </a:solidFill>
+              <a:effectLst/>
+              <a:latin typeface="Arial" panose="020B0604020202020204" pitchFamily="34" charset="0"/>
+            </a:endParaRPr>
+          </a:p>
+        </p:txBody>
+      </p:sp>
+    </p:spTree>
+    <p:extLst>
+      <p:ext uri="{BB962C8B-B14F-4D97-AF65-F5344CB8AC3E}">
+        <p14:creationId xmlns:p14="http://schemas.microsoft.com/office/powerpoint/2010/main" val="2322837902"/>
+      </p:ext>
+    </p:extLst>
+  </p:cSld>
+  <p:clrMapOvr>
+    <a:masterClrMapping/>
+  </p:clrMapOvr>
+  <p:transition spd="med"/>
+</p:sld>
+</file>
+
 <file path=ppt/slides/slide2.xml><?xml version="1.0" encoding="utf-8"?>
 <p:sld xmlns:a="http://schemas.openxmlformats.org/drawingml/2006/main" xmlns:r="http://schemas.openxmlformats.org/officeDocument/2006/relationships" xmlns:p="http://schemas.openxmlformats.org/presentationml/2006/main">
   <p:cSld>
@@ -3452,6 +6849,757 @@
     <p:extLst>
       <p:ext uri="{BB962C8B-B14F-4D97-AF65-F5344CB8AC3E}">
         <p14:creationId xmlns:p14="http://schemas.microsoft.com/office/powerpoint/2010/main" val="1935610160"/>
+      </p:ext>
+    </p:extLst>
+  </p:cSld>
+  <p:clrMapOvr>
+    <a:masterClrMapping/>
+  </p:clrMapOvr>
+  <p:transition spd="med"/>
+</p:sld>
+</file>
+
+<file path=ppt/slides/slide20.xml><?xml version="1.0" encoding="utf-8"?>
+<p:sld xmlns:a="http://schemas.openxmlformats.org/drawingml/2006/main" xmlns:r="http://schemas.openxmlformats.org/officeDocument/2006/relationships" xmlns:p="http://schemas.openxmlformats.org/presentationml/2006/main">
+  <p:cSld>
+    <p:spTree>
+      <p:nvGrpSpPr>
+        <p:cNvPr id="1" name=""/>
+        <p:cNvGrpSpPr/>
+        <p:nvPr/>
+      </p:nvGrpSpPr>
+      <p:grpSpPr>
+        <a:xfrm>
+          <a:off x="0" y="0"/>
+          <a:ext cx="0" cy="0"/>
+          <a:chOff x="0" y="0"/>
+          <a:chExt cx="0" cy="0"/>
+        </a:xfrm>
+      </p:grpSpPr>
+      <p:sp>
+        <p:nvSpPr>
+          <p:cNvPr id="2" name="标题 1"/>
+          <p:cNvSpPr>
+            <a:spLocks noGrp="1"/>
+          </p:cNvSpPr>
+          <p:nvPr>
+            <p:ph type="title"/>
+          </p:nvPr>
+        </p:nvSpPr>
+        <p:spPr/>
+        <p:txBody>
+          <a:bodyPr/>
+          <a:lstStyle/>
+          <a:p>
+            <a:r>
+              <a:rPr lang="en-US" altLang="zh-CN" b="1" dirty="0"/>
+              <a:t>selection sort </a:t>
+            </a:r>
+            <a:r>
+              <a:rPr lang="en-US" altLang="zh-CN" dirty="0"/>
+              <a:t>algorithm</a:t>
+            </a:r>
+            <a:endParaRPr lang="zh-CN" altLang="en-US" dirty="0"/>
+          </a:p>
+        </p:txBody>
+      </p:sp>
+      <p:pic>
+        <p:nvPicPr>
+          <p:cNvPr id="4" name="图片 3"/>
+          <p:cNvPicPr>
+            <a:picLocks noChangeAspect="1"/>
+          </p:cNvPicPr>
+          <p:nvPr/>
+        </p:nvPicPr>
+        <p:blipFill>
+          <a:blip r:embed="rId2"/>
+          <a:stretch>
+            <a:fillRect/>
+          </a:stretch>
+        </p:blipFill>
+        <p:spPr>
+          <a:xfrm>
+            <a:off x="1179117" y="1661746"/>
+            <a:ext cx="9323809" cy="4659923"/>
+          </a:xfrm>
+          <a:prstGeom prst="rect">
+            <a:avLst/>
+          </a:prstGeom>
+        </p:spPr>
+      </p:pic>
+    </p:spTree>
+    <p:extLst>
+      <p:ext uri="{BB962C8B-B14F-4D97-AF65-F5344CB8AC3E}">
+        <p14:creationId xmlns:p14="http://schemas.microsoft.com/office/powerpoint/2010/main" val="3998747384"/>
+      </p:ext>
+    </p:extLst>
+  </p:cSld>
+  <p:clrMapOvr>
+    <a:masterClrMapping/>
+  </p:clrMapOvr>
+  <p:transition spd="med"/>
+</p:sld>
+</file>
+
+<file path=ppt/slides/slide21.xml><?xml version="1.0" encoding="utf-8"?>
+<p:sld xmlns:a="http://schemas.openxmlformats.org/drawingml/2006/main" xmlns:r="http://schemas.openxmlformats.org/officeDocument/2006/relationships" xmlns:p="http://schemas.openxmlformats.org/presentationml/2006/main">
+  <p:cSld>
+    <p:spTree>
+      <p:nvGrpSpPr>
+        <p:cNvPr id="1" name=""/>
+        <p:cNvGrpSpPr/>
+        <p:nvPr/>
+      </p:nvGrpSpPr>
+      <p:grpSpPr>
+        <a:xfrm>
+          <a:off x="0" y="0"/>
+          <a:ext cx="0" cy="0"/>
+          <a:chOff x="0" y="0"/>
+          <a:chExt cx="0" cy="0"/>
+        </a:xfrm>
+      </p:grpSpPr>
+      <p:sp>
+        <p:nvSpPr>
+          <p:cNvPr id="2" name="标题 1"/>
+          <p:cNvSpPr>
+            <a:spLocks noGrp="1"/>
+          </p:cNvSpPr>
+          <p:nvPr>
+            <p:ph type="title"/>
+          </p:nvPr>
+        </p:nvSpPr>
+        <p:spPr/>
+        <p:txBody>
+          <a:bodyPr/>
+          <a:lstStyle/>
+          <a:p>
+            <a:r>
+              <a:rPr lang="en-US" altLang="zh-CN" b="1" dirty="0"/>
+              <a:t>selection sort </a:t>
+            </a:r>
+            <a:r>
+              <a:rPr lang="en-US" altLang="zh-CN" dirty="0"/>
+              <a:t>algorithm</a:t>
+            </a:r>
+            <a:endParaRPr lang="zh-CN" altLang="en-US" dirty="0"/>
+          </a:p>
+        </p:txBody>
+      </p:sp>
+      <p:sp>
+        <p:nvSpPr>
+          <p:cNvPr id="3" name="内容占位符 2"/>
+          <p:cNvSpPr>
+            <a:spLocks noGrp="1"/>
+          </p:cNvSpPr>
+          <p:nvPr>
+            <p:ph idx="1"/>
+          </p:nvPr>
+        </p:nvSpPr>
+        <p:spPr/>
+        <p:txBody>
+          <a:bodyPr/>
+          <a:lstStyle/>
+          <a:p>
+            <a:pPr marL="0" indent="0">
+              <a:buNone/>
+            </a:pPr>
+            <a:r>
+              <a:rPr lang="en-US" altLang="zh-CN" sz="2400" dirty="0">
+                <a:solidFill>
+                  <a:srgbClr val="0000FF"/>
+                </a:solidFill>
+              </a:rPr>
+              <a:t>for (</a:t>
+            </a:r>
+            <a:r>
+              <a:rPr lang="en-US" altLang="zh-CN" sz="2400" dirty="0" err="1">
+                <a:solidFill>
+                  <a:srgbClr val="0000FF"/>
+                </a:solidFill>
+              </a:rPr>
+              <a:t>int</a:t>
+            </a:r>
+            <a:r>
+              <a:rPr lang="en-US" altLang="zh-CN" sz="2400" dirty="0">
+                <a:solidFill>
+                  <a:srgbClr val="0000FF"/>
+                </a:solidFill>
+              </a:rPr>
+              <a:t> index = 0; index &lt; </a:t>
+            </a:r>
+            <a:r>
+              <a:rPr lang="en-US" altLang="zh-CN" sz="2400" dirty="0" err="1">
+                <a:solidFill>
+                  <a:srgbClr val="0000FF"/>
+                </a:solidFill>
+              </a:rPr>
+              <a:t>number_used</a:t>
+            </a:r>
+            <a:r>
+              <a:rPr lang="en-US" altLang="zh-CN" sz="2400" dirty="0">
+                <a:solidFill>
+                  <a:srgbClr val="0000FF"/>
+                </a:solidFill>
+              </a:rPr>
+              <a:t>; index</a:t>
+            </a:r>
+            <a:r>
+              <a:rPr lang="en-US" altLang="zh-CN" sz="2400" dirty="0" smtClean="0">
+                <a:solidFill>
+                  <a:srgbClr val="0000FF"/>
+                </a:solidFill>
+              </a:rPr>
+              <a:t>++)</a:t>
+            </a:r>
+          </a:p>
+          <a:p>
+            <a:pPr marL="0" indent="0">
+              <a:buNone/>
+            </a:pPr>
+            <a:r>
+              <a:rPr lang="en-US" altLang="zh-CN" sz="2400" dirty="0">
+                <a:solidFill>
+                  <a:srgbClr val="0000FF"/>
+                </a:solidFill>
+              </a:rPr>
+              <a:t>	</a:t>
+            </a:r>
+            <a:r>
+              <a:rPr lang="en-US" altLang="zh-CN" dirty="0"/>
+              <a:t>find the </a:t>
+            </a:r>
+            <a:r>
+              <a:rPr lang="en-US" altLang="zh-CN" dirty="0" smtClean="0"/>
+              <a:t>smallest element a in [index, </a:t>
+            </a:r>
+            <a:r>
+              <a:rPr lang="en-US" altLang="zh-CN" dirty="0" err="1" smtClean="0">
+                <a:solidFill>
+                  <a:srgbClr val="0000FF"/>
+                </a:solidFill>
+              </a:rPr>
+              <a:t>number_used</a:t>
+            </a:r>
+            <a:r>
+              <a:rPr lang="en-US" altLang="zh-CN" dirty="0" smtClean="0">
+                <a:solidFill>
+                  <a:srgbClr val="0000FF"/>
+                </a:solidFill>
+              </a:rPr>
+              <a:t>)</a:t>
+            </a:r>
+            <a:endParaRPr lang="en-US" altLang="zh-CN" dirty="0"/>
+          </a:p>
+          <a:p>
+            <a:pPr marL="0" indent="0">
+              <a:buNone/>
+            </a:pPr>
+            <a:r>
+              <a:rPr lang="en-US" altLang="zh-CN" dirty="0">
+                <a:solidFill>
+                  <a:srgbClr val="0000FF"/>
+                </a:solidFill>
+              </a:rPr>
+              <a:t> </a:t>
+            </a:r>
+            <a:r>
+              <a:rPr lang="en-US" altLang="zh-CN" dirty="0" smtClean="0">
+                <a:solidFill>
+                  <a:srgbClr val="0000FF"/>
+                </a:solidFill>
+              </a:rPr>
+              <a:t>  	</a:t>
+            </a:r>
+            <a:r>
+              <a:rPr lang="en-US" altLang="zh-CN" dirty="0"/>
+              <a:t> </a:t>
+            </a:r>
+            <a:r>
+              <a:rPr lang="en-US" altLang="zh-CN" dirty="0" err="1" smtClean="0"/>
+              <a:t>swap_values</a:t>
+            </a:r>
+            <a:r>
+              <a:rPr lang="en-US" altLang="zh-CN" dirty="0" smtClean="0"/>
+              <a:t>(a, a[index])</a:t>
+            </a:r>
+          </a:p>
+          <a:p>
+            <a:pPr marL="0" indent="0">
+              <a:buNone/>
+            </a:pPr>
+            <a:endParaRPr lang="en-US" altLang="zh-CN" dirty="0">
+              <a:solidFill>
+                <a:srgbClr val="0000FF"/>
+              </a:solidFill>
+            </a:endParaRPr>
+          </a:p>
+          <a:p>
+            <a:pPr marL="0" indent="0">
+              <a:buNone/>
+            </a:pPr>
+            <a:endParaRPr lang="en-US" altLang="zh-CN" dirty="0" smtClean="0">
+              <a:solidFill>
+                <a:srgbClr val="0000FF"/>
+              </a:solidFill>
+            </a:endParaRPr>
+          </a:p>
+          <a:p>
+            <a:pPr marL="0" indent="0">
+              <a:buNone/>
+            </a:pPr>
+            <a:r>
+              <a:rPr lang="en-US" altLang="zh-CN" sz="2400" dirty="0" err="1">
+                <a:solidFill>
+                  <a:srgbClr val="0000FF"/>
+                </a:solidFill>
+              </a:rPr>
+              <a:t>int</a:t>
+            </a:r>
+            <a:r>
+              <a:rPr lang="en-US" altLang="zh-CN" sz="2400" dirty="0">
+                <a:solidFill>
+                  <a:srgbClr val="0000FF"/>
+                </a:solidFill>
+              </a:rPr>
+              <a:t> </a:t>
+            </a:r>
+            <a:r>
+              <a:rPr lang="en-US" altLang="zh-CN" sz="2400" dirty="0" err="1">
+                <a:solidFill>
+                  <a:srgbClr val="0000FF"/>
+                </a:solidFill>
+              </a:rPr>
+              <a:t>index_of_smallest</a:t>
+            </a:r>
+            <a:r>
+              <a:rPr lang="en-US" altLang="zh-CN" sz="2400" dirty="0">
+                <a:solidFill>
+                  <a:srgbClr val="0000FF"/>
+                </a:solidFill>
+              </a:rPr>
+              <a:t>(</a:t>
+            </a:r>
+            <a:r>
+              <a:rPr lang="en-US" altLang="zh-CN" sz="2400" dirty="0" err="1">
+                <a:solidFill>
+                  <a:srgbClr val="0000FF"/>
+                </a:solidFill>
+              </a:rPr>
+              <a:t>const</a:t>
+            </a:r>
+            <a:r>
+              <a:rPr lang="en-US" altLang="zh-CN" sz="2400" dirty="0">
+                <a:solidFill>
+                  <a:srgbClr val="0000FF"/>
+                </a:solidFill>
+              </a:rPr>
+              <a:t> </a:t>
+            </a:r>
+            <a:r>
+              <a:rPr lang="en-US" altLang="zh-CN" sz="2400" dirty="0" err="1">
+                <a:solidFill>
+                  <a:srgbClr val="0000FF"/>
+                </a:solidFill>
+              </a:rPr>
+              <a:t>int</a:t>
+            </a:r>
+            <a:r>
+              <a:rPr lang="en-US" altLang="zh-CN" sz="2400" dirty="0">
+                <a:solidFill>
+                  <a:srgbClr val="0000FF"/>
+                </a:solidFill>
+              </a:rPr>
+              <a:t> a[], </a:t>
+            </a:r>
+            <a:r>
+              <a:rPr lang="en-US" altLang="zh-CN" sz="2400" dirty="0" err="1">
+                <a:solidFill>
+                  <a:srgbClr val="0000FF"/>
+                </a:solidFill>
+              </a:rPr>
+              <a:t>int</a:t>
+            </a:r>
+            <a:r>
+              <a:rPr lang="en-US" altLang="zh-CN" sz="2400" dirty="0">
+                <a:solidFill>
+                  <a:srgbClr val="0000FF"/>
+                </a:solidFill>
+              </a:rPr>
+              <a:t> </a:t>
+            </a:r>
+            <a:r>
+              <a:rPr lang="en-US" altLang="zh-CN" sz="2400" dirty="0" err="1">
+                <a:solidFill>
+                  <a:srgbClr val="0000FF"/>
+                </a:solidFill>
+              </a:rPr>
+              <a:t>start_index</a:t>
+            </a:r>
+            <a:r>
+              <a:rPr lang="en-US" altLang="zh-CN" sz="2400" dirty="0">
+                <a:solidFill>
+                  <a:srgbClr val="0000FF"/>
+                </a:solidFill>
+              </a:rPr>
+              <a:t>, </a:t>
+            </a:r>
+            <a:r>
+              <a:rPr lang="en-US" altLang="zh-CN" sz="2400" dirty="0" err="1">
+                <a:solidFill>
+                  <a:srgbClr val="0000FF"/>
+                </a:solidFill>
+              </a:rPr>
+              <a:t>int</a:t>
+            </a:r>
+            <a:r>
+              <a:rPr lang="en-US" altLang="zh-CN" sz="2400" dirty="0">
+                <a:solidFill>
+                  <a:srgbClr val="0000FF"/>
+                </a:solidFill>
+              </a:rPr>
+              <a:t> </a:t>
+            </a:r>
+            <a:r>
+              <a:rPr lang="en-US" altLang="zh-CN" sz="2400" dirty="0" err="1">
+                <a:solidFill>
+                  <a:srgbClr val="0000FF"/>
+                </a:solidFill>
+              </a:rPr>
+              <a:t>number_used</a:t>
+            </a:r>
+            <a:r>
+              <a:rPr lang="en-US" altLang="zh-CN" sz="2400" dirty="0" smtClean="0">
+                <a:solidFill>
+                  <a:srgbClr val="0000FF"/>
+                </a:solidFill>
+              </a:rPr>
+              <a:t>);</a:t>
+            </a:r>
+          </a:p>
+          <a:p>
+            <a:pPr marL="0" indent="0">
+              <a:buNone/>
+            </a:pPr>
+            <a:endParaRPr lang="en-US" altLang="zh-CN" sz="2400" dirty="0">
+              <a:solidFill>
+                <a:srgbClr val="0000FF"/>
+              </a:solidFill>
+            </a:endParaRPr>
+          </a:p>
+          <a:p>
+            <a:pPr marL="0" indent="0">
+              <a:buNone/>
+            </a:pPr>
+            <a:endParaRPr lang="en-US" altLang="zh-CN" sz="2400" dirty="0" smtClean="0">
+              <a:solidFill>
+                <a:srgbClr val="0000FF"/>
+              </a:solidFill>
+            </a:endParaRPr>
+          </a:p>
+          <a:p>
+            <a:pPr marL="0" indent="0">
+              <a:buNone/>
+            </a:pPr>
+            <a:r>
+              <a:rPr lang="en-US" altLang="zh-CN" sz="2400" dirty="0">
+                <a:solidFill>
+                  <a:srgbClr val="0000FF"/>
+                </a:solidFill>
+              </a:rPr>
+              <a:t>void </a:t>
+            </a:r>
+            <a:r>
+              <a:rPr lang="en-US" altLang="zh-CN" sz="2400" dirty="0" err="1">
+                <a:solidFill>
+                  <a:srgbClr val="0000FF"/>
+                </a:solidFill>
+              </a:rPr>
+              <a:t>swap_values</a:t>
+            </a:r>
+            <a:r>
+              <a:rPr lang="en-US" altLang="zh-CN" sz="2400" dirty="0">
+                <a:solidFill>
+                  <a:srgbClr val="0000FF"/>
+                </a:solidFill>
+              </a:rPr>
+              <a:t>(</a:t>
+            </a:r>
+            <a:r>
+              <a:rPr lang="en-US" altLang="zh-CN" sz="2400" dirty="0" err="1">
+                <a:solidFill>
+                  <a:srgbClr val="0000FF"/>
+                </a:solidFill>
+              </a:rPr>
+              <a:t>int</a:t>
+            </a:r>
+            <a:r>
+              <a:rPr lang="en-US" altLang="zh-CN" sz="2400" dirty="0">
+                <a:solidFill>
+                  <a:srgbClr val="0000FF"/>
+                </a:solidFill>
+              </a:rPr>
+              <a:t>&amp; v1, </a:t>
+            </a:r>
+            <a:r>
+              <a:rPr lang="en-US" altLang="zh-CN" sz="2400" dirty="0" err="1">
+                <a:solidFill>
+                  <a:srgbClr val="0000FF"/>
+                </a:solidFill>
+              </a:rPr>
+              <a:t>int</a:t>
+            </a:r>
+            <a:r>
+              <a:rPr lang="en-US" altLang="zh-CN" sz="2400" dirty="0">
+                <a:solidFill>
+                  <a:srgbClr val="0000FF"/>
+                </a:solidFill>
+              </a:rPr>
+              <a:t>&amp; v2);</a:t>
+            </a:r>
+          </a:p>
+        </p:txBody>
+      </p:sp>
+    </p:spTree>
+    <p:extLst>
+      <p:ext uri="{BB962C8B-B14F-4D97-AF65-F5344CB8AC3E}">
+        <p14:creationId xmlns:p14="http://schemas.microsoft.com/office/powerpoint/2010/main" val="4010042216"/>
+      </p:ext>
+    </p:extLst>
+  </p:cSld>
+  <p:clrMapOvr>
+    <a:masterClrMapping/>
+  </p:clrMapOvr>
+  <p:transition spd="med"/>
+</p:sld>
+</file>
+
+<file path=ppt/slides/slide22.xml><?xml version="1.0" encoding="utf-8"?>
+<p:sld xmlns:a="http://schemas.openxmlformats.org/drawingml/2006/main" xmlns:r="http://schemas.openxmlformats.org/officeDocument/2006/relationships" xmlns:p="http://schemas.openxmlformats.org/presentationml/2006/main">
+  <p:cSld>
+    <p:spTree>
+      <p:nvGrpSpPr>
+        <p:cNvPr id="1" name=""/>
+        <p:cNvGrpSpPr/>
+        <p:nvPr/>
+      </p:nvGrpSpPr>
+      <p:grpSpPr>
+        <a:xfrm>
+          <a:off x="0" y="0"/>
+          <a:ext cx="0" cy="0"/>
+          <a:chOff x="0" y="0"/>
+          <a:chExt cx="0" cy="0"/>
+        </a:xfrm>
+      </p:grpSpPr>
+      <p:sp>
+        <p:nvSpPr>
+          <p:cNvPr id="2" name="标题 1"/>
+          <p:cNvSpPr>
+            <a:spLocks noGrp="1"/>
+          </p:cNvSpPr>
+          <p:nvPr>
+            <p:ph type="title"/>
+          </p:nvPr>
+        </p:nvSpPr>
+        <p:spPr/>
+        <p:txBody>
+          <a:bodyPr/>
+          <a:lstStyle/>
+          <a:p>
+            <a:r>
+              <a:rPr lang="en-US" altLang="zh-CN" b="1" dirty="0"/>
+              <a:t>MULTIDIMENSIONAL ARRAYS</a:t>
+            </a:r>
+            <a:endParaRPr lang="zh-CN" altLang="en-US" dirty="0"/>
+          </a:p>
+        </p:txBody>
+      </p:sp>
+      <p:sp>
+        <p:nvSpPr>
+          <p:cNvPr id="3" name="内容占位符 2"/>
+          <p:cNvSpPr>
+            <a:spLocks noGrp="1"/>
+          </p:cNvSpPr>
+          <p:nvPr>
+            <p:ph idx="1"/>
+          </p:nvPr>
+        </p:nvSpPr>
+        <p:spPr/>
+        <p:txBody>
+          <a:bodyPr/>
+          <a:lstStyle/>
+          <a:p>
+            <a:endParaRPr lang="zh-CN" altLang="en-US" dirty="0"/>
+          </a:p>
+        </p:txBody>
+      </p:sp>
+    </p:spTree>
+    <p:extLst>
+      <p:ext uri="{BB962C8B-B14F-4D97-AF65-F5344CB8AC3E}">
+        <p14:creationId xmlns:p14="http://schemas.microsoft.com/office/powerpoint/2010/main" val="238244043"/>
+      </p:ext>
+    </p:extLst>
+  </p:cSld>
+  <p:clrMapOvr>
+    <a:masterClrMapping/>
+  </p:clrMapOvr>
+  <p:transition spd="med"/>
+</p:sld>
+</file>
+
+<file path=ppt/slides/slide23.xml><?xml version="1.0" encoding="utf-8"?>
+<p:sld xmlns:a="http://schemas.openxmlformats.org/drawingml/2006/main" xmlns:r="http://schemas.openxmlformats.org/officeDocument/2006/relationships" xmlns:p="http://schemas.openxmlformats.org/presentationml/2006/main">
+  <p:cSld>
+    <p:spTree>
+      <p:nvGrpSpPr>
+        <p:cNvPr id="1" name=""/>
+        <p:cNvGrpSpPr/>
+        <p:nvPr/>
+      </p:nvGrpSpPr>
+      <p:grpSpPr>
+        <a:xfrm>
+          <a:off x="0" y="0"/>
+          <a:ext cx="0" cy="0"/>
+          <a:chOff x="0" y="0"/>
+          <a:chExt cx="0" cy="0"/>
+        </a:xfrm>
+      </p:grpSpPr>
+      <p:sp>
+        <p:nvSpPr>
+          <p:cNvPr id="2" name="标题 1"/>
+          <p:cNvSpPr>
+            <a:spLocks noGrp="1"/>
+          </p:cNvSpPr>
+          <p:nvPr>
+            <p:ph type="title"/>
+          </p:nvPr>
+        </p:nvSpPr>
+        <p:spPr/>
+        <p:txBody>
+          <a:bodyPr/>
+          <a:lstStyle/>
+          <a:p>
+            <a:r>
+              <a:rPr lang="en-US" altLang="zh-CN" dirty="0" smtClean="0"/>
+              <a:t>Multidimensional Array Declaration</a:t>
+            </a:r>
+            <a:endParaRPr lang="zh-CN" altLang="en-US" dirty="0"/>
+          </a:p>
+        </p:txBody>
+      </p:sp>
+      <p:pic>
+        <p:nvPicPr>
+          <p:cNvPr id="4" name="图片 3"/>
+          <p:cNvPicPr>
+            <a:picLocks noChangeAspect="1"/>
+          </p:cNvPicPr>
+          <p:nvPr/>
+        </p:nvPicPr>
+        <p:blipFill>
+          <a:blip r:embed="rId2"/>
+          <a:stretch>
+            <a:fillRect/>
+          </a:stretch>
+        </p:blipFill>
+        <p:spPr>
+          <a:xfrm>
+            <a:off x="711200" y="1532794"/>
+            <a:ext cx="10295238" cy="4806461"/>
+          </a:xfrm>
+          <a:prstGeom prst="rect">
+            <a:avLst/>
+          </a:prstGeom>
+        </p:spPr>
+      </p:pic>
+    </p:spTree>
+    <p:extLst>
+      <p:ext uri="{BB962C8B-B14F-4D97-AF65-F5344CB8AC3E}">
+        <p14:creationId xmlns:p14="http://schemas.microsoft.com/office/powerpoint/2010/main" val="3148064507"/>
+      </p:ext>
+    </p:extLst>
+  </p:cSld>
+  <p:clrMapOvr>
+    <a:masterClrMapping/>
+  </p:clrMapOvr>
+  <p:transition spd="med"/>
+</p:sld>
+</file>
+
+<file path=ppt/slides/slide24.xml><?xml version="1.0" encoding="utf-8"?>
+<p:sld xmlns:a="http://schemas.openxmlformats.org/drawingml/2006/main" xmlns:r="http://schemas.openxmlformats.org/officeDocument/2006/relationships" xmlns:p="http://schemas.openxmlformats.org/presentationml/2006/main">
+  <p:cSld>
+    <p:spTree>
+      <p:nvGrpSpPr>
+        <p:cNvPr id="1" name=""/>
+        <p:cNvGrpSpPr/>
+        <p:nvPr/>
+      </p:nvGrpSpPr>
+      <p:grpSpPr>
+        <a:xfrm>
+          <a:off x="0" y="0"/>
+          <a:ext cx="0" cy="0"/>
+          <a:chOff x="0" y="0"/>
+          <a:chExt cx="0" cy="0"/>
+        </a:xfrm>
+      </p:grpSpPr>
+      <p:sp>
+        <p:nvSpPr>
+          <p:cNvPr id="2" name="标题 1"/>
+          <p:cNvSpPr>
+            <a:spLocks noGrp="1"/>
+          </p:cNvSpPr>
+          <p:nvPr>
+            <p:ph type="title"/>
+          </p:nvPr>
+        </p:nvSpPr>
+        <p:spPr/>
+        <p:txBody>
+          <a:bodyPr/>
+          <a:lstStyle/>
+          <a:p>
+            <a:r>
+              <a:rPr lang="en-US" altLang="zh-CN" dirty="0" smtClean="0"/>
+              <a:t>Test</a:t>
+            </a:r>
+            <a:endParaRPr lang="zh-CN" altLang="en-US" dirty="0"/>
+          </a:p>
+        </p:txBody>
+      </p:sp>
+      <p:sp>
+        <p:nvSpPr>
+          <p:cNvPr id="3" name="内容占位符 2"/>
+          <p:cNvSpPr>
+            <a:spLocks noGrp="1"/>
+          </p:cNvSpPr>
+          <p:nvPr>
+            <p:ph idx="1"/>
+          </p:nvPr>
+        </p:nvSpPr>
+        <p:spPr>
+          <a:xfrm>
+            <a:off x="726018" y="1676400"/>
+            <a:ext cx="11059583" cy="2965938"/>
+          </a:xfrm>
+        </p:spPr>
+        <p:txBody>
+          <a:bodyPr/>
+          <a:lstStyle/>
+          <a:p>
+            <a:r>
+              <a:rPr lang="en-US" altLang="zh-CN" dirty="0" smtClean="0"/>
+              <a:t>Page </a:t>
+            </a:r>
+            <a:r>
+              <a:rPr lang="en-US" altLang="zh-CN" dirty="0"/>
+              <a:t>440  exercise 11</a:t>
+            </a:r>
+            <a:endParaRPr lang="zh-CN" altLang="en-US" dirty="0"/>
+          </a:p>
+        </p:txBody>
+      </p:sp>
+    </p:spTree>
+    <p:extLst>
+      <p:ext uri="{BB962C8B-B14F-4D97-AF65-F5344CB8AC3E}">
+        <p14:creationId xmlns:p14="http://schemas.microsoft.com/office/powerpoint/2010/main" val="2604527994"/>
       </p:ext>
     </p:extLst>
   </p:cSld>
@@ -4009,15 +8157,7 @@
                   <a:srgbClr val="0000FF"/>
                 </a:solidFill>
               </a:rPr>
-              <a:t>for </a:t>
-            </a:r>
-            <a:r>
-              <a:rPr lang="nn-NO" altLang="zh-CN" sz="2400" dirty="0">
-                <a:solidFill>
-                  <a:srgbClr val="0000FF"/>
-                </a:solidFill>
-              </a:rPr>
-              <a:t>(i = 0; i &lt; 5; i++)</a:t>
+              <a:t>for (i = 0; i &lt; 5; i++)</a:t>
             </a:r>
           </a:p>
           <a:p>
@@ -4046,15 +8186,7 @@
                   <a:srgbClr val="0000FF"/>
                 </a:solidFill>
               </a:rPr>
-              <a:t> </a:t>
-            </a:r>
-            <a:r>
-              <a:rPr lang="en-US" altLang="zh-CN" sz="2400" dirty="0">
-                <a:solidFill>
-                  <a:srgbClr val="0000FF"/>
-                </a:solidFill>
-              </a:rPr>
-              <a:t>&lt;&lt; score[</a:t>
+              <a:t> &lt;&lt; score[</a:t>
             </a:r>
             <a:r>
               <a:rPr lang="en-US" altLang="zh-CN" sz="2400" dirty="0" err="1">
@@ -4083,15 +8215,7 @@
                   <a:srgbClr val="0000FF"/>
                 </a:solidFill>
               </a:rPr>
-              <a:t>		&lt;&lt; </a:t>
-            </a:r>
-            <a:r>
-              <a:rPr lang="en-US" altLang="zh-CN" sz="2400" dirty="0">
-                <a:solidFill>
-                  <a:srgbClr val="0000FF"/>
-                </a:solidFill>
-              </a:rPr>
-              <a:t>(max - score[</a:t>
+              <a:t>		&lt;&lt; (max - score[</a:t>
             </a:r>
             <a:r>
               <a:rPr lang="en-US" altLang="zh-CN" sz="2400" dirty="0" err="1">
@@ -4738,6 +8862,277 @@
     <p:extLst>
       <p:ext uri="{BB962C8B-B14F-4D97-AF65-F5344CB8AC3E}">
         <p14:creationId xmlns:p14="http://schemas.microsoft.com/office/powerpoint/2010/main" val="2155386061"/>
+      </p:ext>
+    </p:extLst>
+  </p:cSld>
+  <p:clrMapOvr>
+    <a:masterClrMapping/>
+  </p:clrMapOvr>
+  <p:transition spd="med"/>
+</p:sld>
+</file>
+
+<file path=ppt/slides/slide8.xml><?xml version="1.0" encoding="utf-8"?>
+<p:sld xmlns:a="http://schemas.openxmlformats.org/drawingml/2006/main" xmlns:r="http://schemas.openxmlformats.org/officeDocument/2006/relationships" xmlns:p="http://schemas.openxmlformats.org/presentationml/2006/main">
+  <p:cSld>
+    <p:spTree>
+      <p:nvGrpSpPr>
+        <p:cNvPr id="1" name=""/>
+        <p:cNvGrpSpPr/>
+        <p:nvPr/>
+      </p:nvGrpSpPr>
+      <p:grpSpPr>
+        <a:xfrm>
+          <a:off x="0" y="0"/>
+          <a:ext cx="0" cy="0"/>
+          <a:chOff x="0" y="0"/>
+          <a:chExt cx="0" cy="0"/>
+        </a:xfrm>
+      </p:grpSpPr>
+      <p:sp>
+        <p:nvSpPr>
+          <p:cNvPr id="2" name="标题 1"/>
+          <p:cNvSpPr>
+            <a:spLocks noGrp="1"/>
+          </p:cNvSpPr>
+          <p:nvPr>
+            <p:ph type="title"/>
+          </p:nvPr>
+        </p:nvSpPr>
+        <p:spPr/>
+        <p:txBody>
+          <a:bodyPr/>
+          <a:lstStyle/>
+          <a:p>
+            <a:r>
+              <a:rPr lang="en-US" altLang="zh-CN" b="1" dirty="0"/>
+              <a:t>ARRAYS IN FUNCTIONS</a:t>
+            </a:r>
+            <a:br>
+              <a:rPr lang="en-US" altLang="zh-CN" b="1" dirty="0"/>
+            </a:br>
+            <a:endParaRPr lang="zh-CN" altLang="en-US" dirty="0"/>
+          </a:p>
+        </p:txBody>
+      </p:sp>
+    </p:spTree>
+    <p:extLst>
+      <p:ext uri="{BB962C8B-B14F-4D97-AF65-F5344CB8AC3E}">
+        <p14:creationId xmlns:p14="http://schemas.microsoft.com/office/powerpoint/2010/main" val="2582399512"/>
+      </p:ext>
+    </p:extLst>
+  </p:cSld>
+  <p:clrMapOvr>
+    <a:masterClrMapping/>
+  </p:clrMapOvr>
+  <p:transition spd="med"/>
+</p:sld>
+</file>
+
+<file path=ppt/slides/slide9.xml><?xml version="1.0" encoding="utf-8"?>
+<p:sld xmlns:a="http://schemas.openxmlformats.org/drawingml/2006/main" xmlns:r="http://schemas.openxmlformats.org/officeDocument/2006/relationships" xmlns:p="http://schemas.openxmlformats.org/presentationml/2006/main">
+  <p:cSld>
+    <p:spTree>
+      <p:nvGrpSpPr>
+        <p:cNvPr id="1" name=""/>
+        <p:cNvGrpSpPr/>
+        <p:nvPr/>
+      </p:nvGrpSpPr>
+      <p:grpSpPr>
+        <a:xfrm>
+          <a:off x="0" y="0"/>
+          <a:ext cx="0" cy="0"/>
+          <a:chOff x="0" y="0"/>
+          <a:chExt cx="0" cy="0"/>
+        </a:xfrm>
+      </p:grpSpPr>
+      <p:sp>
+        <p:nvSpPr>
+          <p:cNvPr id="2" name="标题 1"/>
+          <p:cNvSpPr>
+            <a:spLocks noGrp="1"/>
+          </p:cNvSpPr>
+          <p:nvPr>
+            <p:ph type="title"/>
+          </p:nvPr>
+        </p:nvSpPr>
+        <p:spPr/>
+        <p:txBody>
+          <a:bodyPr/>
+          <a:lstStyle/>
+          <a:p>
+            <a:r>
+              <a:rPr lang="en-US" altLang="zh-CN" dirty="0" smtClean="0"/>
+              <a:t>Review </a:t>
+            </a:r>
+            <a:endParaRPr lang="zh-CN" altLang="en-US" dirty="0"/>
+          </a:p>
+        </p:txBody>
+      </p:sp>
+      <p:sp>
+        <p:nvSpPr>
+          <p:cNvPr id="3" name="内容占位符 2"/>
+          <p:cNvSpPr>
+            <a:spLocks noGrp="1"/>
+          </p:cNvSpPr>
+          <p:nvPr>
+            <p:ph idx="1"/>
+          </p:nvPr>
+        </p:nvSpPr>
+        <p:spPr/>
+        <p:txBody>
+          <a:bodyPr/>
+          <a:lstStyle/>
+          <a:p>
+            <a:r>
+              <a:rPr lang="en-US" altLang="zh-CN" sz="3600" dirty="0"/>
+              <a:t>3. Identify any errors in the following array declarations</a:t>
+            </a:r>
+            <a:r>
+              <a:rPr lang="en-US" altLang="zh-CN" sz="3600" dirty="0" smtClean="0"/>
+              <a:t>.</a:t>
+            </a:r>
+          </a:p>
+          <a:p>
+            <a:pPr marL="0" indent="0">
+              <a:buNone/>
+            </a:pPr>
+            <a:endParaRPr lang="en-US" altLang="zh-CN" sz="3600" dirty="0"/>
+          </a:p>
+          <a:p>
+            <a:pPr marL="0" indent="0">
+              <a:buNone/>
+            </a:pPr>
+            <a:r>
+              <a:rPr lang="en-US" altLang="zh-CN" sz="3600" dirty="0"/>
+              <a:t>a. </a:t>
+            </a:r>
+            <a:r>
+              <a:rPr lang="en-US" altLang="zh-CN" sz="3600" dirty="0" err="1">
+                <a:solidFill>
+                  <a:srgbClr val="0000FF"/>
+                </a:solidFill>
+              </a:rPr>
+              <a:t>int</a:t>
+            </a:r>
+            <a:r>
+              <a:rPr lang="en-US" altLang="zh-CN" sz="3600" dirty="0">
+                <a:solidFill>
+                  <a:srgbClr val="0000FF"/>
+                </a:solidFill>
+              </a:rPr>
+              <a:t> x[4] = { 8, 7, 6, 4, 3 };</a:t>
+            </a:r>
+          </a:p>
+          <a:p>
+            <a:pPr marL="0" indent="0">
+              <a:buNone/>
+            </a:pPr>
+            <a:r>
+              <a:rPr lang="en-US" altLang="zh-CN" sz="3600" dirty="0"/>
+              <a:t>b. </a:t>
+            </a:r>
+            <a:r>
+              <a:rPr lang="en-US" altLang="zh-CN" sz="3600" dirty="0" err="1">
+                <a:solidFill>
+                  <a:srgbClr val="0000FF"/>
+                </a:solidFill>
+              </a:rPr>
+              <a:t>int</a:t>
+            </a:r>
+            <a:r>
+              <a:rPr lang="en-US" altLang="zh-CN" sz="3600" dirty="0">
+                <a:solidFill>
+                  <a:srgbClr val="0000FF"/>
+                </a:solidFill>
+              </a:rPr>
+              <a:t> x[] = { 8, 7, 6, 4 };</a:t>
+            </a:r>
+          </a:p>
+          <a:p>
+            <a:pPr marL="0" indent="0">
+              <a:buNone/>
+            </a:pPr>
+            <a:r>
+              <a:rPr lang="en-US" altLang="zh-CN" sz="3600" dirty="0"/>
+              <a:t>c. </a:t>
+            </a:r>
+            <a:r>
+              <a:rPr lang="en-US" altLang="zh-CN" sz="3600" dirty="0" err="1">
+                <a:solidFill>
+                  <a:srgbClr val="0000FF"/>
+                </a:solidFill>
+              </a:rPr>
+              <a:t>const</a:t>
+            </a:r>
+            <a:r>
+              <a:rPr lang="en-US" altLang="zh-CN" sz="3600" dirty="0">
+                <a:solidFill>
+                  <a:srgbClr val="0000FF"/>
+                </a:solidFill>
+              </a:rPr>
+              <a:t> </a:t>
+            </a:r>
+            <a:r>
+              <a:rPr lang="en-US" altLang="zh-CN" sz="3600" dirty="0" err="1">
+                <a:solidFill>
+                  <a:srgbClr val="0000FF"/>
+                </a:solidFill>
+              </a:rPr>
+              <a:t>int</a:t>
+            </a:r>
+            <a:r>
+              <a:rPr lang="en-US" altLang="zh-CN" sz="3600" dirty="0">
+                <a:solidFill>
+                  <a:srgbClr val="0000FF"/>
+                </a:solidFill>
+              </a:rPr>
+              <a:t> SIZE = </a:t>
+            </a:r>
+            <a:r>
+              <a:rPr lang="en-US" altLang="zh-CN" sz="3600" dirty="0">
+                <a:solidFill>
+                  <a:srgbClr val="0000FF"/>
+                </a:solidFill>
+              </a:rPr>
+              <a:t>4; </a:t>
+            </a:r>
+            <a:r>
+              <a:rPr lang="en-US" altLang="zh-CN" sz="3600" dirty="0" err="1">
+                <a:solidFill>
+                  <a:srgbClr val="0000FF"/>
+                </a:solidFill>
+              </a:rPr>
+              <a:t>int</a:t>
+            </a:r>
+            <a:r>
+              <a:rPr lang="en-US" altLang="zh-CN" sz="3600" dirty="0">
+                <a:solidFill>
+                  <a:srgbClr val="0000FF"/>
+                </a:solidFill>
+              </a:rPr>
+              <a:t> </a:t>
+            </a:r>
+            <a:r>
+              <a:rPr lang="en-US" altLang="zh-CN" sz="3600" dirty="0">
+                <a:solidFill>
+                  <a:srgbClr val="0000FF"/>
+                </a:solidFill>
+              </a:rPr>
+              <a:t>x[SIZE];</a:t>
+            </a:r>
+            <a:endParaRPr lang="zh-CN" altLang="en-US" sz="3600" dirty="0">
+              <a:solidFill>
+                <a:srgbClr val="0000FF"/>
+              </a:solidFill>
+            </a:endParaRPr>
+          </a:p>
+        </p:txBody>
+      </p:sp>
+    </p:spTree>
+    <p:extLst>
+      <p:ext uri="{BB962C8B-B14F-4D97-AF65-F5344CB8AC3E}">
+        <p14:creationId xmlns:p14="http://schemas.microsoft.com/office/powerpoint/2010/main" val="1797053718"/>
       </p:ext>
     </p:extLst>
   </p:cSld>

--- a/ppt/chapter 7.pptx
+++ b/ppt/chapter 7.pptx
@@ -3640,15 +3640,7 @@
                   <a:srgbClr val="0000FF"/>
                 </a:solidFill>
               </a:rPr>
-              <a:t>, n, a[10</a:t>
-            </a:r>
-            <a:r>
-              <a:rPr lang="en-US" altLang="zh-CN" sz="3200" dirty="0">
-                <a:solidFill>
-                  <a:srgbClr val="0000FF"/>
-                </a:solidFill>
-              </a:rPr>
-              <a:t>];</a:t>
+              <a:t>, n, a[10];</a:t>
             </a:r>
           </a:p>
           <a:p>
@@ -3695,15 +3687,7 @@
                   <a:srgbClr val="0000FF"/>
                 </a:solidFill>
               </a:rPr>
-              <a:t>(n</a:t>
-            </a:r>
-            <a:r>
-              <a:rPr lang="en-US" altLang="zh-CN" sz="3200" dirty="0">
-                <a:solidFill>
-                  <a:srgbClr val="0000FF"/>
-                </a:solidFill>
-              </a:rPr>
-              <a:t>);</a:t>
+              <a:t>(n);</a:t>
             </a:r>
           </a:p>
           <a:p>
@@ -3938,15 +3922,7 @@
                   <a:srgbClr val="0000FF"/>
                 </a:solidFill>
               </a:rPr>
-              <a:t> </a:t>
-            </a:r>
-            <a:r>
-              <a:rPr lang="en-US" altLang="zh-CN" sz="2400" dirty="0">
-                <a:solidFill>
-                  <a:srgbClr val="0000FF"/>
-                </a:solidFill>
-              </a:rPr>
-              <a:t>void </a:t>
+              <a:t> void </a:t>
             </a:r>
             <a:r>
               <a:rPr lang="en-US" altLang="zh-CN" sz="2400" dirty="0" err="1">
@@ -4472,52 +4448,52 @@
                   <a:srgbClr val="0000FF"/>
                 </a:solidFill>
               </a:rPr>
+              <a:t> &lt;&lt; "The array contains the following values:\n";</a:t>
+            </a:r>
+          </a:p>
+          <a:p>
+            <a:pPr marL="0" indent="0">
+              <a:buNone/>
+            </a:pPr>
+            <a:r>
+              <a:rPr lang="en-US" altLang="zh-CN" sz="2400" dirty="0">
+                <a:solidFill>
+                  <a:srgbClr val="0000FF"/>
+                </a:solidFill>
+              </a:rPr>
+              <a:t>	for (</a:t>
+            </a:r>
+            <a:r>
+              <a:rPr lang="en-US" altLang="zh-CN" sz="2400" dirty="0" err="1">
+                <a:solidFill>
+                  <a:srgbClr val="0000FF"/>
+                </a:solidFill>
+              </a:rPr>
+              <a:t>int</a:t>
+            </a:r>
+            <a:r>
+              <a:rPr lang="en-US" altLang="zh-CN" sz="2400" dirty="0">
+                <a:solidFill>
+                  <a:srgbClr val="0000FF"/>
+                </a:solidFill>
+              </a:rPr>
               <a:t> </a:t>
             </a:r>
             <a:r>
-              <a:rPr lang="en-US" altLang="zh-CN" sz="2400" dirty="0">
-                <a:solidFill>
-                  <a:srgbClr val="0000FF"/>
-                </a:solidFill>
-              </a:rPr>
-              <a:t>&lt;&lt; "The array contains the following values:\n";</a:t>
-            </a:r>
-          </a:p>
-          <a:p>
-            <a:pPr marL="0" indent="0">
-              <a:buNone/>
-            </a:pPr>
-            <a:r>
-              <a:rPr lang="en-US" altLang="zh-CN" sz="2400" dirty="0">
-                <a:solidFill>
-                  <a:srgbClr val="0000FF"/>
-                </a:solidFill>
-              </a:rPr>
-              <a:t>	for </a:t>
-            </a:r>
-            <a:r>
-              <a:rPr lang="en-US" altLang="zh-CN" sz="2400" dirty="0">
-                <a:solidFill>
-                  <a:srgbClr val="0000FF"/>
-                </a:solidFill>
-              </a:rPr>
-              <a:t>(</a:t>
-            </a:r>
-            <a:r>
               <a:rPr lang="en-US" altLang="zh-CN" sz="2400" dirty="0" err="1">
                 <a:solidFill>
                   <a:srgbClr val="0000FF"/>
                 </a:solidFill>
               </a:rPr>
-              <a:t>int</a:t>
-            </a:r>
-            <a:r>
-              <a:rPr lang="en-US" altLang="zh-CN" sz="2400" dirty="0">
-                <a:solidFill>
-                  <a:srgbClr val="0000FF"/>
-                </a:solidFill>
-              </a:rPr>
-              <a:t> </a:t>
+              <a:t>i</a:t>
+            </a:r>
+            <a:r>
+              <a:rPr lang="en-US" altLang="zh-CN" sz="2400" dirty="0">
+                <a:solidFill>
+                  <a:srgbClr val="0000FF"/>
+                </a:solidFill>
+              </a:rPr>
+              <a:t> = 0; </a:t>
             </a:r>
             <a:r>
               <a:rPr lang="en-US" altLang="zh-CN" sz="2400" dirty="0" err="1">
@@ -4533,7 +4509,7 @@
                   <a:srgbClr val="0000FF"/>
                 </a:solidFill>
               </a:rPr>
-              <a:t> = 0; </a:t>
+              <a:t> &lt; </a:t>
             </a:r>
             <a:r>
               <a:rPr lang="en-US" altLang="zh-CN" sz="2400" dirty="0" err="1">
@@ -4541,6 +4517,22 @@
                   <a:srgbClr val="0000FF"/>
                 </a:solidFill>
               </a:rPr>
+              <a:t>size_of_a</a:t>
+            </a:r>
+            <a:r>
+              <a:rPr lang="en-US" altLang="zh-CN" sz="2400" dirty="0">
+                <a:solidFill>
+                  <a:srgbClr val="0000FF"/>
+                </a:solidFill>
+              </a:rPr>
+              <a:t>; a[</a:t>
+            </a:r>
+            <a:r>
+              <a:rPr lang="en-US" altLang="zh-CN" sz="2400" dirty="0" err="1">
+                <a:solidFill>
+                  <a:srgbClr val="0000FF"/>
+                </a:solidFill>
+              </a:rPr>
               <a:t>i</a:t>
             </a:r>
             <a:r>
@@ -4549,7 +4541,20 @@
                   <a:srgbClr val="0000FF"/>
                 </a:solidFill>
               </a:rPr>
-              <a:t> &lt; </a:t>
+              <a:t>]++)</a:t>
+            </a:r>
+          </a:p>
+          <a:p>
+            <a:pPr marL="0" indent="0">
+              <a:buNone/>
+            </a:pPr>
+            <a:r>
+              <a:rPr lang="en-US" altLang="zh-CN" sz="2400" dirty="0">
+                <a:solidFill>
+                  <a:srgbClr val="0000FF"/>
+                </a:solidFill>
+              </a:rPr>
+              <a:t>	</a:t>
             </a:r>
             <a:r>
               <a:rPr lang="en-US" altLang="zh-CN" sz="2400" dirty="0" err="1">
@@ -4557,15 +4562,15 @@
                   <a:srgbClr val="0000FF"/>
                 </a:solidFill>
               </a:rPr>
-              <a:t>size_of_a</a:t>
-            </a:r>
-            <a:r>
-              <a:rPr lang="en-US" altLang="zh-CN" sz="2400" dirty="0">
-                <a:solidFill>
-                  <a:srgbClr val="0000FF"/>
-                </a:solidFill>
-              </a:rPr>
-              <a:t>; a[</a:t>
+              <a:t>cout</a:t>
+            </a:r>
+            <a:r>
+              <a:rPr lang="en-US" altLang="zh-CN" sz="2400" dirty="0">
+                <a:solidFill>
+                  <a:srgbClr val="0000FF"/>
+                </a:solidFill>
+              </a:rPr>
+              <a:t> &lt;&lt; a[</a:t>
             </a:r>
             <a:r>
               <a:rPr lang="en-US" altLang="zh-CN" sz="2400" dirty="0" err="1">
@@ -4581,7 +4586,7 @@
                   <a:srgbClr val="0000FF"/>
                 </a:solidFill>
               </a:rPr>
-              <a:t>]++)</a:t>
+              <a:t>] &lt;&lt; " ";</a:t>
             </a:r>
           </a:p>
           <a:p>
@@ -4610,68 +4615,7 @@
                   <a:srgbClr val="0000FF"/>
                 </a:solidFill>
               </a:rPr>
-              <a:t> </a:t>
-            </a:r>
-            <a:r>
-              <a:rPr lang="en-US" altLang="zh-CN" sz="2400" dirty="0">
-                <a:solidFill>
-                  <a:srgbClr val="0000FF"/>
-                </a:solidFill>
-              </a:rPr>
-              <a:t>&lt;&lt; a[</a:t>
-            </a:r>
-            <a:r>
-              <a:rPr lang="en-US" altLang="zh-CN" sz="2400" dirty="0" err="1">
-                <a:solidFill>
-                  <a:srgbClr val="0000FF"/>
-                </a:solidFill>
-              </a:rPr>
-              <a:t>i</a:t>
-            </a:r>
-            <a:r>
-              <a:rPr lang="en-US" altLang="zh-CN" sz="2400" dirty="0">
-                <a:solidFill>
-                  <a:srgbClr val="0000FF"/>
-                </a:solidFill>
-              </a:rPr>
-              <a:t>] &lt;&lt; " ";</a:t>
-            </a:r>
-          </a:p>
-          <a:p>
-            <a:pPr marL="0" indent="0">
-              <a:buNone/>
-            </a:pPr>
-            <a:r>
-              <a:rPr lang="en-US" altLang="zh-CN" sz="2400" dirty="0">
-                <a:solidFill>
-                  <a:srgbClr val="0000FF"/>
-                </a:solidFill>
-              </a:rPr>
-              <a:t>	</a:t>
-            </a:r>
-            <a:r>
-              <a:rPr lang="en-US" altLang="zh-CN" sz="2400" dirty="0" err="1">
-                <a:solidFill>
-                  <a:srgbClr val="0000FF"/>
-                </a:solidFill>
-              </a:rPr>
-              <a:t>cout</a:t>
-            </a:r>
-            <a:r>
-              <a:rPr lang="en-US" altLang="zh-CN" sz="2400" dirty="0">
-                <a:solidFill>
-                  <a:srgbClr val="0000FF"/>
-                </a:solidFill>
-              </a:rPr>
-              <a:t> </a:t>
-            </a:r>
-            <a:r>
-              <a:rPr lang="en-US" altLang="zh-CN" sz="2400" dirty="0">
-                <a:solidFill>
-                  <a:srgbClr val="0000FF"/>
-                </a:solidFill>
-              </a:rPr>
-              <a:t>&lt;&lt; </a:t>
+              <a:t> &lt;&lt; </a:t>
             </a:r>
             <a:r>
               <a:rPr lang="en-US" altLang="zh-CN" sz="2400" dirty="0" err="1">
@@ -4862,7 +4806,15 @@
                   <a:srgbClr val="0000FF"/>
                 </a:solidFill>
               </a:rPr>
-              <a:t>	for </a:t>
+              <a:t>	for (</a:t>
+            </a:r>
+            <a:r>
+              <a:rPr lang="en-US" altLang="zh-CN" sz="2000" dirty="0" err="1">
+                <a:solidFill>
+                  <a:srgbClr val="0000FF"/>
+                </a:solidFill>
+              </a:rPr>
+              <a:t>int</a:t>
             </a:r>
             <a:r>
               <a:rPr lang="en-US" altLang="zh-CN" sz="2000" dirty="0">
@@ -4870,7 +4822,7 @@
                   <a:srgbClr val="0000FF"/>
                 </a:solidFill>
               </a:rPr>
-              <a:t>(</a:t>
+              <a:t> index = 0; index &lt; </a:t>
             </a:r>
             <a:r>
               <a:rPr lang="en-US" altLang="zh-CN" sz="2000" dirty="0" err="1">
@@ -4878,7 +4830,7 @@
                   <a:srgbClr val="0000FF"/>
                 </a:solidFill>
               </a:rPr>
-              <a:t>int</a:t>
+              <a:t>how_many</a:t>
             </a:r>
             <a:r>
               <a:rPr lang="en-US" altLang="zh-CN" sz="2000" dirty="0">
@@ -4886,44 +4838,20 @@
                   <a:srgbClr val="0000FF"/>
                 </a:solidFill>
               </a:rPr>
-              <a:t> index = 0; index &lt; </a:t>
-            </a:r>
-            <a:r>
-              <a:rPr lang="en-US" altLang="zh-CN" sz="2000" dirty="0" err="1">
-                <a:solidFill>
-                  <a:srgbClr val="0000FF"/>
-                </a:solidFill>
-              </a:rPr>
-              <a:t>how_many</a:t>
-            </a:r>
+              <a:t>; index++)</a:t>
+            </a:r>
+          </a:p>
+          <a:p>
+            <a:pPr marL="0" indent="0">
+              <a:buNone/>
+            </a:pPr>
             <a:r>
               <a:rPr lang="en-US" altLang="zh-CN" sz="2000" dirty="0">
                 <a:solidFill>
                   <a:srgbClr val="0000FF"/>
                 </a:solidFill>
               </a:rPr>
-              <a:t>; index++)</a:t>
-            </a:r>
-          </a:p>
-          <a:p>
-            <a:pPr marL="0" indent="0">
-              <a:buNone/>
-            </a:pPr>
-            <a:r>
-              <a:rPr lang="en-US" altLang="zh-CN" sz="2000" dirty="0">
-                <a:solidFill>
-                  <a:srgbClr val="0000FF"/>
-                </a:solidFill>
-              </a:rPr>
-              <a:t>	a[index</a:t>
-            </a:r>
-            <a:r>
-              <a:rPr lang="en-US" altLang="zh-CN" sz="2000" dirty="0">
-                <a:solidFill>
-                  <a:srgbClr val="0000FF"/>
-                </a:solidFill>
-              </a:rPr>
-              <a:t>] = 2;</a:t>
+              <a:t>	a[index] = 2;</a:t>
             </a:r>
           </a:p>
           <a:p>
@@ -5985,36 +5913,20 @@
                   <a:srgbClr val="0000FF"/>
                 </a:solidFill>
               </a:rPr>
-              <a:t> </a:t>
-            </a:r>
-            <a:r>
-              <a:rPr lang="en-US" altLang="zh-CN" sz="2400" dirty="0">
-                <a:solidFill>
-                  <a:srgbClr val="0000FF"/>
-                </a:solidFill>
-              </a:rPr>
-              <a:t>&lt;&lt; "I will convert a Fahrenheit temperature"</a:t>
-            </a:r>
-          </a:p>
-          <a:p>
-            <a:pPr marL="0" indent="0">
-              <a:buNone/>
-            </a:pPr>
-            <a:r>
-              <a:rPr lang="en-US" altLang="zh-CN" sz="2400" dirty="0">
-                <a:solidFill>
-                  <a:srgbClr val="0000FF"/>
-                </a:solidFill>
-              </a:rPr>
-              <a:t>	&lt;&lt; </a:t>
-            </a:r>
-            <a:r>
-              <a:rPr lang="en-US" altLang="zh-CN" sz="2400" dirty="0">
-                <a:solidFill>
-                  <a:srgbClr val="0000FF"/>
-                </a:solidFill>
-              </a:rPr>
-              <a:t>" to Celsius.\n"</a:t>
+              <a:t> &lt;&lt; "I will convert a Fahrenheit temperature"</a:t>
+            </a:r>
+          </a:p>
+          <a:p>
+            <a:pPr marL="0" indent="0">
+              <a:buNone/>
+            </a:pPr>
+            <a:r>
+              <a:rPr lang="en-US" altLang="zh-CN" sz="2400" dirty="0">
+                <a:solidFill>
+                  <a:srgbClr val="0000FF"/>
+                </a:solidFill>
+              </a:rPr>
+              <a:t>	&lt;&lt; " to Celsius.\n"</a:t>
             </a:r>
           </a:p>
           <a:p>
@@ -6027,15 +5939,7 @@
                   <a:srgbClr val="0000FF"/>
                 </a:solidFill>
               </a:rPr>
-              <a:t>	&lt;&lt; </a:t>
-            </a:r>
-            <a:r>
-              <a:rPr lang="de-DE" altLang="zh-CN" sz="2400" dirty="0">
-                <a:solidFill>
-                  <a:srgbClr val="0000FF"/>
-                </a:solidFill>
-              </a:rPr>
-              <a:t>"Enter a temperature in Fahrenheit: ";</a:t>
+              <a:t>	&lt;&lt; "Enter a temperature in Fahrenheit: ";</a:t>
             </a:r>
           </a:p>
           <a:p>
@@ -6064,15 +5968,7 @@
                   <a:srgbClr val="0000FF"/>
                 </a:solidFill>
               </a:rPr>
-              <a:t> </a:t>
-            </a:r>
-            <a:r>
-              <a:rPr lang="en-US" altLang="zh-CN" sz="2400" dirty="0">
-                <a:solidFill>
-                  <a:srgbClr val="0000FF"/>
-                </a:solidFill>
-              </a:rPr>
-              <a:t>&gt;&gt; </a:t>
+              <a:t> &gt;&gt; </a:t>
             </a:r>
             <a:r>
               <a:rPr lang="en-US" altLang="zh-CN" sz="2400" dirty="0" err="1">
@@ -6430,36 +6326,20 @@
                   <a:srgbClr val="0000FF"/>
                 </a:solidFill>
               </a:rPr>
-              <a:t> </a:t>
-            </a:r>
-            <a:r>
-              <a:rPr lang="en-US" altLang="zh-CN" sz="2400" dirty="0">
-                <a:solidFill>
-                  <a:srgbClr val="0000FF"/>
-                </a:solidFill>
-              </a:rPr>
-              <a:t>&lt;&lt; "I will convert a Fahrenheit temperature"</a:t>
-            </a:r>
-          </a:p>
-          <a:p>
-            <a:pPr marL="0" indent="0">
-              <a:buNone/>
-            </a:pPr>
-            <a:r>
-              <a:rPr lang="en-US" altLang="zh-CN" sz="2400" dirty="0">
-                <a:solidFill>
-                  <a:srgbClr val="0000FF"/>
-                </a:solidFill>
-              </a:rPr>
-              <a:t>	&lt;&lt; </a:t>
-            </a:r>
-            <a:r>
-              <a:rPr lang="en-US" altLang="zh-CN" sz="2400" dirty="0">
-                <a:solidFill>
-                  <a:srgbClr val="0000FF"/>
-                </a:solidFill>
-              </a:rPr>
-              <a:t>" to Celsius.\n"</a:t>
+              <a:t> &lt;&lt; "I will convert a Fahrenheit temperature"</a:t>
+            </a:r>
+          </a:p>
+          <a:p>
+            <a:pPr marL="0" indent="0">
+              <a:buNone/>
+            </a:pPr>
+            <a:r>
+              <a:rPr lang="en-US" altLang="zh-CN" sz="2400" dirty="0">
+                <a:solidFill>
+                  <a:srgbClr val="0000FF"/>
+                </a:solidFill>
+              </a:rPr>
+              <a:t>	&lt;&lt; " to Celsius.\n"</a:t>
             </a:r>
           </a:p>
           <a:p>
@@ -6472,15 +6352,7 @@
                   <a:srgbClr val="0000FF"/>
                 </a:solidFill>
               </a:rPr>
-              <a:t>	&lt;&lt; </a:t>
-            </a:r>
-            <a:r>
-              <a:rPr lang="de-DE" altLang="zh-CN" sz="2400" dirty="0">
-                <a:solidFill>
-                  <a:srgbClr val="0000FF"/>
-                </a:solidFill>
-              </a:rPr>
-              <a:t>"Enter a temperature in Fahrenheit: ";</a:t>
+              <a:t>	&lt;&lt; "Enter a temperature in Fahrenheit: ";</a:t>
             </a:r>
           </a:p>
           <a:p>
@@ -6509,15 +6381,7 @@
                   <a:srgbClr val="0000FF"/>
                 </a:solidFill>
               </a:rPr>
-              <a:t> </a:t>
-            </a:r>
-            <a:r>
-              <a:rPr lang="en-US" altLang="zh-CN" sz="2400" dirty="0">
-                <a:solidFill>
-                  <a:srgbClr val="0000FF"/>
-                </a:solidFill>
-              </a:rPr>
-              <a:t>&gt;&gt; </a:t>
+              <a:t> &gt;&gt; </a:t>
             </a:r>
             <a:r>
               <a:rPr lang="en-US" altLang="zh-CN" sz="2400" dirty="0" err="1">
@@ -9087,7 +8951,15 @@
                   <a:srgbClr val="0000FF"/>
                 </a:solidFill>
               </a:rPr>
-              <a:t> SIZE = </a:t>
+              <a:t> SIZE = 4; </a:t>
+            </a:r>
+            <a:r>
+              <a:rPr lang="en-US" altLang="zh-CN" sz="3600" dirty="0" err="1">
+                <a:solidFill>
+                  <a:srgbClr val="0000FF"/>
+                </a:solidFill>
+              </a:rPr>
+              <a:t>int</a:t>
             </a:r>
             <a:r>
               <a:rPr lang="en-US" altLang="zh-CN" sz="3600" dirty="0">
@@ -9095,31 +8967,7 @@
                   <a:srgbClr val="0000FF"/>
                 </a:solidFill>
               </a:rPr>
-              <a:t>4; </a:t>
-            </a:r>
-            <a:r>
-              <a:rPr lang="en-US" altLang="zh-CN" sz="3600" dirty="0" err="1">
-                <a:solidFill>
-                  <a:srgbClr val="0000FF"/>
-                </a:solidFill>
-              </a:rPr>
-              <a:t>int</a:t>
-            </a:r>
-            <a:r>
-              <a:rPr lang="en-US" altLang="zh-CN" sz="3600" dirty="0">
-                <a:solidFill>
-                  <a:srgbClr val="0000FF"/>
-                </a:solidFill>
-              </a:rPr>
-              <a:t> </a:t>
-            </a:r>
-            <a:r>
-              <a:rPr lang="en-US" altLang="zh-CN" sz="3600" dirty="0">
-                <a:solidFill>
-                  <a:srgbClr val="0000FF"/>
-                </a:solidFill>
-              </a:rPr>
-              <a:t>x[SIZE];</a:t>
+              <a:t> x[SIZE];</a:t>
             </a:r>
             <a:endParaRPr lang="zh-CN" altLang="en-US" sz="3600" dirty="0">
               <a:solidFill>

--- a/ppt/chapter 7.pptx
+++ b/ppt/chapter 7.pptx
@@ -29,6 +29,7 @@
     <p:sldId id="275" r:id="rId23"/>
     <p:sldId id="276" r:id="rId24"/>
     <p:sldId id="279" r:id="rId25"/>
+    <p:sldId id="280" r:id="rId26"/>
   </p:sldIdLst>
   <p:sldSz cx="12192000" cy="6858000"/>
   <p:notesSz cx="6858000" cy="9144000"/>
@@ -7464,6 +7465,118 @@
     <p:extLst>
       <p:ext uri="{BB962C8B-B14F-4D97-AF65-F5344CB8AC3E}">
         <p14:creationId xmlns:p14="http://schemas.microsoft.com/office/powerpoint/2010/main" val="2604527994"/>
+      </p:ext>
+    </p:extLst>
+  </p:cSld>
+  <p:clrMapOvr>
+    <a:masterClrMapping/>
+  </p:clrMapOvr>
+  <p:transition spd="med"/>
+</p:sld>
+</file>
+
+<file path=ppt/slides/slide25.xml><?xml version="1.0" encoding="utf-8"?>
+<p:sld xmlns:a="http://schemas.openxmlformats.org/drawingml/2006/main" xmlns:r="http://schemas.openxmlformats.org/officeDocument/2006/relationships" xmlns:p="http://schemas.openxmlformats.org/presentationml/2006/main">
+  <p:cSld>
+    <p:spTree>
+      <p:nvGrpSpPr>
+        <p:cNvPr id="1" name=""/>
+        <p:cNvGrpSpPr/>
+        <p:nvPr/>
+      </p:nvGrpSpPr>
+      <p:grpSpPr>
+        <a:xfrm>
+          <a:off x="0" y="0"/>
+          <a:ext cx="0" cy="0"/>
+          <a:chOff x="0" y="0"/>
+          <a:chExt cx="0" cy="0"/>
+        </a:xfrm>
+      </p:grpSpPr>
+      <p:sp>
+        <p:nvSpPr>
+          <p:cNvPr id="2" name="标题 1"/>
+          <p:cNvSpPr>
+            <a:spLocks noGrp="1"/>
+          </p:cNvSpPr>
+          <p:nvPr>
+            <p:ph type="title"/>
+          </p:nvPr>
+        </p:nvSpPr>
+        <p:spPr/>
+        <p:txBody>
+          <a:bodyPr/>
+          <a:lstStyle/>
+          <a:p>
+            <a:r>
+              <a:rPr lang="en-US" altLang="zh-CN" dirty="0" smtClean="0"/>
+              <a:t>Project </a:t>
+            </a:r>
+            <a:endParaRPr lang="zh-CN" altLang="en-US" dirty="0"/>
+          </a:p>
+        </p:txBody>
+      </p:sp>
+      <p:sp>
+        <p:nvSpPr>
+          <p:cNvPr id="3" name="内容占位符 2"/>
+          <p:cNvSpPr>
+            <a:spLocks noGrp="1"/>
+          </p:cNvSpPr>
+          <p:nvPr>
+            <p:ph idx="1"/>
+          </p:nvPr>
+        </p:nvSpPr>
+        <p:spPr/>
+        <p:txBody>
+          <a:bodyPr/>
+          <a:lstStyle/>
+          <a:p>
+            <a:pPr marL="0" indent="0">
+              <a:buNone/>
+            </a:pPr>
+            <a:r>
+              <a:rPr lang="en-US" altLang="zh-CN" dirty="0" smtClean="0"/>
+              <a:t>Computing the </a:t>
+            </a:r>
+            <a:r>
+              <a:rPr lang="en-US" altLang="zh-CN" dirty="0"/>
+              <a:t>number of occurrences of the highest number of 10 </a:t>
+            </a:r>
+            <a:r>
+              <a:rPr lang="en-US" altLang="zh-CN" dirty="0" smtClean="0"/>
+              <a:t>roles in novel “</a:t>
+            </a:r>
+            <a:r>
+              <a:rPr lang="en-US" altLang="zh-CN" dirty="0"/>
+              <a:t>Romeo and </a:t>
+            </a:r>
+            <a:r>
+              <a:rPr lang="en-US" altLang="zh-CN" dirty="0" smtClean="0"/>
+              <a:t>Juliet</a:t>
+            </a:r>
+            <a:r>
+              <a:rPr lang="zh-CN" altLang="en-US" dirty="0" smtClean="0"/>
+              <a:t>”</a:t>
+            </a:r>
+            <a:r>
+              <a:rPr lang="en-US" altLang="zh-CN" dirty="0" smtClean="0"/>
+              <a:t>. And </a:t>
+            </a:r>
+            <a:r>
+              <a:rPr lang="en-US" altLang="zh-CN" dirty="0" err="1" smtClean="0"/>
+              <a:t>ploting</a:t>
+            </a:r>
+            <a:r>
+              <a:rPr lang="en-US" altLang="zh-CN" dirty="0" smtClean="0"/>
+              <a:t>  the result  in SVG file.</a:t>
+            </a:r>
+            <a:endParaRPr lang="en-US" altLang="zh-CN" dirty="0"/>
+          </a:p>
+        </p:txBody>
+      </p:sp>
+    </p:spTree>
+    <p:extLst>
+      <p:ext uri="{BB962C8B-B14F-4D97-AF65-F5344CB8AC3E}">
+        <p14:creationId xmlns:p14="http://schemas.microsoft.com/office/powerpoint/2010/main" val="4221184638"/>
       </p:ext>
     </p:extLst>
   </p:cSld>

--- a/ppt/chapter 7.pptx
+++ b/ppt/chapter 7.pptx
@@ -4,6 +4,9 @@
   <p:sldMasterIdLst>
     <p:sldMasterId id="2147483660" r:id="rId1"/>
   </p:sldMasterIdLst>
+  <p:notesMasterIdLst>
+    <p:notesMasterId r:id="rId28"/>
+  </p:notesMasterIdLst>
   <p:sldIdLst>
     <p:sldId id="256" r:id="rId2"/>
     <p:sldId id="257" r:id="rId3"/>
@@ -30,6 +33,7 @@
     <p:sldId id="276" r:id="rId24"/>
     <p:sldId id="279" r:id="rId25"/>
     <p:sldId id="280" r:id="rId26"/>
+    <p:sldId id="282" r:id="rId27"/>
   </p:sldIdLst>
   <p:sldSz cx="12192000" cy="6858000"/>
   <p:notesSz cx="6858000" cy="9144000"/>
@@ -146,6 +150,440 @@
     </p:extLst>
   </p:cmAuthor>
 </p:cmAuthorLst>
+</file>
+
+<file path=ppt/notesMasters/notesMaster1.xml><?xml version="1.0" encoding="utf-8"?>
+<p:notesMaster xmlns:a="http://schemas.openxmlformats.org/drawingml/2006/main" xmlns:r="http://schemas.openxmlformats.org/officeDocument/2006/relationships" xmlns:p="http://schemas.openxmlformats.org/presentationml/2006/main">
+  <p:cSld>
+    <p:bg>
+      <p:bgRef idx="1001">
+        <a:schemeClr val="bg1"/>
+      </p:bgRef>
+    </p:bg>
+    <p:spTree>
+      <p:nvGrpSpPr>
+        <p:cNvPr id="1" name=""/>
+        <p:cNvGrpSpPr/>
+        <p:nvPr/>
+      </p:nvGrpSpPr>
+      <p:grpSpPr>
+        <a:xfrm>
+          <a:off x="0" y="0"/>
+          <a:ext cx="0" cy="0"/>
+          <a:chOff x="0" y="0"/>
+          <a:chExt cx="0" cy="0"/>
+        </a:xfrm>
+      </p:grpSpPr>
+      <p:sp>
+        <p:nvSpPr>
+          <p:cNvPr id="2" name="页眉占位符 1"/>
+          <p:cNvSpPr>
+            <a:spLocks noGrp="1"/>
+          </p:cNvSpPr>
+          <p:nvPr>
+            <p:ph type="hdr" sz="quarter"/>
+          </p:nvPr>
+        </p:nvSpPr>
+        <p:spPr>
+          <a:xfrm>
+            <a:off x="0" y="0"/>
+            <a:ext cx="2971800" cy="458788"/>
+          </a:xfrm>
+          <a:prstGeom prst="rect">
+            <a:avLst/>
+          </a:prstGeom>
+        </p:spPr>
+        <p:txBody>
+          <a:bodyPr vert="horz" lIns="91440" tIns="45720" rIns="91440" bIns="45720" rtlCol="0"/>
+          <a:lstStyle>
+            <a:lvl1pPr algn="l">
+              <a:defRPr sz="1200"/>
+            </a:lvl1pPr>
+          </a:lstStyle>
+          <a:p>
+            <a:endParaRPr lang="zh-CN" altLang="en-US"/>
+          </a:p>
+        </p:txBody>
+      </p:sp>
+      <p:sp>
+        <p:nvSpPr>
+          <p:cNvPr id="3" name="日期占位符 2"/>
+          <p:cNvSpPr>
+            <a:spLocks noGrp="1"/>
+          </p:cNvSpPr>
+          <p:nvPr>
+            <p:ph type="dt" idx="1"/>
+          </p:nvPr>
+        </p:nvSpPr>
+        <p:spPr>
+          <a:xfrm>
+            <a:off x="3884613" y="0"/>
+            <a:ext cx="2971800" cy="458788"/>
+          </a:xfrm>
+          <a:prstGeom prst="rect">
+            <a:avLst/>
+          </a:prstGeom>
+        </p:spPr>
+        <p:txBody>
+          <a:bodyPr vert="horz" lIns="91440" tIns="45720" rIns="91440" bIns="45720" rtlCol="0"/>
+          <a:lstStyle>
+            <a:lvl1pPr algn="r">
+              <a:defRPr sz="1200"/>
+            </a:lvl1pPr>
+          </a:lstStyle>
+          <a:p>
+            <a:fld id="{58876C6E-B1FE-4CC0-90D8-EC39C27F390F}" type="datetimeFigureOut">
+              <a:rPr lang="zh-CN" altLang="en-US" smtClean="0"/>
+              <a:t>2018/5/10</a:t>
+            </a:fld>
+            <a:endParaRPr lang="zh-CN" altLang="en-US"/>
+          </a:p>
+        </p:txBody>
+      </p:sp>
+      <p:sp>
+        <p:nvSpPr>
+          <p:cNvPr id="4" name="幻灯片图像占位符 3"/>
+          <p:cNvSpPr>
+            <a:spLocks noGrp="1" noRot="1" noChangeAspect="1"/>
+          </p:cNvSpPr>
+          <p:nvPr>
+            <p:ph type="sldImg" idx="2"/>
+          </p:nvPr>
+        </p:nvSpPr>
+        <p:spPr>
+          <a:xfrm>
+            <a:off x="685800" y="1143000"/>
+            <a:ext cx="5486400" cy="3086100"/>
+          </a:xfrm>
+          <a:prstGeom prst="rect">
+            <a:avLst/>
+          </a:prstGeom>
+          <a:noFill/>
+          <a:ln w="12700">
+            <a:solidFill>
+              <a:prstClr val="black"/>
+            </a:solidFill>
+          </a:ln>
+        </p:spPr>
+        <p:txBody>
+          <a:bodyPr vert="horz" lIns="91440" tIns="45720" rIns="91440" bIns="45720" rtlCol="0" anchor="ctr"/>
+          <a:lstStyle/>
+          <a:p>
+            <a:endParaRPr lang="zh-CN" altLang="en-US"/>
+          </a:p>
+        </p:txBody>
+      </p:sp>
+      <p:sp>
+        <p:nvSpPr>
+          <p:cNvPr id="5" name="备注占位符 4"/>
+          <p:cNvSpPr>
+            <a:spLocks noGrp="1"/>
+          </p:cNvSpPr>
+          <p:nvPr>
+            <p:ph type="body" sz="quarter" idx="3"/>
+          </p:nvPr>
+        </p:nvSpPr>
+        <p:spPr>
+          <a:xfrm>
+            <a:off x="685800" y="4400550"/>
+            <a:ext cx="5486400" cy="3600450"/>
+          </a:xfrm>
+          <a:prstGeom prst="rect">
+            <a:avLst/>
+          </a:prstGeom>
+        </p:spPr>
+        <p:txBody>
+          <a:bodyPr vert="horz" lIns="91440" tIns="45720" rIns="91440" bIns="45720" rtlCol="0"/>
+          <a:lstStyle/>
+          <a:p>
+            <a:pPr lvl="0"/>
+            <a:r>
+              <a:rPr lang="zh-CN" altLang="en-US" smtClean="0"/>
+              <a:t>编辑母版文本样式</a:t>
+            </a:r>
+          </a:p>
+          <a:p>
+            <a:pPr lvl="1"/>
+            <a:r>
+              <a:rPr lang="zh-CN" altLang="en-US" smtClean="0"/>
+              <a:t>第二级</a:t>
+            </a:r>
+          </a:p>
+          <a:p>
+            <a:pPr lvl="2"/>
+            <a:r>
+              <a:rPr lang="zh-CN" altLang="en-US" smtClean="0"/>
+              <a:t>第三级</a:t>
+            </a:r>
+          </a:p>
+          <a:p>
+            <a:pPr lvl="3"/>
+            <a:r>
+              <a:rPr lang="zh-CN" altLang="en-US" smtClean="0"/>
+              <a:t>第四级</a:t>
+            </a:r>
+          </a:p>
+          <a:p>
+            <a:pPr lvl="4"/>
+            <a:r>
+              <a:rPr lang="zh-CN" altLang="en-US" smtClean="0"/>
+              <a:t>第五级</a:t>
+            </a:r>
+            <a:endParaRPr lang="zh-CN" altLang="en-US"/>
+          </a:p>
+        </p:txBody>
+      </p:sp>
+      <p:sp>
+        <p:nvSpPr>
+          <p:cNvPr id="6" name="页脚占位符 5"/>
+          <p:cNvSpPr>
+            <a:spLocks noGrp="1"/>
+          </p:cNvSpPr>
+          <p:nvPr>
+            <p:ph type="ftr" sz="quarter" idx="4"/>
+          </p:nvPr>
+        </p:nvSpPr>
+        <p:spPr>
+          <a:xfrm>
+            <a:off x="0" y="8685213"/>
+            <a:ext cx="2971800" cy="458787"/>
+          </a:xfrm>
+          <a:prstGeom prst="rect">
+            <a:avLst/>
+          </a:prstGeom>
+        </p:spPr>
+        <p:txBody>
+          <a:bodyPr vert="horz" lIns="91440" tIns="45720" rIns="91440" bIns="45720" rtlCol="0" anchor="b"/>
+          <a:lstStyle>
+            <a:lvl1pPr algn="l">
+              <a:defRPr sz="1200"/>
+            </a:lvl1pPr>
+          </a:lstStyle>
+          <a:p>
+            <a:endParaRPr lang="zh-CN" altLang="en-US"/>
+          </a:p>
+        </p:txBody>
+      </p:sp>
+      <p:sp>
+        <p:nvSpPr>
+          <p:cNvPr id="7" name="灯片编号占位符 6"/>
+          <p:cNvSpPr>
+            <a:spLocks noGrp="1"/>
+          </p:cNvSpPr>
+          <p:nvPr>
+            <p:ph type="sldNum" sz="quarter" idx="5"/>
+          </p:nvPr>
+        </p:nvSpPr>
+        <p:spPr>
+          <a:xfrm>
+            <a:off x="3884613" y="8685213"/>
+            <a:ext cx="2971800" cy="458787"/>
+          </a:xfrm>
+          <a:prstGeom prst="rect">
+            <a:avLst/>
+          </a:prstGeom>
+        </p:spPr>
+        <p:txBody>
+          <a:bodyPr vert="horz" lIns="91440" tIns="45720" rIns="91440" bIns="45720" rtlCol="0" anchor="b"/>
+          <a:lstStyle>
+            <a:lvl1pPr algn="r">
+              <a:defRPr sz="1200"/>
+            </a:lvl1pPr>
+          </a:lstStyle>
+          <a:p>
+            <a:fld id="{7CFDD596-83F0-422E-B9F4-76608F57FC8F}" type="slidenum">
+              <a:rPr lang="zh-CN" altLang="en-US" smtClean="0"/>
+              <a:t>‹#›</a:t>
+            </a:fld>
+            <a:endParaRPr lang="zh-CN" altLang="en-US"/>
+          </a:p>
+        </p:txBody>
+      </p:sp>
+    </p:spTree>
+    <p:extLst>
+      <p:ext uri="{BB962C8B-B14F-4D97-AF65-F5344CB8AC3E}">
+        <p14:creationId xmlns:p14="http://schemas.microsoft.com/office/powerpoint/2010/main" val="1222605082"/>
+      </p:ext>
+    </p:extLst>
+  </p:cSld>
+  <p:clrMap bg1="lt1" tx1="dk1" bg2="lt2" tx2="dk2" accent1="accent1" accent2="accent2" accent3="accent3" accent4="accent4" accent5="accent5" accent6="accent6" hlink="hlink" folHlink="folHlink"/>
+  <p:notesStyle>
+    <a:lvl1pPr marL="0" algn="l" defTabSz="914400" rtl="0" eaLnBrk="1" latinLnBrk="0" hangingPunct="1">
+      <a:defRPr sz="1200" kern="1200">
+        <a:solidFill>
+          <a:schemeClr val="tx1"/>
+        </a:solidFill>
+        <a:latin typeface="+mn-lt"/>
+        <a:ea typeface="+mn-ea"/>
+        <a:cs typeface="+mn-cs"/>
+      </a:defRPr>
+    </a:lvl1pPr>
+    <a:lvl2pPr marL="457200" algn="l" defTabSz="914400" rtl="0" eaLnBrk="1" latinLnBrk="0" hangingPunct="1">
+      <a:defRPr sz="1200" kern="1200">
+        <a:solidFill>
+          <a:schemeClr val="tx1"/>
+        </a:solidFill>
+        <a:latin typeface="+mn-lt"/>
+        <a:ea typeface="+mn-ea"/>
+        <a:cs typeface="+mn-cs"/>
+      </a:defRPr>
+    </a:lvl2pPr>
+    <a:lvl3pPr marL="914400" algn="l" defTabSz="914400" rtl="0" eaLnBrk="1" latinLnBrk="0" hangingPunct="1">
+      <a:defRPr sz="1200" kern="1200">
+        <a:solidFill>
+          <a:schemeClr val="tx1"/>
+        </a:solidFill>
+        <a:latin typeface="+mn-lt"/>
+        <a:ea typeface="+mn-ea"/>
+        <a:cs typeface="+mn-cs"/>
+      </a:defRPr>
+    </a:lvl3pPr>
+    <a:lvl4pPr marL="1371600" algn="l" defTabSz="914400" rtl="0" eaLnBrk="1" latinLnBrk="0" hangingPunct="1">
+      <a:defRPr sz="1200" kern="1200">
+        <a:solidFill>
+          <a:schemeClr val="tx1"/>
+        </a:solidFill>
+        <a:latin typeface="+mn-lt"/>
+        <a:ea typeface="+mn-ea"/>
+        <a:cs typeface="+mn-cs"/>
+      </a:defRPr>
+    </a:lvl4pPr>
+    <a:lvl5pPr marL="1828800" algn="l" defTabSz="914400" rtl="0" eaLnBrk="1" latinLnBrk="0" hangingPunct="1">
+      <a:defRPr sz="1200" kern="1200">
+        <a:solidFill>
+          <a:schemeClr val="tx1"/>
+        </a:solidFill>
+        <a:latin typeface="+mn-lt"/>
+        <a:ea typeface="+mn-ea"/>
+        <a:cs typeface="+mn-cs"/>
+      </a:defRPr>
+    </a:lvl5pPr>
+    <a:lvl6pPr marL="2286000" algn="l" defTabSz="914400" rtl="0" eaLnBrk="1" latinLnBrk="0" hangingPunct="1">
+      <a:defRPr sz="1200" kern="1200">
+        <a:solidFill>
+          <a:schemeClr val="tx1"/>
+        </a:solidFill>
+        <a:latin typeface="+mn-lt"/>
+        <a:ea typeface="+mn-ea"/>
+        <a:cs typeface="+mn-cs"/>
+      </a:defRPr>
+    </a:lvl6pPr>
+    <a:lvl7pPr marL="2743200" algn="l" defTabSz="914400" rtl="0" eaLnBrk="1" latinLnBrk="0" hangingPunct="1">
+      <a:defRPr sz="1200" kern="1200">
+        <a:solidFill>
+          <a:schemeClr val="tx1"/>
+        </a:solidFill>
+        <a:latin typeface="+mn-lt"/>
+        <a:ea typeface="+mn-ea"/>
+        <a:cs typeface="+mn-cs"/>
+      </a:defRPr>
+    </a:lvl7pPr>
+    <a:lvl8pPr marL="3200400" algn="l" defTabSz="914400" rtl="0" eaLnBrk="1" latinLnBrk="0" hangingPunct="1">
+      <a:defRPr sz="1200" kern="1200">
+        <a:solidFill>
+          <a:schemeClr val="tx1"/>
+        </a:solidFill>
+        <a:latin typeface="+mn-lt"/>
+        <a:ea typeface="+mn-ea"/>
+        <a:cs typeface="+mn-cs"/>
+      </a:defRPr>
+    </a:lvl8pPr>
+    <a:lvl9pPr marL="3657600" algn="l" defTabSz="914400" rtl="0" eaLnBrk="1" latinLnBrk="0" hangingPunct="1">
+      <a:defRPr sz="1200" kern="1200">
+        <a:solidFill>
+          <a:schemeClr val="tx1"/>
+        </a:solidFill>
+        <a:latin typeface="+mn-lt"/>
+        <a:ea typeface="+mn-ea"/>
+        <a:cs typeface="+mn-cs"/>
+      </a:defRPr>
+    </a:lvl9pPr>
+  </p:notesStyle>
+</p:notesMaster>
+</file>
+
+<file path=ppt/notesSlides/notesSlide1.xml><?xml version="1.0" encoding="utf-8"?>
+<p:notes xmlns:a="http://schemas.openxmlformats.org/drawingml/2006/main" xmlns:r="http://schemas.openxmlformats.org/officeDocument/2006/relationships" xmlns:p="http://schemas.openxmlformats.org/presentationml/2006/main">
+  <p:cSld>
+    <p:spTree>
+      <p:nvGrpSpPr>
+        <p:cNvPr id="1" name=""/>
+        <p:cNvGrpSpPr/>
+        <p:nvPr/>
+      </p:nvGrpSpPr>
+      <p:grpSpPr>
+        <a:xfrm>
+          <a:off x="0" y="0"/>
+          <a:ext cx="0" cy="0"/>
+          <a:chOff x="0" y="0"/>
+          <a:chExt cx="0" cy="0"/>
+        </a:xfrm>
+      </p:grpSpPr>
+      <p:sp>
+        <p:nvSpPr>
+          <p:cNvPr id="2" name="幻灯片图像占位符 1"/>
+          <p:cNvSpPr>
+            <a:spLocks noGrp="1" noRot="1" noChangeAspect="1"/>
+          </p:cNvSpPr>
+          <p:nvPr>
+            <p:ph type="sldImg"/>
+          </p:nvPr>
+        </p:nvSpPr>
+        <p:spPr/>
+      </p:sp>
+      <p:sp>
+        <p:nvSpPr>
+          <p:cNvPr id="3" name="备注占位符 2"/>
+          <p:cNvSpPr>
+            <a:spLocks noGrp="1"/>
+          </p:cNvSpPr>
+          <p:nvPr>
+            <p:ph type="body" idx="1"/>
+          </p:nvPr>
+        </p:nvSpPr>
+        <p:spPr/>
+        <p:txBody>
+          <a:bodyPr/>
+          <a:lstStyle/>
+          <a:p>
+            <a:endParaRPr lang="zh-CN" altLang="en-US" dirty="0"/>
+          </a:p>
+        </p:txBody>
+      </p:sp>
+      <p:sp>
+        <p:nvSpPr>
+          <p:cNvPr id="4" name="灯片编号占位符 3"/>
+          <p:cNvSpPr>
+            <a:spLocks noGrp="1"/>
+          </p:cNvSpPr>
+          <p:nvPr>
+            <p:ph type="sldNum" sz="quarter" idx="10"/>
+          </p:nvPr>
+        </p:nvSpPr>
+        <p:spPr/>
+        <p:txBody>
+          <a:bodyPr/>
+          <a:lstStyle/>
+          <a:p>
+            <a:fld id="{EAAA54E0-E54F-4192-A255-6BED4914879F}" type="slidenum">
+              <a:rPr lang="zh-CN" altLang="en-US" smtClean="0"/>
+              <a:t>26</a:t>
+            </a:fld>
+            <a:endParaRPr lang="zh-CN" altLang="en-US"/>
+          </a:p>
+        </p:txBody>
+      </p:sp>
+    </p:spTree>
+    <p:extLst>
+      <p:ext uri="{BB962C8B-B14F-4D97-AF65-F5344CB8AC3E}">
+        <p14:creationId xmlns:p14="http://schemas.microsoft.com/office/powerpoint/2010/main" val="3980852063"/>
+      </p:ext>
+    </p:extLst>
+  </p:cSld>
+  <p:clrMapOvr>
+    <a:masterClrMapping/>
+  </p:clrMapOvr>
+</p:notes>
 </file>
 
 <file path=ppt/slideLayouts/slideLayout1.xml><?xml version="1.0" encoding="utf-8"?>
@@ -7577,6 +8015,159 @@
     <p:extLst>
       <p:ext uri="{BB962C8B-B14F-4D97-AF65-F5344CB8AC3E}">
         <p14:creationId xmlns:p14="http://schemas.microsoft.com/office/powerpoint/2010/main" val="4221184638"/>
+      </p:ext>
+    </p:extLst>
+  </p:cSld>
+  <p:clrMapOvr>
+    <a:masterClrMapping/>
+  </p:clrMapOvr>
+  <p:transition spd="med"/>
+</p:sld>
+</file>
+
+<file path=ppt/slides/slide26.xml><?xml version="1.0" encoding="utf-8"?>
+<p:sld xmlns:a="http://schemas.openxmlformats.org/drawingml/2006/main" xmlns:r="http://schemas.openxmlformats.org/officeDocument/2006/relationships" xmlns:p="http://schemas.openxmlformats.org/presentationml/2006/main">
+  <p:cSld>
+    <p:spTree>
+      <p:nvGrpSpPr>
+        <p:cNvPr id="1" name=""/>
+        <p:cNvGrpSpPr/>
+        <p:nvPr/>
+      </p:nvGrpSpPr>
+      <p:grpSpPr>
+        <a:xfrm>
+          <a:off x="0" y="0"/>
+          <a:ext cx="0" cy="0"/>
+          <a:chOff x="0" y="0"/>
+          <a:chExt cx="0" cy="0"/>
+        </a:xfrm>
+      </p:grpSpPr>
+      <p:sp>
+        <p:nvSpPr>
+          <p:cNvPr id="2" name="标题 1"/>
+          <p:cNvSpPr>
+            <a:spLocks noGrp="1"/>
+          </p:cNvSpPr>
+          <p:nvPr>
+            <p:ph type="title"/>
+          </p:nvPr>
+        </p:nvSpPr>
+        <p:spPr/>
+        <p:txBody>
+          <a:bodyPr/>
+          <a:lstStyle/>
+          <a:p>
+            <a:r>
+              <a:rPr lang="en-US" altLang="zh-CN" dirty="0" smtClean="0"/>
+              <a:t>Project</a:t>
+            </a:r>
+            <a:r>
+              <a:rPr lang="en-US" altLang="zh-CN" dirty="0" smtClean="0"/>
+              <a:t> </a:t>
+            </a:r>
+            <a:r>
+              <a:rPr lang="en-US" altLang="zh-CN" dirty="0" smtClean="0"/>
+              <a:t>submit</a:t>
+            </a:r>
+            <a:endParaRPr lang="zh-CN" altLang="en-US" dirty="0"/>
+          </a:p>
+        </p:txBody>
+      </p:sp>
+      <p:sp>
+        <p:nvSpPr>
+          <p:cNvPr id="3" name="内容占位符 2"/>
+          <p:cNvSpPr>
+            <a:spLocks noGrp="1"/>
+          </p:cNvSpPr>
+          <p:nvPr>
+            <p:ph idx="1"/>
+          </p:nvPr>
+        </p:nvSpPr>
+        <p:spPr>
+          <a:xfrm>
+            <a:off x="999000" y="1464415"/>
+            <a:ext cx="10515600" cy="4351338"/>
+          </a:xfrm>
+        </p:spPr>
+        <p:txBody>
+          <a:bodyPr>
+            <a:normAutofit/>
+          </a:bodyPr>
+          <a:lstStyle/>
+          <a:p>
+            <a:pPr marL="0" indent="0">
+              <a:buNone/>
+            </a:pPr>
+            <a:r>
+              <a:rPr lang="en-US" altLang="zh-CN" sz="3600" dirty="0" smtClean="0"/>
+              <a:t>172.18.5.102</a:t>
+            </a:r>
+            <a:endParaRPr lang="en-US" altLang="zh-CN" sz="3600" dirty="0"/>
+          </a:p>
+          <a:p>
+            <a:pPr marL="0" indent="0">
+              <a:buNone/>
+            </a:pPr>
+            <a:r>
+              <a:rPr lang="en-US" altLang="zh-CN" sz="3600" dirty="0" smtClean="0"/>
+              <a:t>User:  </a:t>
+            </a:r>
+            <a:r>
+              <a:rPr lang="en-US" altLang="zh-CN" sz="3600" dirty="0" err="1" smtClean="0"/>
+              <a:t>dailiyun</a:t>
+            </a:r>
+            <a:endParaRPr lang="en-US" altLang="zh-CN" sz="3600" dirty="0" smtClean="0"/>
+          </a:p>
+          <a:p>
+            <a:pPr marL="0" indent="0">
+              <a:buNone/>
+            </a:pPr>
+            <a:r>
+              <a:rPr lang="en-US" altLang="zh-CN" sz="3600" dirty="0" smtClean="0"/>
+              <a:t>Password: </a:t>
+            </a:r>
+            <a:r>
+              <a:rPr lang="en-US" altLang="zh-CN" sz="3600" dirty="0" err="1" smtClean="0"/>
+              <a:t>dailiyun</a:t>
+            </a:r>
+            <a:endParaRPr lang="en-US" altLang="zh-CN" sz="3600" dirty="0" smtClean="0"/>
+          </a:p>
+          <a:p>
+            <a:pPr marL="0" indent="0">
+              <a:buNone/>
+            </a:pPr>
+            <a:endParaRPr lang="zh-CN" altLang="en-US" sz="3600" dirty="0"/>
+          </a:p>
+        </p:txBody>
+      </p:sp>
+      <p:pic>
+        <p:nvPicPr>
+          <p:cNvPr id="4" name="图片 3"/>
+          <p:cNvPicPr>
+            <a:picLocks noChangeAspect="1"/>
+          </p:cNvPicPr>
+          <p:nvPr/>
+        </p:nvPicPr>
+        <p:blipFill>
+          <a:blip r:embed="rId3"/>
+          <a:stretch>
+            <a:fillRect/>
+          </a:stretch>
+        </p:blipFill>
+        <p:spPr>
+          <a:xfrm>
+            <a:off x="1208995" y="3348207"/>
+            <a:ext cx="7850164" cy="3184568"/>
+          </a:xfrm>
+          <a:prstGeom prst="rect">
+            <a:avLst/>
+          </a:prstGeom>
+        </p:spPr>
+      </p:pic>
+    </p:spTree>
+    <p:extLst>
+      <p:ext uri="{BB962C8B-B14F-4D97-AF65-F5344CB8AC3E}">
+        <p14:creationId xmlns:p14="http://schemas.microsoft.com/office/powerpoint/2010/main" val="527127618"/>
       </p:ext>
     </p:extLst>
   </p:cSld>
@@ -9744,6 +10335,267 @@
 </a:theme>
 </file>
 
+<file path=ppt/theme/theme2.xml><?xml version="1.0" encoding="utf-8"?>
+<a:theme xmlns:a="http://schemas.openxmlformats.org/drawingml/2006/main" name="Office 主题​​">
+  <a:themeElements>
+    <a:clrScheme name="Office">
+      <a:dk1>
+        <a:sysClr val="windowText" lastClr="000000"/>
+      </a:dk1>
+      <a:lt1>
+        <a:sysClr val="window" lastClr="FFFFFF"/>
+      </a:lt1>
+      <a:dk2>
+        <a:srgbClr val="44546A"/>
+      </a:dk2>
+      <a:lt2>
+        <a:srgbClr val="E7E6E6"/>
+      </a:lt2>
+      <a:accent1>
+        <a:srgbClr val="5B9BD5"/>
+      </a:accent1>
+      <a:accent2>
+        <a:srgbClr val="ED7D31"/>
+      </a:accent2>
+      <a:accent3>
+        <a:srgbClr val="A5A5A5"/>
+      </a:accent3>
+      <a:accent4>
+        <a:srgbClr val="FFC000"/>
+      </a:accent4>
+      <a:accent5>
+        <a:srgbClr val="4472C4"/>
+      </a:accent5>
+      <a:accent6>
+        <a:srgbClr val="70AD47"/>
+      </a:accent6>
+      <a:hlink>
+        <a:srgbClr val="0563C1"/>
+      </a:hlink>
+      <a:folHlink>
+        <a:srgbClr val="954F72"/>
+      </a:folHlink>
+    </a:clrScheme>
+    <a:fontScheme name="Office">
+      <a:majorFont>
+        <a:latin typeface="等线 Light" panose="020F0302020204030204"/>
+        <a:ea typeface=""/>
+        <a:cs typeface=""/>
+        <a:font script="Jpan" typeface="游ゴシック Light"/>
+        <a:font script="Hang" typeface="맑은 고딕"/>
+        <a:font script="Hans" typeface="等线 Light"/>
+        <a:font script="Hant" typeface="新細明體"/>
+        <a:font script="Arab" typeface="Times New Roman"/>
+        <a:font script="Hebr" typeface="Times New Roman"/>
+        <a:font script="Thai" typeface="Angsana New"/>
+        <a:font script="Ethi" typeface="Nyala"/>
+        <a:font script="Beng" typeface="Vrinda"/>
+        <a:font script="Gujr" typeface="Shruti"/>
+        <a:font script="Khmr" typeface="MoolBoran"/>
+        <a:font script="Knda" typeface="Tunga"/>
+        <a:font script="Guru" typeface="Raavi"/>
+        <a:font script="Cans" typeface="Euphemia"/>
+        <a:font script="Cher" typeface="Plantagenet Cherokee"/>
+        <a:font script="Yiii" typeface="Microsoft Yi Baiti"/>
+        <a:font script="Tibt" typeface="Microsoft Himalaya"/>
+        <a:font script="Thaa" typeface="MV Boli"/>
+        <a:font script="Deva" typeface="Mangal"/>
+        <a:font script="Telu" typeface="Gautami"/>
+        <a:font script="Taml" typeface="Latha"/>
+        <a:font script="Syrc" typeface="Estrangelo Edessa"/>
+        <a:font script="Orya" typeface="Kalinga"/>
+        <a:font script="Mlym" typeface="Kartika"/>
+        <a:font script="Laoo" typeface="DokChampa"/>
+        <a:font script="Sinh" typeface="Iskoola Pota"/>
+        <a:font script="Mong" typeface="Mongolian Baiti"/>
+        <a:font script="Viet" typeface="Times New Roman"/>
+        <a:font script="Uigh" typeface="Microsoft Uighur"/>
+        <a:font script="Geor" typeface="Sylfaen"/>
+      </a:majorFont>
+      <a:minorFont>
+        <a:latin typeface="等线" panose="020F0502020204030204"/>
+        <a:ea typeface=""/>
+        <a:cs typeface=""/>
+        <a:font script="Jpan" typeface="游ゴシック"/>
+        <a:font script="Hang" typeface="맑은 고딕"/>
+        <a:font script="Hans" typeface="等线"/>
+        <a:font script="Hant" typeface="新細明體"/>
+        <a:font script="Arab" typeface="Arial"/>
+        <a:font script="Hebr" typeface="Arial"/>
+        <a:font script="Thai" typeface="Cordia New"/>
+        <a:font script="Ethi" typeface="Nyala"/>
+        <a:font script="Beng" typeface="Vrinda"/>
+        <a:font script="Gujr" typeface="Shruti"/>
+        <a:font script="Khmr" typeface="DaunPenh"/>
+        <a:font script="Knda" typeface="Tunga"/>
+        <a:font script="Guru" typeface="Raavi"/>
+        <a:font script="Cans" typeface="Euphemia"/>
+        <a:font script="Cher" typeface="Plantagenet Cherokee"/>
+        <a:font script="Yiii" typeface="Microsoft Yi Baiti"/>
+        <a:font script="Tibt" typeface="Microsoft Himalaya"/>
+        <a:font script="Thaa" typeface="MV Boli"/>
+        <a:font script="Deva" typeface="Mangal"/>
+        <a:font script="Telu" typeface="Gautami"/>
+        <a:font script="Taml" typeface="Latha"/>
+        <a:font script="Syrc" typeface="Estrangelo Edessa"/>
+        <a:font script="Orya" typeface="Kalinga"/>
+        <a:font script="Mlym" typeface="Kartika"/>
+        <a:font script="Laoo" typeface="DokChampa"/>
+        <a:font script="Sinh" typeface="Iskoola Pota"/>
+        <a:font script="Mong" typeface="Mongolian Baiti"/>
+        <a:font script="Viet" typeface="Arial"/>
+        <a:font script="Uigh" typeface="Microsoft Uighur"/>
+        <a:font script="Geor" typeface="Sylfaen"/>
+      </a:minorFont>
+    </a:fontScheme>
+    <a:fmtScheme name="Office">
+      <a:fillStyleLst>
+        <a:solidFill>
+          <a:schemeClr val="phClr"/>
+        </a:solidFill>
+        <a:gradFill rotWithShape="1">
+          <a:gsLst>
+            <a:gs pos="0">
+              <a:schemeClr val="phClr">
+                <a:lumMod val="110000"/>
+                <a:satMod val="105000"/>
+                <a:tint val="67000"/>
+              </a:schemeClr>
+            </a:gs>
+            <a:gs pos="50000">
+              <a:schemeClr val="phClr">
+                <a:lumMod val="105000"/>
+                <a:satMod val="103000"/>
+                <a:tint val="73000"/>
+              </a:schemeClr>
+            </a:gs>
+            <a:gs pos="100000">
+              <a:schemeClr val="phClr">
+                <a:lumMod val="105000"/>
+                <a:satMod val="109000"/>
+                <a:tint val="81000"/>
+              </a:schemeClr>
+            </a:gs>
+          </a:gsLst>
+          <a:lin ang="5400000" scaled="0"/>
+        </a:gradFill>
+        <a:gradFill rotWithShape="1">
+          <a:gsLst>
+            <a:gs pos="0">
+              <a:schemeClr val="phClr">
+                <a:satMod val="103000"/>
+                <a:lumMod val="102000"/>
+                <a:tint val="94000"/>
+              </a:schemeClr>
+            </a:gs>
+            <a:gs pos="50000">
+              <a:schemeClr val="phClr">
+                <a:satMod val="110000"/>
+                <a:lumMod val="100000"/>
+                <a:shade val="100000"/>
+              </a:schemeClr>
+            </a:gs>
+            <a:gs pos="100000">
+              <a:schemeClr val="phClr">
+                <a:lumMod val="99000"/>
+                <a:satMod val="120000"/>
+                <a:shade val="78000"/>
+              </a:schemeClr>
+            </a:gs>
+          </a:gsLst>
+          <a:lin ang="5400000" scaled="0"/>
+        </a:gradFill>
+      </a:fillStyleLst>
+      <a:lnStyleLst>
+        <a:ln w="6350" cap="flat" cmpd="sng" algn="ctr">
+          <a:solidFill>
+            <a:schemeClr val="phClr"/>
+          </a:solidFill>
+          <a:prstDash val="solid"/>
+          <a:miter lim="800000"/>
+        </a:ln>
+        <a:ln w="12700" cap="flat" cmpd="sng" algn="ctr">
+          <a:solidFill>
+            <a:schemeClr val="phClr"/>
+          </a:solidFill>
+          <a:prstDash val="solid"/>
+          <a:miter lim="800000"/>
+        </a:ln>
+        <a:ln w="19050" cap="flat" cmpd="sng" algn="ctr">
+          <a:solidFill>
+            <a:schemeClr val="phClr"/>
+          </a:solidFill>
+          <a:prstDash val="solid"/>
+          <a:miter lim="800000"/>
+        </a:ln>
+      </a:lnStyleLst>
+      <a:effectStyleLst>
+        <a:effectStyle>
+          <a:effectLst/>
+        </a:effectStyle>
+        <a:effectStyle>
+          <a:effectLst/>
+        </a:effectStyle>
+        <a:effectStyle>
+          <a:effectLst>
+            <a:outerShdw blurRad="57150" dist="19050" dir="5400000" algn="ctr" rotWithShape="0">
+              <a:srgbClr val="000000">
+                <a:alpha val="63000"/>
+              </a:srgbClr>
+            </a:outerShdw>
+          </a:effectLst>
+        </a:effectStyle>
+      </a:effectStyleLst>
+      <a:bgFillStyleLst>
+        <a:solidFill>
+          <a:schemeClr val="phClr"/>
+        </a:solidFill>
+        <a:solidFill>
+          <a:schemeClr val="phClr">
+            <a:tint val="95000"/>
+            <a:satMod val="170000"/>
+          </a:schemeClr>
+        </a:solidFill>
+        <a:gradFill rotWithShape="1">
+          <a:gsLst>
+            <a:gs pos="0">
+              <a:schemeClr val="phClr">
+                <a:tint val="93000"/>
+                <a:satMod val="150000"/>
+                <a:shade val="98000"/>
+                <a:lumMod val="102000"/>
+              </a:schemeClr>
+            </a:gs>
+            <a:gs pos="50000">
+              <a:schemeClr val="phClr">
+                <a:tint val="98000"/>
+                <a:satMod val="130000"/>
+                <a:shade val="90000"/>
+                <a:lumMod val="103000"/>
+              </a:schemeClr>
+            </a:gs>
+            <a:gs pos="100000">
+              <a:schemeClr val="phClr">
+                <a:shade val="63000"/>
+                <a:satMod val="120000"/>
+              </a:schemeClr>
+            </a:gs>
+          </a:gsLst>
+          <a:lin ang="5400000" scaled="0"/>
+        </a:gradFill>
+      </a:bgFillStyleLst>
+    </a:fmtScheme>
+  </a:themeElements>
+  <a:objectDefaults/>
+  <a:extraClrSchemeLst/>
+  <a:extLst>
+    <a:ext uri="{05A4C25C-085E-4340-85A3-A5531E510DB2}">
+      <thm15:themeFamily xmlns:thm15="http://schemas.microsoft.com/office/thememl/2012/main" name="Office Theme" id="{62F939B6-93AF-4DB8-9C6B-D6C7DFDC589F}" vid="{4A3C46E8-61CC-4603-A589-7422A47A8E4A}"/>
+    </a:ext>
+  </a:extLst>
+</a:theme>
+</file>
+
 <file path=ppt/theme/themeOverride1.xml><?xml version="1.0" encoding="utf-8"?>
 <a:themeOverride xmlns:a="http://schemas.openxmlformats.org/drawingml/2006/main">
   <a:clrScheme name="Blends 2">

--- a/ppt/chapter 7.pptx
+++ b/ppt/chapter 7.pptx
@@ -234,7 +234,7 @@
           <a:p>
             <a:fld id="{58876C6E-B1FE-4CC0-90D8-EC39C27F390F}" type="datetimeFigureOut">
               <a:rPr lang="zh-CN" altLang="en-US" smtClean="0"/>
-              <a:t>2018/5/10</a:t>
+              <a:t>2018/6/28</a:t>
             </a:fld>
             <a:endParaRPr lang="zh-CN" altLang="en-US"/>
           </a:p>
@@ -3686,36 +3686,6 @@
       </p:sp>
       <p:sp>
         <p:nvSpPr>
-          <p:cNvPr id="4" name="灯片编号占位符 3"/>
-          <p:cNvSpPr>
-            <a:spLocks noGrp="1"/>
-          </p:cNvSpPr>
-          <p:nvPr>
-            <p:ph type="sldNum" sz="quarter" idx="10"/>
-          </p:nvPr>
-        </p:nvSpPr>
-        <p:spPr/>
-        <p:txBody>
-          <a:bodyPr/>
-          <a:lstStyle/>
-          <a:p>
-            <a:r>
-              <a:rPr lang="en-US" altLang="zh-CN" smtClean="0"/>
-              <a:t>Slide 5- </a:t>
-            </a:r>
-            <a:fld id="{3C594E94-0A75-47C5-A997-082619340147}" type="slidenum">
-              <a:rPr lang="en-US" altLang="zh-CN" smtClean="0"/>
-              <a:pPr/>
-              <a:t>1</a:t>
-            </a:fld>
-            <a:endParaRPr lang="en-CA" altLang="zh-CN">
-              <a:ea typeface="宋体" panose="02010600030101010101" pitchFamily="2" charset="-122"/>
-            </a:endParaRPr>
-          </a:p>
-        </p:txBody>
-      </p:sp>
-      <p:sp>
-        <p:nvSpPr>
           <p:cNvPr id="5" name="文本框 4"/>
           <p:cNvSpPr txBox="1"/>
           <p:nvPr/>
@@ -6248,7 +6218,15 @@
           <a:p>
             <a:r>
               <a:rPr lang="en-US" altLang="zh-CN" b="1" dirty="0"/>
-              <a:t>5.2 CALL-BY-REFERENCE PARAMETERS</a:t>
+              <a:t>7</a:t>
+            </a:r>
+            <a:r>
+              <a:rPr lang="en-US" altLang="zh-CN" b="1" dirty="0" smtClean="0"/>
+              <a:t>.2 </a:t>
+            </a:r>
+            <a:r>
+              <a:rPr lang="en-US" altLang="zh-CN" b="1" dirty="0"/>
+              <a:t>CALL-BY-REFERENCE PARAMETERS</a:t>
             </a:r>
             <a:endParaRPr lang="zh-CN" altLang="en-US" dirty="0"/>
           </a:p>
@@ -6661,7 +6639,15 @@
           <a:p>
             <a:r>
               <a:rPr lang="en-US" altLang="zh-CN" b="1" dirty="0"/>
-              <a:t>5.2 CALL-BY-REFERENCE PARAMETERS</a:t>
+              <a:t>7</a:t>
+            </a:r>
+            <a:r>
+              <a:rPr lang="en-US" altLang="zh-CN" b="1" dirty="0" smtClean="0"/>
+              <a:t>.2 </a:t>
+            </a:r>
+            <a:r>
+              <a:rPr lang="en-US" altLang="zh-CN" b="1" dirty="0"/>
+              <a:t>CALL-BY-REFERENCE PARAMETERS</a:t>
             </a:r>
             <a:endParaRPr lang="zh-CN" altLang="en-US" dirty="0"/>
           </a:p>
@@ -7716,25 +7702,6 @@
           </a:p>
         </p:txBody>
       </p:sp>
-      <p:sp>
-        <p:nvSpPr>
-          <p:cNvPr id="3" name="内容占位符 2"/>
-          <p:cNvSpPr>
-            <a:spLocks noGrp="1"/>
-          </p:cNvSpPr>
-          <p:nvPr>
-            <p:ph idx="1"/>
-          </p:nvPr>
-        </p:nvSpPr>
-        <p:spPr/>
-        <p:txBody>
-          <a:bodyPr/>
-          <a:lstStyle/>
-          <a:p>
-            <a:endParaRPr lang="zh-CN" altLang="en-US" dirty="0"/>
-          </a:p>
-        </p:txBody>
-      </p:sp>
     </p:spTree>
     <p:extLst>
       <p:ext uri="{BB962C8B-B14F-4D97-AF65-F5344CB8AC3E}">
@@ -8059,15 +8026,7 @@
           <a:p>
             <a:r>
               <a:rPr lang="en-US" altLang="zh-CN" dirty="0" smtClean="0"/>
-              <a:t>Project</a:t>
-            </a:r>
-            <a:r>
-              <a:rPr lang="en-US" altLang="zh-CN" dirty="0" smtClean="0"/>
-              <a:t> </a:t>
-            </a:r>
-            <a:r>
-              <a:rPr lang="en-US" altLang="zh-CN" dirty="0" smtClean="0"/>
-              <a:t>submit</a:t>
+              <a:t>Project submit</a:t>
             </a:r>
             <a:endParaRPr lang="zh-CN" altLang="en-US" dirty="0"/>
           </a:p>

--- a/ppt/chapter 7.pptx
+++ b/ppt/chapter 7.pptx
@@ -143,11 +143,7 @@
 <file path=ppt/commentAuthors.xml><?xml version="1.0" encoding="utf-8"?>
 <p:cmAuthorLst xmlns:a="http://schemas.openxmlformats.org/drawingml/2006/main" xmlns:r="http://schemas.openxmlformats.org/officeDocument/2006/relationships" xmlns:p="http://schemas.openxmlformats.org/presentationml/2006/main">
   <p:cmAuthor id="1" name="dly" initials="d" lastIdx="1" clrIdx="0">
-    <p:extLst>
-      <p:ext uri="{19B8F6BF-5375-455C-9EA6-DF929625EA0E}">
-        <p15:presenceInfo xmlns:p15="http://schemas.microsoft.com/office/powerpoint/2012/main" userId="dly" providerId="None"/>
-      </p:ext>
-    </p:extLst>
+    <p:extLst/>
   </p:cmAuthor>
 </p:cmAuthorLst>
 </file>
@@ -234,7 +230,7 @@
           <a:p>
             <a:fld id="{58876C6E-B1FE-4CC0-90D8-EC39C27F390F}" type="datetimeFigureOut">
               <a:rPr lang="zh-CN" altLang="en-US" smtClean="0"/>
-              <a:t>2018/6/28</a:t>
+              <a:t>2019/4/11</a:t>
             </a:fld>
             <a:endParaRPr lang="zh-CN" altLang="en-US"/>
           </a:p>
@@ -975,47 +971,6 @@
           </a:extLst>
         </p:spPr>
       </p:pic>
-      <p:pic>
-        <p:nvPicPr>
-          <p:cNvPr id="4145" name="Picture 49" descr="26pic_06_11_22_10_30_44"/>
-          <p:cNvPicPr>
-            <a:picLocks noChangeAspect="1" noChangeArrowheads="1"/>
-          </p:cNvPicPr>
-          <p:nvPr/>
-        </p:nvPicPr>
-        <p:blipFill>
-          <a:blip r:embed="rId5">
-            <a:extLst>
-              <a:ext uri="{28A0092B-C50C-407E-A947-70E740481C1C}">
-                <a14:useLocalDpi xmlns:a14="http://schemas.microsoft.com/office/drawing/2010/main" val="0"/>
-              </a:ext>
-            </a:extLst>
-          </a:blip>
-          <a:srcRect/>
-          <a:stretch>
-            <a:fillRect/>
-          </a:stretch>
-        </p:blipFill>
-        <p:spPr bwMode="auto">
-          <a:xfrm>
-            <a:off x="3285067" y="5410200"/>
-            <a:ext cx="4233333" cy="914400"/>
-          </a:xfrm>
-          <a:prstGeom prst="rect">
-            <a:avLst/>
-          </a:prstGeom>
-          <a:noFill/>
-          <a:extLst>
-            <a:ext uri="{909E8E84-426E-40DD-AFC4-6F175D3DCCD1}">
-              <a14:hiddenFill xmlns:a14="http://schemas.microsoft.com/office/drawing/2010/main">
-                <a:solidFill>
-                  <a:srgbClr val="FFFFFF"/>
-                </a:solidFill>
-              </a14:hiddenFill>
-            </a:ext>
-          </a:extLst>
-        </p:spPr>
-      </p:pic>
     </p:spTree>
     <p:extLst>
       <p:ext uri="{BB962C8B-B14F-4D97-AF65-F5344CB8AC3E}">
@@ -1141,11 +1096,15 @@
             </a:lvl1pPr>
           </a:lstStyle>
           <a:p>
+            <a:r>
+              <a:rPr lang="en-US" altLang="zh-CN" dirty="0" smtClean="0"/>
+              <a:t>7-</a:t>
+            </a:r>
             <a:fld id="{A73EA82F-FF5D-4507-8448-F2EE48C3D6A9}" type="slidenum">
               <a:rPr lang="zh-CN" altLang="en-US" smtClean="0"/>
               <a:t>‹#›</a:t>
             </a:fld>
-            <a:endParaRPr lang="zh-CN" altLang="en-US"/>
+            <a:endParaRPr lang="zh-CN" altLang="en-US" dirty="0"/>
           </a:p>
         </p:txBody>
       </p:sp>
@@ -1284,11 +1243,15 @@
             </a:lvl1pPr>
           </a:lstStyle>
           <a:p>
+            <a:r>
+              <a:rPr lang="en-US" altLang="zh-CN" dirty="0" smtClean="0"/>
+              <a:t>7-</a:t>
+            </a:r>
             <a:fld id="{A73EA82F-FF5D-4507-8448-F2EE48C3D6A9}" type="slidenum">
               <a:rPr lang="zh-CN" altLang="en-US" smtClean="0"/>
               <a:t>‹#›</a:t>
             </a:fld>
-            <a:endParaRPr lang="zh-CN" altLang="en-US"/>
+            <a:endParaRPr lang="zh-CN" altLang="en-US" dirty="0"/>
           </a:p>
         </p:txBody>
       </p:sp>
@@ -1417,11 +1380,15 @@
             </a:lvl1pPr>
           </a:lstStyle>
           <a:p>
+            <a:r>
+              <a:rPr lang="en-US" altLang="zh-CN" dirty="0" smtClean="0"/>
+              <a:t>7-</a:t>
+            </a:r>
             <a:fld id="{A73EA82F-FF5D-4507-8448-F2EE48C3D6A9}" type="slidenum">
               <a:rPr lang="zh-CN" altLang="en-US" smtClean="0"/>
               <a:t>‹#›</a:t>
             </a:fld>
-            <a:endParaRPr lang="zh-CN" altLang="en-US"/>
+            <a:endParaRPr lang="zh-CN" altLang="en-US" dirty="0"/>
           </a:p>
         </p:txBody>
       </p:sp>
@@ -1572,11 +1539,15 @@
             </a:lvl1pPr>
           </a:lstStyle>
           <a:p>
+            <a:r>
+              <a:rPr lang="en-US" altLang="zh-CN" dirty="0" smtClean="0"/>
+              <a:t>7-</a:t>
+            </a:r>
             <a:fld id="{A73EA82F-FF5D-4507-8448-F2EE48C3D6A9}" type="slidenum">
               <a:rPr lang="zh-CN" altLang="en-US" smtClean="0"/>
               <a:t>‹#›</a:t>
             </a:fld>
-            <a:endParaRPr lang="zh-CN" altLang="en-US"/>
+            <a:endParaRPr lang="zh-CN" altLang="en-US" dirty="0"/>
           </a:p>
         </p:txBody>
       </p:sp>
@@ -1767,11 +1738,15 @@
             </a:lvl1pPr>
           </a:lstStyle>
           <a:p>
+            <a:r>
+              <a:rPr lang="en-US" altLang="zh-CN" dirty="0" smtClean="0"/>
+              <a:t>7-</a:t>
+            </a:r>
             <a:fld id="{A73EA82F-FF5D-4507-8448-F2EE48C3D6A9}" type="slidenum">
               <a:rPr lang="zh-CN" altLang="en-US" smtClean="0"/>
               <a:t>‹#›</a:t>
             </a:fld>
-            <a:endParaRPr lang="zh-CN" altLang="en-US"/>
+            <a:endParaRPr lang="zh-CN" altLang="en-US" dirty="0"/>
           </a:p>
         </p:txBody>
       </p:sp>
@@ -2097,11 +2072,15 @@
             </a:lvl1pPr>
           </a:lstStyle>
           <a:p>
+            <a:r>
+              <a:rPr lang="en-US" altLang="zh-CN" dirty="0" smtClean="0"/>
+              <a:t>7-</a:t>
+            </a:r>
             <a:fld id="{A73EA82F-FF5D-4507-8448-F2EE48C3D6A9}" type="slidenum">
               <a:rPr lang="zh-CN" altLang="en-US" smtClean="0"/>
               <a:t>‹#›</a:t>
             </a:fld>
-            <a:endParaRPr lang="zh-CN" altLang="en-US"/>
+            <a:endParaRPr lang="zh-CN" altLang="en-US" dirty="0"/>
           </a:p>
         </p:txBody>
       </p:sp>
@@ -2178,11 +2157,15 @@
             </a:lvl1pPr>
           </a:lstStyle>
           <a:p>
+            <a:r>
+              <a:rPr lang="en-US" altLang="zh-CN" dirty="0" smtClean="0"/>
+              <a:t>7-</a:t>
+            </a:r>
             <a:fld id="{A73EA82F-FF5D-4507-8448-F2EE48C3D6A9}" type="slidenum">
               <a:rPr lang="zh-CN" altLang="en-US" smtClean="0"/>
               <a:t>‹#›</a:t>
             </a:fld>
-            <a:endParaRPr lang="zh-CN" altLang="en-US"/>
+            <a:endParaRPr lang="zh-CN" altLang="en-US" dirty="0"/>
           </a:p>
         </p:txBody>
       </p:sp>
@@ -2236,11 +2219,15 @@
             </a:lvl1pPr>
           </a:lstStyle>
           <a:p>
+            <a:r>
+              <a:rPr lang="en-US" altLang="zh-CN" dirty="0" smtClean="0"/>
+              <a:t>7-</a:t>
+            </a:r>
             <a:fld id="{A73EA82F-FF5D-4507-8448-F2EE48C3D6A9}" type="slidenum">
               <a:rPr lang="zh-CN" altLang="en-US" smtClean="0"/>
               <a:t>‹#›</a:t>
             </a:fld>
-            <a:endParaRPr lang="zh-CN" altLang="en-US"/>
+            <a:endParaRPr lang="zh-CN" altLang="en-US" dirty="0"/>
           </a:p>
         </p:txBody>
       </p:sp>
@@ -2476,11 +2463,15 @@
             </a:lvl1pPr>
           </a:lstStyle>
           <a:p>
+            <a:r>
+              <a:rPr lang="en-US" altLang="zh-CN" dirty="0" smtClean="0"/>
+              <a:t>7-</a:t>
+            </a:r>
             <a:fld id="{A73EA82F-FF5D-4507-8448-F2EE48C3D6A9}" type="slidenum">
               <a:rPr lang="zh-CN" altLang="en-US" smtClean="0"/>
               <a:t>‹#›</a:t>
             </a:fld>
-            <a:endParaRPr lang="zh-CN" altLang="en-US"/>
+            <a:endParaRPr lang="zh-CN" altLang="en-US" dirty="0"/>
           </a:p>
         </p:txBody>
       </p:sp>
@@ -2692,11 +2683,15 @@
             </a:lvl1pPr>
           </a:lstStyle>
           <a:p>
+            <a:r>
+              <a:rPr lang="en-US" altLang="zh-CN" dirty="0" smtClean="0"/>
+              <a:t>7-</a:t>
+            </a:r>
             <a:fld id="{A73EA82F-FF5D-4507-8448-F2EE48C3D6A9}" type="slidenum">
               <a:rPr lang="zh-CN" altLang="en-US" smtClean="0"/>
               <a:t>‹#›</a:t>
             </a:fld>
-            <a:endParaRPr lang="zh-CN" altLang="en-US"/>
+            <a:endParaRPr lang="zh-CN" altLang="en-US" dirty="0"/>
           </a:p>
         </p:txBody>
       </p:sp>
@@ -3016,11 +3011,15 @@
             </a:lvl1pPr>
           </a:lstStyle>
           <a:p>
+            <a:r>
+              <a:rPr lang="en-US" altLang="zh-CN" dirty="0" smtClean="0"/>
+              <a:t>7-</a:t>
+            </a:r>
             <a:fld id="{A73EA82F-FF5D-4507-8448-F2EE48C3D6A9}" type="slidenum">
               <a:rPr lang="zh-CN" altLang="en-US" smtClean="0"/>
               <a:t>‹#›</a:t>
             </a:fld>
-            <a:endParaRPr lang="zh-CN" altLang="en-US"/>
+            <a:endParaRPr lang="zh-CN" altLang="en-US" dirty="0"/>
           </a:p>
         </p:txBody>
       </p:sp>
@@ -3117,86 +3116,6 @@
               <a:rPr lang="en-US" altLang="zh-CN" smtClean="0"/>
               <a:t>Fifth level</a:t>
             </a:r>
-          </a:p>
-        </p:txBody>
-      </p:sp>
-      <p:sp>
-        <p:nvSpPr>
-          <p:cNvPr id="3102" name="Rectangle 30"/>
-          <p:cNvSpPr>
-            <a:spLocks noChangeArrowheads="1"/>
-          </p:cNvSpPr>
-          <p:nvPr/>
-        </p:nvSpPr>
-        <p:spPr bwMode="auto">
-          <a:xfrm>
-            <a:off x="1117600" y="6397625"/>
-            <a:ext cx="6604000" cy="457200"/>
-          </a:xfrm>
-          <a:prstGeom prst="rect">
-            <a:avLst/>
-          </a:prstGeom>
-          <a:noFill/>
-          <a:ln>
-            <a:noFill/>
-          </a:ln>
-          <a:effectLst/>
-          <a:extLst>
-            <a:ext uri="{909E8E84-426E-40DD-AFC4-6F175D3DCCD1}">
-              <a14:hiddenFill xmlns:a14="http://schemas.microsoft.com/office/drawing/2010/main">
-                <a:solidFill>
-                  <a:schemeClr val="accent1"/>
-                </a:solidFill>
-              </a14:hiddenFill>
-            </a:ext>
-            <a:ext uri="{91240B29-F687-4F45-9708-019B960494DF}">
-              <a14:hiddenLine xmlns:a14="http://schemas.microsoft.com/office/drawing/2010/main" w="9525">
-                <a:solidFill>
-                  <a:schemeClr val="tx1"/>
-                </a:solidFill>
-                <a:miter lim="800000"/>
-                <a:headEnd/>
-                <a:tailEnd/>
-              </a14:hiddenLine>
-            </a:ext>
-            <a:ext uri="{AF507438-7753-43E0-B8FC-AC1667EBCBE1}">
-              <a14:hiddenEffects xmlns:a14="http://schemas.microsoft.com/office/drawing/2010/main">
-                <a:effectLst>
-                  <a:outerShdw dist="35921" dir="2700000" algn="ctr" rotWithShape="0">
-                    <a:schemeClr val="bg2"/>
-                  </a:outerShdw>
-                </a:effectLst>
-              </a14:hiddenEffects>
-            </a:ext>
-          </a:extLst>
-        </p:spPr>
-        <p:txBody>
-          <a:bodyPr anchor="b"/>
-          <a:lstStyle/>
-          <a:p>
-            <a:r>
-              <a:rPr lang="en-US" altLang="zh-CN" sz="900"/>
-              <a:t>Copyright © 2008 </a:t>
-            </a:r>
-            <a:r>
-              <a:rPr lang="en-US" altLang="zh-TW" sz="900">
-                <a:ea typeface="新細明體" charset="-120"/>
-              </a:rPr>
-              <a:t>PEARSON EDUCATION </a:t>
-            </a:r>
-            <a:r>
-              <a:rPr lang="en-US" altLang="zh-CN" sz="900">
-                <a:ea typeface="宋体" panose="02010600030101010101" pitchFamily="2" charset="-122"/>
-              </a:rPr>
-              <a:t>ASIA </a:t>
-            </a:r>
-            <a:r>
-              <a:rPr lang="en-US" altLang="zh-TW" sz="900">
-                <a:ea typeface="新細明體" charset="-120"/>
-              </a:rPr>
-              <a:t>LIMITED and Tsinghua University Press</a:t>
-            </a:r>
-            <a:endParaRPr lang="en-US" altLang="zh-CN" sz="900"/>
           </a:p>
         </p:txBody>
       </p:sp>

--- a/ppt/chapter 7.pptx
+++ b/ppt/chapter 7.pptx
@@ -7,6 +7,9 @@
   <p:notesMasterIdLst>
     <p:notesMasterId r:id="rId28"/>
   </p:notesMasterIdLst>
+  <p:handoutMasterIdLst>
+    <p:handoutMasterId r:id="rId29"/>
+  </p:handoutMasterIdLst>
   <p:sldIdLst>
     <p:sldId id="256" r:id="rId2"/>
     <p:sldId id="257" r:id="rId3"/>
@@ -148,6 +151,171 @@
 </p:cmAuthorLst>
 </file>
 
+<file path=ppt/handoutMasters/handoutMaster1.xml><?xml version="1.0" encoding="utf-8"?>
+<p:handoutMaster xmlns:a="http://schemas.openxmlformats.org/drawingml/2006/main" xmlns:r="http://schemas.openxmlformats.org/officeDocument/2006/relationships" xmlns:p="http://schemas.openxmlformats.org/presentationml/2006/main">
+  <p:cSld>
+    <p:bg>
+      <p:bgRef idx="1001">
+        <a:schemeClr val="bg1"/>
+      </p:bgRef>
+    </p:bg>
+    <p:spTree>
+      <p:nvGrpSpPr>
+        <p:cNvPr id="1" name=""/>
+        <p:cNvGrpSpPr/>
+        <p:nvPr/>
+      </p:nvGrpSpPr>
+      <p:grpSpPr>
+        <a:xfrm>
+          <a:off x="0" y="0"/>
+          <a:ext cx="0" cy="0"/>
+          <a:chOff x="0" y="0"/>
+          <a:chExt cx="0" cy="0"/>
+        </a:xfrm>
+      </p:grpSpPr>
+      <p:sp>
+        <p:nvSpPr>
+          <p:cNvPr id="2" name="页眉占位符 1"/>
+          <p:cNvSpPr>
+            <a:spLocks noGrp="1"/>
+          </p:cNvSpPr>
+          <p:nvPr>
+            <p:ph type="hdr" sz="quarter"/>
+          </p:nvPr>
+        </p:nvSpPr>
+        <p:spPr>
+          <a:xfrm>
+            <a:off x="0" y="0"/>
+            <a:ext cx="2971800" cy="458788"/>
+          </a:xfrm>
+          <a:prstGeom prst="rect">
+            <a:avLst/>
+          </a:prstGeom>
+        </p:spPr>
+        <p:txBody>
+          <a:bodyPr vert="horz" lIns="91440" tIns="45720" rIns="91440" bIns="45720" rtlCol="0"/>
+          <a:lstStyle>
+            <a:lvl1pPr algn="l">
+              <a:defRPr sz="1200"/>
+            </a:lvl1pPr>
+          </a:lstStyle>
+          <a:p>
+            <a:endParaRPr kumimoji="1" lang="zh-CN" altLang="en-US"/>
+          </a:p>
+        </p:txBody>
+      </p:sp>
+      <p:sp>
+        <p:nvSpPr>
+          <p:cNvPr id="3" name="日期占位符 2"/>
+          <p:cNvSpPr>
+            <a:spLocks noGrp="1"/>
+          </p:cNvSpPr>
+          <p:nvPr>
+            <p:ph type="dt" sz="quarter" idx="1"/>
+          </p:nvPr>
+        </p:nvSpPr>
+        <p:spPr>
+          <a:xfrm>
+            <a:off x="3884613" y="0"/>
+            <a:ext cx="2971800" cy="458788"/>
+          </a:xfrm>
+          <a:prstGeom prst="rect">
+            <a:avLst/>
+          </a:prstGeom>
+        </p:spPr>
+        <p:txBody>
+          <a:bodyPr vert="horz" lIns="91440" tIns="45720" rIns="91440" bIns="45720" rtlCol="0"/>
+          <a:lstStyle>
+            <a:lvl1pPr algn="r">
+              <a:defRPr sz="1200"/>
+            </a:lvl1pPr>
+          </a:lstStyle>
+          <a:p>
+            <a:fld id="{D663D772-940C-1E41-9D58-26A81223DCC5}" type="datetimeFigureOut">
+              <a:rPr kumimoji="1" lang="zh-CN" altLang="en-US" smtClean="0"/>
+              <a:t>2019/4/17</a:t>
+            </a:fld>
+            <a:endParaRPr kumimoji="1" lang="zh-CN" altLang="en-US"/>
+          </a:p>
+        </p:txBody>
+      </p:sp>
+      <p:sp>
+        <p:nvSpPr>
+          <p:cNvPr id="4" name="页脚占位符 3"/>
+          <p:cNvSpPr>
+            <a:spLocks noGrp="1"/>
+          </p:cNvSpPr>
+          <p:nvPr>
+            <p:ph type="ftr" sz="quarter" idx="2"/>
+          </p:nvPr>
+        </p:nvSpPr>
+        <p:spPr>
+          <a:xfrm>
+            <a:off x="0" y="8685213"/>
+            <a:ext cx="2971800" cy="458787"/>
+          </a:xfrm>
+          <a:prstGeom prst="rect">
+            <a:avLst/>
+          </a:prstGeom>
+        </p:spPr>
+        <p:txBody>
+          <a:bodyPr vert="horz" lIns="91440" tIns="45720" rIns="91440" bIns="45720" rtlCol="0" anchor="b"/>
+          <a:lstStyle>
+            <a:lvl1pPr algn="l">
+              <a:defRPr sz="1200"/>
+            </a:lvl1pPr>
+          </a:lstStyle>
+          <a:p>
+            <a:endParaRPr kumimoji="1" lang="zh-CN" altLang="en-US"/>
+          </a:p>
+        </p:txBody>
+      </p:sp>
+      <p:sp>
+        <p:nvSpPr>
+          <p:cNvPr id="5" name="幻灯片编号占位符 4"/>
+          <p:cNvSpPr>
+            <a:spLocks noGrp="1"/>
+          </p:cNvSpPr>
+          <p:nvPr>
+            <p:ph type="sldNum" sz="quarter" idx="3"/>
+          </p:nvPr>
+        </p:nvSpPr>
+        <p:spPr>
+          <a:xfrm>
+            <a:off x="3884613" y="8685213"/>
+            <a:ext cx="2971800" cy="458787"/>
+          </a:xfrm>
+          <a:prstGeom prst="rect">
+            <a:avLst/>
+          </a:prstGeom>
+        </p:spPr>
+        <p:txBody>
+          <a:bodyPr vert="horz" lIns="91440" tIns="45720" rIns="91440" bIns="45720" rtlCol="0" anchor="b"/>
+          <a:lstStyle>
+            <a:lvl1pPr algn="r">
+              <a:defRPr sz="1200"/>
+            </a:lvl1pPr>
+          </a:lstStyle>
+          <a:p>
+            <a:fld id="{8A8977FD-AF09-6F41-8A17-5A76098B52D1}" type="slidenum">
+              <a:rPr kumimoji="1" lang="zh-CN" altLang="en-US" smtClean="0"/>
+              <a:t>‹#›</a:t>
+            </a:fld>
+            <a:endParaRPr kumimoji="1" lang="zh-CN" altLang="en-US"/>
+          </a:p>
+        </p:txBody>
+      </p:sp>
+    </p:spTree>
+    <p:extLst>
+      <p:ext uri="{BB962C8B-B14F-4D97-AF65-F5344CB8AC3E}">
+        <p14:creationId xmlns:p14="http://schemas.microsoft.com/office/powerpoint/2010/main" val="1181661333"/>
+      </p:ext>
+    </p:extLst>
+  </p:cSld>
+  <p:clrMap bg1="lt1" tx1="dk1" bg2="lt2" tx2="dk2" accent1="accent1" accent2="accent2" accent3="accent3" accent4="accent4" accent5="accent5" accent6="accent6" hlink="hlink" folHlink="folHlink"/>
+</p:handoutMaster>
+</file>
+
 <file path=ppt/notesMasters/notesMaster1.xml><?xml version="1.0" encoding="utf-8"?>
 <p:notesMaster xmlns:a="http://schemas.openxmlformats.org/drawingml/2006/main" xmlns:r="http://schemas.openxmlformats.org/officeDocument/2006/relationships" xmlns:p="http://schemas.openxmlformats.org/presentationml/2006/main">
   <p:cSld>
@@ -230,7 +398,7 @@
           <a:p>
             <a:fld id="{58876C6E-B1FE-4CC0-90D8-EC39C27F390F}" type="datetimeFigureOut">
               <a:rPr lang="zh-CN" altLang="en-US" smtClean="0"/>
-              <a:t>2019/4/11</a:t>
+              <a:t>2019/4/17</a:t>
             </a:fld>
             <a:endParaRPr lang="zh-CN" altLang="en-US"/>
           </a:p>
@@ -542,6 +710,90 @@
           <a:bodyPr/>
           <a:lstStyle/>
           <a:p>
+            <a:endParaRPr kumimoji="1" lang="zh-CN" altLang="en-US"/>
+          </a:p>
+        </p:txBody>
+      </p:sp>
+      <p:sp>
+        <p:nvSpPr>
+          <p:cNvPr id="4" name="幻灯片编号占位符 3"/>
+          <p:cNvSpPr>
+            <a:spLocks noGrp="1"/>
+          </p:cNvSpPr>
+          <p:nvPr>
+            <p:ph type="sldNum" sz="quarter" idx="10"/>
+          </p:nvPr>
+        </p:nvSpPr>
+        <p:spPr/>
+        <p:txBody>
+          <a:bodyPr/>
+          <a:lstStyle/>
+          <a:p>
+            <a:fld id="{7CFDD596-83F0-422E-B9F4-76608F57FC8F}" type="slidenum">
+              <a:rPr lang="zh-CN" altLang="en-US" smtClean="0"/>
+              <a:t>1</a:t>
+            </a:fld>
+            <a:endParaRPr lang="zh-CN" altLang="en-US"/>
+          </a:p>
+        </p:txBody>
+      </p:sp>
+    </p:spTree>
+    <p:extLst>
+      <p:ext uri="{BB962C8B-B14F-4D97-AF65-F5344CB8AC3E}">
+        <p14:creationId xmlns:p14="http://schemas.microsoft.com/office/powerpoint/2010/main" val="1008048690"/>
+      </p:ext>
+    </p:extLst>
+  </p:cSld>
+  <p:clrMapOvr>
+    <a:masterClrMapping/>
+  </p:clrMapOvr>
+</p:notes>
+</file>
+
+<file path=ppt/notesSlides/notesSlide2.xml><?xml version="1.0" encoding="utf-8"?>
+<p:notes xmlns:a="http://schemas.openxmlformats.org/drawingml/2006/main" xmlns:r="http://schemas.openxmlformats.org/officeDocument/2006/relationships" xmlns:p="http://schemas.openxmlformats.org/presentationml/2006/main">
+  <p:cSld>
+    <p:spTree>
+      <p:nvGrpSpPr>
+        <p:cNvPr id="1" name=""/>
+        <p:cNvGrpSpPr/>
+        <p:nvPr/>
+      </p:nvGrpSpPr>
+      <p:grpSpPr>
+        <a:xfrm>
+          <a:off x="0" y="0"/>
+          <a:ext cx="0" cy="0"/>
+          <a:chOff x="0" y="0"/>
+          <a:chExt cx="0" cy="0"/>
+        </a:xfrm>
+      </p:grpSpPr>
+      <p:sp>
+        <p:nvSpPr>
+          <p:cNvPr id="2" name="幻灯片图像占位符 1"/>
+          <p:cNvSpPr>
+            <a:spLocks noGrp="1" noRot="1" noChangeAspect="1"/>
+          </p:cNvSpPr>
+          <p:nvPr>
+            <p:ph type="sldImg"/>
+          </p:nvPr>
+        </p:nvSpPr>
+        <p:spPr/>
+      </p:sp>
+      <p:sp>
+        <p:nvSpPr>
+          <p:cNvPr id="3" name="备注占位符 2"/>
+          <p:cNvSpPr>
+            <a:spLocks noGrp="1"/>
+          </p:cNvSpPr>
+          <p:nvPr>
+            <p:ph type="body" idx="1"/>
+          </p:nvPr>
+        </p:nvSpPr>
+        <p:spPr/>
+        <p:txBody>
+          <a:bodyPr/>
+          <a:lstStyle/>
+          <a:p>
             <a:endParaRPr lang="zh-CN" altLang="en-US" dirty="0"/>
           </a:p>
         </p:txBody>
@@ -776,7 +1028,7 @@
             </a:lvl1pPr>
           </a:lstStyle>
           <a:p>
-            <a:endParaRPr lang="zh-CN" altLang="en-US"/>
+            <a:endParaRPr lang="zh-CN" altLang="en-US" dirty="0"/>
           </a:p>
         </p:txBody>
       </p:sp>
@@ -1371,7 +1623,12 @@
             <p:ph type="sldNum" sz="quarter" idx="10"/>
           </p:nvPr>
         </p:nvSpPr>
-        <p:spPr/>
+        <p:spPr>
+          <a:xfrm>
+            <a:off x="9308353" y="6400800"/>
+            <a:ext cx="2540000" cy="457200"/>
+          </a:xfrm>
+        </p:spPr>
         <p:txBody>
           <a:bodyPr/>
           <a:lstStyle>
@@ -3141,6 +3398,7 @@
     <p:sldLayoutId id="2147483671" r:id="rId11"/>
   </p:sldLayoutIdLst>
   <p:transition spd="med"/>
+  <p:hf hdr="0" ftr="0" dt="0"/>
   <p:txStyles>
     <p:titleStyle>
       <a:lvl1pPr algn="l" rtl="0" fontAlgn="base">
@@ -3682,6 +3940,33 @@
           </a:p>
         </p:txBody>
       </p:sp>
+      <p:sp>
+        <p:nvSpPr>
+          <p:cNvPr id="3" name="幻灯片编号占位符 2"/>
+          <p:cNvSpPr>
+            <a:spLocks noGrp="1"/>
+          </p:cNvSpPr>
+          <p:nvPr>
+            <p:ph type="sldNum" sz="quarter" idx="10"/>
+          </p:nvPr>
+        </p:nvSpPr>
+        <p:spPr/>
+        <p:txBody>
+          <a:bodyPr/>
+          <a:lstStyle/>
+          <a:p>
+            <a:r>
+              <a:rPr lang="en-US" altLang="zh-CN" dirty="0" smtClean="0"/>
+              <a:t>7-</a:t>
+            </a:r>
+            <a:fld id="{A73EA82F-FF5D-4507-8448-F2EE48C3D6A9}" type="slidenum">
+              <a:rPr lang="zh-CN" altLang="en-US" smtClean="0"/>
+              <a:t>1</a:t>
+            </a:fld>
+            <a:endParaRPr lang="zh-CN" altLang="en-US" dirty="0"/>
+          </a:p>
+        </p:txBody>
+      </p:sp>
     </p:spTree>
     <p:extLst>
       <p:ext uri="{BB962C8B-B14F-4D97-AF65-F5344CB8AC3E}">
@@ -3859,6 +4144,33 @@
           </a:p>
         </p:txBody>
       </p:sp>
+      <p:sp>
+        <p:nvSpPr>
+          <p:cNvPr id="4" name="幻灯片编号占位符 3"/>
+          <p:cNvSpPr>
+            <a:spLocks noGrp="1"/>
+          </p:cNvSpPr>
+          <p:nvPr>
+            <p:ph type="sldNum" sz="quarter" idx="10"/>
+          </p:nvPr>
+        </p:nvSpPr>
+        <p:spPr/>
+        <p:txBody>
+          <a:bodyPr/>
+          <a:lstStyle/>
+          <a:p>
+            <a:r>
+              <a:rPr lang="en-US" altLang="zh-CN" smtClean="0"/>
+              <a:t>7-</a:t>
+            </a:r>
+            <a:fld id="{A73EA82F-FF5D-4507-8448-F2EE48C3D6A9}" type="slidenum">
+              <a:rPr lang="zh-CN" altLang="en-US" smtClean="0"/>
+              <a:t>10</a:t>
+            </a:fld>
+            <a:endParaRPr lang="zh-CN" altLang="en-US" dirty="0"/>
+          </a:p>
+        </p:txBody>
+      </p:sp>
     </p:spTree>
     <p:extLst>
       <p:ext uri="{BB962C8B-B14F-4D97-AF65-F5344CB8AC3E}">
@@ -4139,6 +4451,33 @@
           </a:p>
         </p:txBody>
       </p:sp>
+      <p:sp>
+        <p:nvSpPr>
+          <p:cNvPr id="4" name="幻灯片编号占位符 3"/>
+          <p:cNvSpPr>
+            <a:spLocks noGrp="1"/>
+          </p:cNvSpPr>
+          <p:nvPr>
+            <p:ph type="sldNum" sz="quarter" idx="10"/>
+          </p:nvPr>
+        </p:nvSpPr>
+        <p:spPr/>
+        <p:txBody>
+          <a:bodyPr/>
+          <a:lstStyle/>
+          <a:p>
+            <a:r>
+              <a:rPr lang="en-US" altLang="zh-CN" smtClean="0"/>
+              <a:t>7-</a:t>
+            </a:r>
+            <a:fld id="{A73EA82F-FF5D-4507-8448-F2EE48C3D6A9}" type="slidenum">
+              <a:rPr lang="zh-CN" altLang="en-US" smtClean="0"/>
+              <a:t>11</a:t>
+            </a:fld>
+            <a:endParaRPr lang="zh-CN" altLang="en-US" dirty="0"/>
+          </a:p>
+        </p:txBody>
+      </p:sp>
     </p:spTree>
     <p:extLst>
       <p:ext uri="{BB962C8B-B14F-4D97-AF65-F5344CB8AC3E}">
@@ -4556,6 +4895,33 @@
           </a:p>
         </p:txBody>
       </p:sp>
+      <p:sp>
+        <p:nvSpPr>
+          <p:cNvPr id="4" name="幻灯片编号占位符 3"/>
+          <p:cNvSpPr>
+            <a:spLocks noGrp="1"/>
+          </p:cNvSpPr>
+          <p:nvPr>
+            <p:ph type="sldNum" sz="quarter" idx="10"/>
+          </p:nvPr>
+        </p:nvSpPr>
+        <p:spPr/>
+        <p:txBody>
+          <a:bodyPr/>
+          <a:lstStyle/>
+          <a:p>
+            <a:r>
+              <a:rPr lang="en-US" altLang="zh-CN" smtClean="0"/>
+              <a:t>7-</a:t>
+            </a:r>
+            <a:fld id="{A73EA82F-FF5D-4507-8448-F2EE48C3D6A9}" type="slidenum">
+              <a:rPr lang="zh-CN" altLang="en-US" smtClean="0"/>
+              <a:t>12</a:t>
+            </a:fld>
+            <a:endParaRPr lang="zh-CN" altLang="en-US" dirty="0"/>
+          </a:p>
+        </p:txBody>
+      </p:sp>
     </p:spTree>
     <p:extLst>
       <p:ext uri="{BB962C8B-B14F-4D97-AF65-F5344CB8AC3E}">
@@ -4982,6 +5348,33 @@
           </a:p>
         </p:txBody>
       </p:sp>
+      <p:sp>
+        <p:nvSpPr>
+          <p:cNvPr id="4" name="幻灯片编号占位符 3"/>
+          <p:cNvSpPr>
+            <a:spLocks noGrp="1"/>
+          </p:cNvSpPr>
+          <p:nvPr>
+            <p:ph type="sldNum" sz="quarter" idx="10"/>
+          </p:nvPr>
+        </p:nvSpPr>
+        <p:spPr/>
+        <p:txBody>
+          <a:bodyPr/>
+          <a:lstStyle/>
+          <a:p>
+            <a:r>
+              <a:rPr lang="en-US" altLang="zh-CN" smtClean="0"/>
+              <a:t>7-</a:t>
+            </a:r>
+            <a:fld id="{A73EA82F-FF5D-4507-8448-F2EE48C3D6A9}" type="slidenum">
+              <a:rPr lang="zh-CN" altLang="en-US" smtClean="0"/>
+              <a:t>13</a:t>
+            </a:fld>
+            <a:endParaRPr lang="zh-CN" altLang="en-US" dirty="0"/>
+          </a:p>
+        </p:txBody>
+      </p:sp>
     </p:spTree>
     <p:extLst>
       <p:ext uri="{BB962C8B-B14F-4D97-AF65-F5344CB8AC3E}">
@@ -5308,6 +5701,33 @@
           </a:p>
         </p:txBody>
       </p:sp>
+      <p:sp>
+        <p:nvSpPr>
+          <p:cNvPr id="4" name="幻灯片编号占位符 3"/>
+          <p:cNvSpPr>
+            <a:spLocks noGrp="1"/>
+          </p:cNvSpPr>
+          <p:nvPr>
+            <p:ph type="sldNum" sz="quarter" idx="10"/>
+          </p:nvPr>
+        </p:nvSpPr>
+        <p:spPr/>
+        <p:txBody>
+          <a:bodyPr/>
+          <a:lstStyle/>
+          <a:p>
+            <a:r>
+              <a:rPr lang="en-US" altLang="zh-CN" smtClean="0"/>
+              <a:t>7-</a:t>
+            </a:r>
+            <a:fld id="{A73EA82F-FF5D-4507-8448-F2EE48C3D6A9}" type="slidenum">
+              <a:rPr lang="zh-CN" altLang="en-US" smtClean="0"/>
+              <a:t>14</a:t>
+            </a:fld>
+            <a:endParaRPr lang="zh-CN" altLang="en-US" dirty="0"/>
+          </a:p>
+        </p:txBody>
+      </p:sp>
     </p:spTree>
     <p:extLst>
       <p:ext uri="{BB962C8B-B14F-4D97-AF65-F5344CB8AC3E}">
@@ -5743,6 +6163,33 @@
           </a:p>
         </p:txBody>
       </p:sp>
+      <p:sp>
+        <p:nvSpPr>
+          <p:cNvPr id="4" name="幻灯片编号占位符 3"/>
+          <p:cNvSpPr>
+            <a:spLocks noGrp="1"/>
+          </p:cNvSpPr>
+          <p:nvPr>
+            <p:ph type="sldNum" sz="quarter" idx="10"/>
+          </p:nvPr>
+        </p:nvSpPr>
+        <p:spPr/>
+        <p:txBody>
+          <a:bodyPr/>
+          <a:lstStyle/>
+          <a:p>
+            <a:r>
+              <a:rPr lang="en-US" altLang="zh-CN" smtClean="0"/>
+              <a:t>7-</a:t>
+            </a:r>
+            <a:fld id="{A73EA82F-FF5D-4507-8448-F2EE48C3D6A9}" type="slidenum">
+              <a:rPr lang="zh-CN" altLang="en-US" smtClean="0"/>
+              <a:t>15</a:t>
+            </a:fld>
+            <a:endParaRPr lang="zh-CN" altLang="en-US" dirty="0"/>
+          </a:p>
+        </p:txBody>
+      </p:sp>
     </p:spTree>
     <p:extLst>
       <p:ext uri="{BB962C8B-B14F-4D97-AF65-F5344CB8AC3E}">
@@ -5948,6 +6395,33 @@
           </a:p>
         </p:txBody>
       </p:sp>
+      <p:sp>
+        <p:nvSpPr>
+          <p:cNvPr id="4" name="幻灯片编号占位符 3"/>
+          <p:cNvSpPr>
+            <a:spLocks noGrp="1"/>
+          </p:cNvSpPr>
+          <p:nvPr>
+            <p:ph type="sldNum" sz="quarter" idx="10"/>
+          </p:nvPr>
+        </p:nvSpPr>
+        <p:spPr/>
+        <p:txBody>
+          <a:bodyPr/>
+          <a:lstStyle/>
+          <a:p>
+            <a:r>
+              <a:rPr lang="en-US" altLang="zh-CN" smtClean="0"/>
+              <a:t>7-</a:t>
+            </a:r>
+            <a:fld id="{A73EA82F-FF5D-4507-8448-F2EE48C3D6A9}" type="slidenum">
+              <a:rPr lang="zh-CN" altLang="en-US" smtClean="0"/>
+              <a:t>16</a:t>
+            </a:fld>
+            <a:endParaRPr lang="zh-CN" altLang="en-US" dirty="0"/>
+          </a:p>
+        </p:txBody>
+      </p:sp>
     </p:spTree>
     <p:extLst>
       <p:ext uri="{BB962C8B-B14F-4D97-AF65-F5344CB8AC3E}">
@@ -6085,6 +6559,33 @@
               <a:rPr lang="en-US" altLang="zh-CN" dirty="0"/>
               <a:t> smallest element in a[index]</a:t>
             </a:r>
+            <a:endParaRPr lang="zh-CN" altLang="en-US" dirty="0"/>
+          </a:p>
+        </p:txBody>
+      </p:sp>
+      <p:sp>
+        <p:nvSpPr>
+          <p:cNvPr id="4" name="幻灯片编号占位符 3"/>
+          <p:cNvSpPr>
+            <a:spLocks noGrp="1"/>
+          </p:cNvSpPr>
+          <p:nvPr>
+            <p:ph type="sldNum" sz="quarter" idx="10"/>
+          </p:nvPr>
+        </p:nvSpPr>
+        <p:spPr/>
+        <p:txBody>
+          <a:bodyPr/>
+          <a:lstStyle/>
+          <a:p>
+            <a:r>
+              <a:rPr lang="en-US" altLang="zh-CN" smtClean="0"/>
+              <a:t>7-</a:t>
+            </a:r>
+            <a:fld id="{A73EA82F-FF5D-4507-8448-F2EE48C3D6A9}" type="slidenum">
+              <a:rPr lang="zh-CN" altLang="en-US" smtClean="0"/>
+              <a:t>17</a:t>
+            </a:fld>
             <a:endParaRPr lang="zh-CN" altLang="en-US" dirty="0"/>
           </a:p>
         </p:txBody>
@@ -6510,6 +7011,33 @@
           </a:p>
         </p:txBody>
       </p:sp>
+      <p:sp>
+        <p:nvSpPr>
+          <p:cNvPr id="5" name="幻灯片编号占位符 4"/>
+          <p:cNvSpPr>
+            <a:spLocks noGrp="1"/>
+          </p:cNvSpPr>
+          <p:nvPr>
+            <p:ph type="sldNum" sz="quarter" idx="10"/>
+          </p:nvPr>
+        </p:nvSpPr>
+        <p:spPr/>
+        <p:txBody>
+          <a:bodyPr/>
+          <a:lstStyle/>
+          <a:p>
+            <a:r>
+              <a:rPr lang="en-US" altLang="zh-CN" smtClean="0"/>
+              <a:t>7-</a:t>
+            </a:r>
+            <a:fld id="{A73EA82F-FF5D-4507-8448-F2EE48C3D6A9}" type="slidenum">
+              <a:rPr lang="zh-CN" altLang="en-US" smtClean="0"/>
+              <a:t>18</a:t>
+            </a:fld>
+            <a:endParaRPr lang="zh-CN" altLang="en-US" dirty="0"/>
+          </a:p>
+        </p:txBody>
+      </p:sp>
     </p:spTree>
     <p:extLst>
       <p:ext uri="{BB962C8B-B14F-4D97-AF65-F5344CB8AC3E}">
@@ -6937,6 +7465,33 @@
           </a:p>
         </p:txBody>
       </p:sp>
+      <p:sp>
+        <p:nvSpPr>
+          <p:cNvPr id="4" name="幻灯片编号占位符 3"/>
+          <p:cNvSpPr>
+            <a:spLocks noGrp="1"/>
+          </p:cNvSpPr>
+          <p:nvPr>
+            <p:ph type="sldNum" sz="quarter" idx="10"/>
+          </p:nvPr>
+        </p:nvSpPr>
+        <p:spPr/>
+        <p:txBody>
+          <a:bodyPr/>
+          <a:lstStyle/>
+          <a:p>
+            <a:r>
+              <a:rPr lang="en-US" altLang="zh-CN" smtClean="0"/>
+              <a:t>7-</a:t>
+            </a:r>
+            <a:fld id="{A73EA82F-FF5D-4507-8448-F2EE48C3D6A9}" type="slidenum">
+              <a:rPr lang="zh-CN" altLang="en-US" smtClean="0"/>
+              <a:t>19</a:t>
+            </a:fld>
+            <a:endParaRPr lang="zh-CN" altLang="en-US" dirty="0"/>
+          </a:p>
+        </p:txBody>
+      </p:sp>
     </p:spTree>
     <p:extLst>
       <p:ext uri="{BB962C8B-B14F-4D97-AF65-F5344CB8AC3E}">
@@ -7053,6 +7608,33 @@
           </a:p>
         </p:txBody>
       </p:sp>
+      <p:sp>
+        <p:nvSpPr>
+          <p:cNvPr id="4" name="幻灯片编号占位符 3"/>
+          <p:cNvSpPr>
+            <a:spLocks noGrp="1"/>
+          </p:cNvSpPr>
+          <p:nvPr>
+            <p:ph type="sldNum" sz="quarter" idx="10"/>
+          </p:nvPr>
+        </p:nvSpPr>
+        <p:spPr/>
+        <p:txBody>
+          <a:bodyPr/>
+          <a:lstStyle/>
+          <a:p>
+            <a:r>
+              <a:rPr lang="en-US" altLang="zh-CN" smtClean="0"/>
+              <a:t>7-</a:t>
+            </a:r>
+            <a:fld id="{A73EA82F-FF5D-4507-8448-F2EE48C3D6A9}" type="slidenum">
+              <a:rPr lang="zh-CN" altLang="en-US" smtClean="0"/>
+              <a:t>2</a:t>
+            </a:fld>
+            <a:endParaRPr lang="zh-CN" altLang="en-US" dirty="0"/>
+          </a:p>
+        </p:txBody>
+      </p:sp>
     </p:spTree>
     <p:extLst>
       <p:ext uri="{BB962C8B-B14F-4D97-AF65-F5344CB8AC3E}">
@@ -7135,6 +7717,33 @@
           </a:prstGeom>
         </p:spPr>
       </p:pic>
+      <p:sp>
+        <p:nvSpPr>
+          <p:cNvPr id="3" name="幻灯片编号占位符 2"/>
+          <p:cNvSpPr>
+            <a:spLocks noGrp="1"/>
+          </p:cNvSpPr>
+          <p:nvPr>
+            <p:ph type="sldNum" sz="quarter" idx="10"/>
+          </p:nvPr>
+        </p:nvSpPr>
+        <p:spPr/>
+        <p:txBody>
+          <a:bodyPr/>
+          <a:lstStyle/>
+          <a:p>
+            <a:r>
+              <a:rPr lang="en-US" altLang="zh-CN" smtClean="0"/>
+              <a:t>7-</a:t>
+            </a:r>
+            <a:fld id="{A73EA82F-FF5D-4507-8448-F2EE48C3D6A9}" type="slidenum">
+              <a:rPr lang="zh-CN" altLang="en-US" smtClean="0"/>
+              <a:t>20</a:t>
+            </a:fld>
+            <a:endParaRPr lang="zh-CN" altLang="en-US" dirty="0"/>
+          </a:p>
+        </p:txBody>
+      </p:sp>
     </p:spTree>
     <p:extLst>
       <p:ext uri="{BB962C8B-B14F-4D97-AF65-F5344CB8AC3E}">
@@ -7567,6 +8176,33 @@
           </a:p>
         </p:txBody>
       </p:sp>
+      <p:sp>
+        <p:nvSpPr>
+          <p:cNvPr id="4" name="幻灯片编号占位符 3"/>
+          <p:cNvSpPr>
+            <a:spLocks noGrp="1"/>
+          </p:cNvSpPr>
+          <p:nvPr>
+            <p:ph type="sldNum" sz="quarter" idx="10"/>
+          </p:nvPr>
+        </p:nvSpPr>
+        <p:spPr/>
+        <p:txBody>
+          <a:bodyPr/>
+          <a:lstStyle/>
+          <a:p>
+            <a:r>
+              <a:rPr lang="en-US" altLang="zh-CN" smtClean="0"/>
+              <a:t>7-</a:t>
+            </a:r>
+            <a:fld id="{A73EA82F-FF5D-4507-8448-F2EE48C3D6A9}" type="slidenum">
+              <a:rPr lang="zh-CN" altLang="en-US" smtClean="0"/>
+              <a:t>21</a:t>
+            </a:fld>
+            <a:endParaRPr lang="zh-CN" altLang="en-US" dirty="0"/>
+          </a:p>
+        </p:txBody>
+      </p:sp>
     </p:spTree>
     <p:extLst>
       <p:ext uri="{BB962C8B-B14F-4D97-AF65-F5344CB8AC3E}">
@@ -7621,6 +8257,33 @@
           </a:p>
         </p:txBody>
       </p:sp>
+      <p:sp>
+        <p:nvSpPr>
+          <p:cNvPr id="3" name="幻灯片编号占位符 2"/>
+          <p:cNvSpPr>
+            <a:spLocks noGrp="1"/>
+          </p:cNvSpPr>
+          <p:nvPr>
+            <p:ph type="sldNum" sz="quarter" idx="10"/>
+          </p:nvPr>
+        </p:nvSpPr>
+        <p:spPr/>
+        <p:txBody>
+          <a:bodyPr/>
+          <a:lstStyle/>
+          <a:p>
+            <a:r>
+              <a:rPr lang="en-US" altLang="zh-CN" smtClean="0"/>
+              <a:t>7-</a:t>
+            </a:r>
+            <a:fld id="{A73EA82F-FF5D-4507-8448-F2EE48C3D6A9}" type="slidenum">
+              <a:rPr lang="zh-CN" altLang="en-US" smtClean="0"/>
+              <a:t>22</a:t>
+            </a:fld>
+            <a:endParaRPr lang="zh-CN" altLang="en-US" dirty="0"/>
+          </a:p>
+        </p:txBody>
+      </p:sp>
     </p:spTree>
     <p:extLst>
       <p:ext uri="{BB962C8B-B14F-4D97-AF65-F5344CB8AC3E}">
@@ -7699,6 +8362,33 @@
           </a:prstGeom>
         </p:spPr>
       </p:pic>
+      <p:sp>
+        <p:nvSpPr>
+          <p:cNvPr id="3" name="幻灯片编号占位符 2"/>
+          <p:cNvSpPr>
+            <a:spLocks noGrp="1"/>
+          </p:cNvSpPr>
+          <p:nvPr>
+            <p:ph type="sldNum" sz="quarter" idx="10"/>
+          </p:nvPr>
+        </p:nvSpPr>
+        <p:spPr/>
+        <p:txBody>
+          <a:bodyPr/>
+          <a:lstStyle/>
+          <a:p>
+            <a:r>
+              <a:rPr lang="en-US" altLang="zh-CN" smtClean="0"/>
+              <a:t>7-</a:t>
+            </a:r>
+            <a:fld id="{A73EA82F-FF5D-4507-8448-F2EE48C3D6A9}" type="slidenum">
+              <a:rPr lang="zh-CN" altLang="en-US" smtClean="0"/>
+              <a:t>23</a:t>
+            </a:fld>
+            <a:endParaRPr lang="zh-CN" altLang="en-US" dirty="0"/>
+          </a:p>
+        </p:txBody>
+      </p:sp>
     </p:spTree>
     <p:extLst>
       <p:ext uri="{BB962C8B-B14F-4D97-AF65-F5344CB8AC3E}">
@@ -7785,6 +8475,33 @@
           </a:p>
         </p:txBody>
       </p:sp>
+      <p:sp>
+        <p:nvSpPr>
+          <p:cNvPr id="4" name="幻灯片编号占位符 3"/>
+          <p:cNvSpPr>
+            <a:spLocks noGrp="1"/>
+          </p:cNvSpPr>
+          <p:nvPr>
+            <p:ph type="sldNum" sz="quarter" idx="10"/>
+          </p:nvPr>
+        </p:nvSpPr>
+        <p:spPr/>
+        <p:txBody>
+          <a:bodyPr/>
+          <a:lstStyle/>
+          <a:p>
+            <a:r>
+              <a:rPr lang="en-US" altLang="zh-CN" smtClean="0"/>
+              <a:t>7-</a:t>
+            </a:r>
+            <a:fld id="{A73EA82F-FF5D-4507-8448-F2EE48C3D6A9}" type="slidenum">
+              <a:rPr lang="zh-CN" altLang="en-US" smtClean="0"/>
+              <a:t>24</a:t>
+            </a:fld>
+            <a:endParaRPr lang="zh-CN" altLang="en-US" dirty="0"/>
+          </a:p>
+        </p:txBody>
+      </p:sp>
     </p:spTree>
     <p:extLst>
       <p:ext uri="{BB962C8B-B14F-4D97-AF65-F5344CB8AC3E}">
@@ -7897,6 +8614,33 @@
           </a:p>
         </p:txBody>
       </p:sp>
+      <p:sp>
+        <p:nvSpPr>
+          <p:cNvPr id="4" name="幻灯片编号占位符 3"/>
+          <p:cNvSpPr>
+            <a:spLocks noGrp="1"/>
+          </p:cNvSpPr>
+          <p:nvPr>
+            <p:ph type="sldNum" sz="quarter" idx="10"/>
+          </p:nvPr>
+        </p:nvSpPr>
+        <p:spPr/>
+        <p:txBody>
+          <a:bodyPr/>
+          <a:lstStyle/>
+          <a:p>
+            <a:r>
+              <a:rPr lang="en-US" altLang="zh-CN" smtClean="0"/>
+              <a:t>7-</a:t>
+            </a:r>
+            <a:fld id="{A73EA82F-FF5D-4507-8448-F2EE48C3D6A9}" type="slidenum">
+              <a:rPr lang="zh-CN" altLang="en-US" smtClean="0"/>
+              <a:t>25</a:t>
+            </a:fld>
+            <a:endParaRPr lang="zh-CN" altLang="en-US" dirty="0"/>
+          </a:p>
+        </p:txBody>
+      </p:sp>
     </p:spTree>
     <p:extLst>
       <p:ext uri="{BB962C8B-B14F-4D97-AF65-F5344CB8AC3E}">
@@ -8042,6 +8786,33 @@
           </a:prstGeom>
         </p:spPr>
       </p:pic>
+      <p:sp>
+        <p:nvSpPr>
+          <p:cNvPr id="5" name="幻灯片编号占位符 4"/>
+          <p:cNvSpPr>
+            <a:spLocks noGrp="1"/>
+          </p:cNvSpPr>
+          <p:nvPr>
+            <p:ph type="sldNum" sz="quarter" idx="10"/>
+          </p:nvPr>
+        </p:nvSpPr>
+        <p:spPr/>
+        <p:txBody>
+          <a:bodyPr/>
+          <a:lstStyle/>
+          <a:p>
+            <a:r>
+              <a:rPr lang="en-US" altLang="zh-CN" smtClean="0"/>
+              <a:t>7-</a:t>
+            </a:r>
+            <a:fld id="{A73EA82F-FF5D-4507-8448-F2EE48C3D6A9}" type="slidenum">
+              <a:rPr lang="zh-CN" altLang="en-US" smtClean="0"/>
+              <a:t>26</a:t>
+            </a:fld>
+            <a:endParaRPr lang="zh-CN" altLang="en-US" dirty="0"/>
+          </a:p>
+        </p:txBody>
+      </p:sp>
     </p:spTree>
     <p:extLst>
       <p:ext uri="{BB962C8B-B14F-4D97-AF65-F5344CB8AC3E}">
@@ -8513,6 +9284,33 @@
           </a:p>
         </p:txBody>
       </p:sp>
+      <p:sp>
+        <p:nvSpPr>
+          <p:cNvPr id="8" name="幻灯片编号占位符 7"/>
+          <p:cNvSpPr>
+            <a:spLocks noGrp="1"/>
+          </p:cNvSpPr>
+          <p:nvPr>
+            <p:ph type="sldNum" sz="quarter" idx="10"/>
+          </p:nvPr>
+        </p:nvSpPr>
+        <p:spPr/>
+        <p:txBody>
+          <a:bodyPr/>
+          <a:lstStyle/>
+          <a:p>
+            <a:r>
+              <a:rPr lang="en-US" altLang="zh-CN" smtClean="0"/>
+              <a:t>7-</a:t>
+            </a:r>
+            <a:fld id="{A73EA82F-FF5D-4507-8448-F2EE48C3D6A9}" type="slidenum">
+              <a:rPr lang="zh-CN" altLang="en-US" smtClean="0"/>
+              <a:t>3</a:t>
+            </a:fld>
+            <a:endParaRPr lang="zh-CN" altLang="en-US" dirty="0"/>
+          </a:p>
+        </p:txBody>
+      </p:sp>
     </p:spTree>
     <p:extLst>
       <p:ext uri="{BB962C8B-B14F-4D97-AF65-F5344CB8AC3E}">
@@ -8917,6 +9715,33 @@
           </a:p>
         </p:txBody>
       </p:sp>
+      <p:sp>
+        <p:nvSpPr>
+          <p:cNvPr id="5" name="幻灯片编号占位符 4"/>
+          <p:cNvSpPr>
+            <a:spLocks noGrp="1"/>
+          </p:cNvSpPr>
+          <p:nvPr>
+            <p:ph type="sldNum" sz="quarter" idx="10"/>
+          </p:nvPr>
+        </p:nvSpPr>
+        <p:spPr/>
+        <p:txBody>
+          <a:bodyPr/>
+          <a:lstStyle/>
+          <a:p>
+            <a:r>
+              <a:rPr lang="en-US" altLang="zh-CN" smtClean="0"/>
+              <a:t>7-</a:t>
+            </a:r>
+            <a:fld id="{A73EA82F-FF5D-4507-8448-F2EE48C3D6A9}" type="slidenum">
+              <a:rPr lang="zh-CN" altLang="en-US" smtClean="0"/>
+              <a:t>4</a:t>
+            </a:fld>
+            <a:endParaRPr lang="zh-CN" altLang="en-US" dirty="0"/>
+          </a:p>
+        </p:txBody>
+      </p:sp>
     </p:spTree>
     <p:extLst>
       <p:ext uri="{BB962C8B-B14F-4D97-AF65-F5344CB8AC3E}">
@@ -9002,6 +9827,33 @@
           </a:prstGeom>
         </p:spPr>
       </p:pic>
+      <p:sp>
+        <p:nvSpPr>
+          <p:cNvPr id="3" name="幻灯片编号占位符 2"/>
+          <p:cNvSpPr>
+            <a:spLocks noGrp="1"/>
+          </p:cNvSpPr>
+          <p:nvPr>
+            <p:ph type="sldNum" sz="quarter" idx="10"/>
+          </p:nvPr>
+        </p:nvSpPr>
+        <p:spPr/>
+        <p:txBody>
+          <a:bodyPr/>
+          <a:lstStyle/>
+          <a:p>
+            <a:r>
+              <a:rPr lang="en-US" altLang="zh-CN" smtClean="0"/>
+              <a:t>7-</a:t>
+            </a:r>
+            <a:fld id="{A73EA82F-FF5D-4507-8448-F2EE48C3D6A9}" type="slidenum">
+              <a:rPr lang="zh-CN" altLang="en-US" smtClean="0"/>
+              <a:t>5</a:t>
+            </a:fld>
+            <a:endParaRPr lang="zh-CN" altLang="en-US" dirty="0"/>
+          </a:p>
+        </p:txBody>
+      </p:sp>
     </p:spTree>
     <p:extLst>
       <p:ext uri="{BB962C8B-B14F-4D97-AF65-F5344CB8AC3E}">
@@ -9170,6 +10022,33 @@
           </a:p>
         </p:txBody>
       </p:sp>
+      <p:sp>
+        <p:nvSpPr>
+          <p:cNvPr id="4" name="幻灯片编号占位符 3"/>
+          <p:cNvSpPr>
+            <a:spLocks noGrp="1"/>
+          </p:cNvSpPr>
+          <p:nvPr>
+            <p:ph type="sldNum" sz="quarter" idx="10"/>
+          </p:nvPr>
+        </p:nvSpPr>
+        <p:spPr/>
+        <p:txBody>
+          <a:bodyPr/>
+          <a:lstStyle/>
+          <a:p>
+            <a:r>
+              <a:rPr lang="en-US" altLang="zh-CN" smtClean="0"/>
+              <a:t>7-</a:t>
+            </a:r>
+            <a:fld id="{A73EA82F-FF5D-4507-8448-F2EE48C3D6A9}" type="slidenum">
+              <a:rPr lang="zh-CN" altLang="en-US" smtClean="0"/>
+              <a:t>6</a:t>
+            </a:fld>
+            <a:endParaRPr lang="zh-CN" altLang="en-US" dirty="0"/>
+          </a:p>
+        </p:txBody>
+      </p:sp>
     </p:spTree>
     <p:extLst>
       <p:ext uri="{BB962C8B-B14F-4D97-AF65-F5344CB8AC3E}">
@@ -9304,6 +10183,33 @@
           </a:p>
         </p:txBody>
       </p:sp>
+      <p:sp>
+        <p:nvSpPr>
+          <p:cNvPr id="4" name="幻灯片编号占位符 3"/>
+          <p:cNvSpPr>
+            <a:spLocks noGrp="1"/>
+          </p:cNvSpPr>
+          <p:nvPr>
+            <p:ph type="sldNum" sz="quarter" idx="10"/>
+          </p:nvPr>
+        </p:nvSpPr>
+        <p:spPr/>
+        <p:txBody>
+          <a:bodyPr/>
+          <a:lstStyle/>
+          <a:p>
+            <a:r>
+              <a:rPr lang="en-US" altLang="zh-CN" smtClean="0"/>
+              <a:t>7-</a:t>
+            </a:r>
+            <a:fld id="{A73EA82F-FF5D-4507-8448-F2EE48C3D6A9}" type="slidenum">
+              <a:rPr lang="zh-CN" altLang="en-US" smtClean="0"/>
+              <a:t>7</a:t>
+            </a:fld>
+            <a:endParaRPr lang="zh-CN" altLang="en-US" dirty="0"/>
+          </a:p>
+        </p:txBody>
+      </p:sp>
     </p:spTree>
     <p:extLst>
       <p:ext uri="{BB962C8B-B14F-4D97-AF65-F5344CB8AC3E}">
@@ -9361,6 +10267,33 @@
           </a:p>
         </p:txBody>
       </p:sp>
+      <p:sp>
+        <p:nvSpPr>
+          <p:cNvPr id="3" name="幻灯片编号占位符 2"/>
+          <p:cNvSpPr>
+            <a:spLocks noGrp="1"/>
+          </p:cNvSpPr>
+          <p:nvPr>
+            <p:ph type="sldNum" sz="quarter" idx="10"/>
+          </p:nvPr>
+        </p:nvSpPr>
+        <p:spPr/>
+        <p:txBody>
+          <a:bodyPr/>
+          <a:lstStyle/>
+          <a:p>
+            <a:r>
+              <a:rPr lang="en-US" altLang="zh-CN" smtClean="0"/>
+              <a:t>7-</a:t>
+            </a:r>
+            <a:fld id="{A73EA82F-FF5D-4507-8448-F2EE48C3D6A9}" type="slidenum">
+              <a:rPr lang="zh-CN" altLang="en-US" smtClean="0"/>
+              <a:t>8</a:t>
+            </a:fld>
+            <a:endParaRPr lang="zh-CN" altLang="en-US" dirty="0"/>
+          </a:p>
+        </p:txBody>
+      </p:sp>
     </p:spTree>
     <p:extLst>
       <p:ext uri="{BB962C8B-B14F-4D97-AF65-F5344CB8AC3E}">
@@ -9556,6 +10489,33 @@
                 <a:srgbClr val="0000FF"/>
               </a:solidFill>
             </a:endParaRPr>
+          </a:p>
+        </p:txBody>
+      </p:sp>
+      <p:sp>
+        <p:nvSpPr>
+          <p:cNvPr id="4" name="幻灯片编号占位符 3"/>
+          <p:cNvSpPr>
+            <a:spLocks noGrp="1"/>
+          </p:cNvSpPr>
+          <p:nvPr>
+            <p:ph type="sldNum" sz="quarter" idx="10"/>
+          </p:nvPr>
+        </p:nvSpPr>
+        <p:spPr/>
+        <p:txBody>
+          <a:bodyPr/>
+          <a:lstStyle/>
+          <a:p>
+            <a:r>
+              <a:rPr lang="en-US" altLang="zh-CN" smtClean="0"/>
+              <a:t>7-</a:t>
+            </a:r>
+            <a:fld id="{A73EA82F-FF5D-4507-8448-F2EE48C3D6A9}" type="slidenum">
+              <a:rPr lang="zh-CN" altLang="en-US" smtClean="0"/>
+              <a:t>9</a:t>
+            </a:fld>
+            <a:endParaRPr lang="zh-CN" altLang="en-US" dirty="0"/>
           </a:p>
         </p:txBody>
       </p:sp>
@@ -10474,6 +11434,267 @@
 </a:theme>
 </file>
 
+<file path=ppt/theme/theme3.xml><?xml version="1.0" encoding="utf-8"?>
+<a:theme xmlns:a="http://schemas.openxmlformats.org/drawingml/2006/main" name="Office 主题">
+  <a:themeElements>
+    <a:clrScheme name="Office">
+      <a:dk1>
+        <a:sysClr val="windowText" lastClr="000000"/>
+      </a:dk1>
+      <a:lt1>
+        <a:sysClr val="window" lastClr="FFFFFF"/>
+      </a:lt1>
+      <a:dk2>
+        <a:srgbClr val="44546A"/>
+      </a:dk2>
+      <a:lt2>
+        <a:srgbClr val="E7E6E6"/>
+      </a:lt2>
+      <a:accent1>
+        <a:srgbClr val="4472C4"/>
+      </a:accent1>
+      <a:accent2>
+        <a:srgbClr val="ED7D31"/>
+      </a:accent2>
+      <a:accent3>
+        <a:srgbClr val="A5A5A5"/>
+      </a:accent3>
+      <a:accent4>
+        <a:srgbClr val="FFC000"/>
+      </a:accent4>
+      <a:accent5>
+        <a:srgbClr val="5B9BD5"/>
+      </a:accent5>
+      <a:accent6>
+        <a:srgbClr val="70AD47"/>
+      </a:accent6>
+      <a:hlink>
+        <a:srgbClr val="0563C1"/>
+      </a:hlink>
+      <a:folHlink>
+        <a:srgbClr val="954F72"/>
+      </a:folHlink>
+    </a:clrScheme>
+    <a:fontScheme name="Office">
+      <a:majorFont>
+        <a:latin typeface="DengXian Light" panose="020F0302020204030204"/>
+        <a:ea typeface=""/>
+        <a:cs typeface=""/>
+        <a:font script="Jpan" typeface="Yu Gothic Light"/>
+        <a:font script="Hang" typeface="맑은 고딕"/>
+        <a:font script="Hans" typeface="DengXian Light"/>
+        <a:font script="Hant" typeface="新細明體"/>
+        <a:font script="Arab" typeface="Times New Roman"/>
+        <a:font script="Hebr" typeface="Times New Roman"/>
+        <a:font script="Thai" typeface="Angsana New"/>
+        <a:font script="Ethi" typeface="Nyala"/>
+        <a:font script="Beng" typeface="Vrinda"/>
+        <a:font script="Gujr" typeface="Shruti"/>
+        <a:font script="Khmr" typeface="MoolBoran"/>
+        <a:font script="Knda" typeface="Tunga"/>
+        <a:font script="Guru" typeface="Raavi"/>
+        <a:font script="Cans" typeface="Euphemia"/>
+        <a:font script="Cher" typeface="Plantagenet Cherokee"/>
+        <a:font script="Yiii" typeface="Microsoft Yi Baiti"/>
+        <a:font script="Tibt" typeface="Microsoft Himalaya"/>
+        <a:font script="Thaa" typeface="MV Boli"/>
+        <a:font script="Deva" typeface="Mangal"/>
+        <a:font script="Telu" typeface="Gautami"/>
+        <a:font script="Taml" typeface="Latha"/>
+        <a:font script="Syrc" typeface="Estrangelo Edessa"/>
+        <a:font script="Orya" typeface="Kalinga"/>
+        <a:font script="Mlym" typeface="Kartika"/>
+        <a:font script="Laoo" typeface="DokChampa"/>
+        <a:font script="Sinh" typeface="Iskoola Pota"/>
+        <a:font script="Mong" typeface="Mongolian Baiti"/>
+        <a:font script="Viet" typeface="Times New Roman"/>
+        <a:font script="Uigh" typeface="Microsoft Uighur"/>
+        <a:font script="Geor" typeface="Sylfaen"/>
+      </a:majorFont>
+      <a:minorFont>
+        <a:latin typeface="DengXian" panose="020F0502020204030204"/>
+        <a:ea typeface=""/>
+        <a:cs typeface=""/>
+        <a:font script="Jpan" typeface="Yu Gothic"/>
+        <a:font script="Hang" typeface="맑은 고딕"/>
+        <a:font script="Hans" typeface="DengXian"/>
+        <a:font script="Hant" typeface="新細明體"/>
+        <a:font script="Arab" typeface="Arial"/>
+        <a:font script="Hebr" typeface="Arial"/>
+        <a:font script="Thai" typeface="Cordia New"/>
+        <a:font script="Ethi" typeface="Nyala"/>
+        <a:font script="Beng" typeface="Vrinda"/>
+        <a:font script="Gujr" typeface="Shruti"/>
+        <a:font script="Khmr" typeface="DaunPenh"/>
+        <a:font script="Knda" typeface="Tunga"/>
+        <a:font script="Guru" typeface="Raavi"/>
+        <a:font script="Cans" typeface="Euphemia"/>
+        <a:font script="Cher" typeface="Plantagenet Cherokee"/>
+        <a:font script="Yiii" typeface="Microsoft Yi Baiti"/>
+        <a:font script="Tibt" typeface="Microsoft Himalaya"/>
+        <a:font script="Thaa" typeface="MV Boli"/>
+        <a:font script="Deva" typeface="Mangal"/>
+        <a:font script="Telu" typeface="Gautami"/>
+        <a:font script="Taml" typeface="Latha"/>
+        <a:font script="Syrc" typeface="Estrangelo Edessa"/>
+        <a:font script="Orya" typeface="Kalinga"/>
+        <a:font script="Mlym" typeface="Kartika"/>
+        <a:font script="Laoo" typeface="DokChampa"/>
+        <a:font script="Sinh" typeface="Iskoola Pota"/>
+        <a:font script="Mong" typeface="Mongolian Baiti"/>
+        <a:font script="Viet" typeface="Arial"/>
+        <a:font script="Uigh" typeface="Microsoft Uighur"/>
+        <a:font script="Geor" typeface="Sylfaen"/>
+      </a:minorFont>
+    </a:fontScheme>
+    <a:fmtScheme name="Office">
+      <a:fillStyleLst>
+        <a:solidFill>
+          <a:schemeClr val="phClr"/>
+        </a:solidFill>
+        <a:gradFill rotWithShape="1">
+          <a:gsLst>
+            <a:gs pos="0">
+              <a:schemeClr val="phClr">
+                <a:lumMod val="110000"/>
+                <a:satMod val="105000"/>
+                <a:tint val="67000"/>
+              </a:schemeClr>
+            </a:gs>
+            <a:gs pos="50000">
+              <a:schemeClr val="phClr">
+                <a:lumMod val="105000"/>
+                <a:satMod val="103000"/>
+                <a:tint val="73000"/>
+              </a:schemeClr>
+            </a:gs>
+            <a:gs pos="100000">
+              <a:schemeClr val="phClr">
+                <a:lumMod val="105000"/>
+                <a:satMod val="109000"/>
+                <a:tint val="81000"/>
+              </a:schemeClr>
+            </a:gs>
+          </a:gsLst>
+          <a:lin ang="5400000" scaled="0"/>
+        </a:gradFill>
+        <a:gradFill rotWithShape="1">
+          <a:gsLst>
+            <a:gs pos="0">
+              <a:schemeClr val="phClr">
+                <a:satMod val="103000"/>
+                <a:lumMod val="102000"/>
+                <a:tint val="94000"/>
+              </a:schemeClr>
+            </a:gs>
+            <a:gs pos="50000">
+              <a:schemeClr val="phClr">
+                <a:satMod val="110000"/>
+                <a:lumMod val="100000"/>
+                <a:shade val="100000"/>
+              </a:schemeClr>
+            </a:gs>
+            <a:gs pos="100000">
+              <a:schemeClr val="phClr">
+                <a:lumMod val="99000"/>
+                <a:satMod val="120000"/>
+                <a:shade val="78000"/>
+              </a:schemeClr>
+            </a:gs>
+          </a:gsLst>
+          <a:lin ang="5400000" scaled="0"/>
+        </a:gradFill>
+      </a:fillStyleLst>
+      <a:lnStyleLst>
+        <a:ln w="6350" cap="flat" cmpd="sng" algn="ctr">
+          <a:solidFill>
+            <a:schemeClr val="phClr"/>
+          </a:solidFill>
+          <a:prstDash val="solid"/>
+          <a:miter lim="800000"/>
+        </a:ln>
+        <a:ln w="12700" cap="flat" cmpd="sng" algn="ctr">
+          <a:solidFill>
+            <a:schemeClr val="phClr"/>
+          </a:solidFill>
+          <a:prstDash val="solid"/>
+          <a:miter lim="800000"/>
+        </a:ln>
+        <a:ln w="19050" cap="flat" cmpd="sng" algn="ctr">
+          <a:solidFill>
+            <a:schemeClr val="phClr"/>
+          </a:solidFill>
+          <a:prstDash val="solid"/>
+          <a:miter lim="800000"/>
+        </a:ln>
+      </a:lnStyleLst>
+      <a:effectStyleLst>
+        <a:effectStyle>
+          <a:effectLst/>
+        </a:effectStyle>
+        <a:effectStyle>
+          <a:effectLst/>
+        </a:effectStyle>
+        <a:effectStyle>
+          <a:effectLst>
+            <a:outerShdw blurRad="57150" dist="19050" dir="5400000" algn="ctr" rotWithShape="0">
+              <a:srgbClr val="000000">
+                <a:alpha val="63000"/>
+              </a:srgbClr>
+            </a:outerShdw>
+          </a:effectLst>
+        </a:effectStyle>
+      </a:effectStyleLst>
+      <a:bgFillStyleLst>
+        <a:solidFill>
+          <a:schemeClr val="phClr"/>
+        </a:solidFill>
+        <a:solidFill>
+          <a:schemeClr val="phClr">
+            <a:tint val="95000"/>
+            <a:satMod val="170000"/>
+          </a:schemeClr>
+        </a:solidFill>
+        <a:gradFill rotWithShape="1">
+          <a:gsLst>
+            <a:gs pos="0">
+              <a:schemeClr val="phClr">
+                <a:tint val="93000"/>
+                <a:satMod val="150000"/>
+                <a:shade val="98000"/>
+                <a:lumMod val="102000"/>
+              </a:schemeClr>
+            </a:gs>
+            <a:gs pos="50000">
+              <a:schemeClr val="phClr">
+                <a:tint val="98000"/>
+                <a:satMod val="130000"/>
+                <a:shade val="90000"/>
+                <a:lumMod val="103000"/>
+              </a:schemeClr>
+            </a:gs>
+            <a:gs pos="100000">
+              <a:schemeClr val="phClr">
+                <a:shade val="63000"/>
+                <a:satMod val="120000"/>
+              </a:schemeClr>
+            </a:gs>
+          </a:gsLst>
+          <a:lin ang="5400000" scaled="0"/>
+        </a:gradFill>
+      </a:bgFillStyleLst>
+    </a:fmtScheme>
+  </a:themeElements>
+  <a:objectDefaults/>
+  <a:extraClrSchemeLst/>
+  <a:extLst>
+    <a:ext uri="{05A4C25C-085E-4340-85A3-A5531E510DB2}">
+      <thm15:themeFamily xmlns:thm15="http://schemas.microsoft.com/office/thememl/2012/main" name="Office Theme" id="{62F939B6-93AF-4DB8-9C6B-D6C7DFDC589F}" vid="{4A3C46E8-61CC-4603-A589-7422A47A8E4A}"/>
+    </a:ext>
+  </a:extLst>
+</a:theme>
+</file>
+
 <file path=ppt/theme/themeOverride1.xml><?xml version="1.0" encoding="utf-8"?>
 <a:themeOverride xmlns:a="http://schemas.openxmlformats.org/drawingml/2006/main">
   <a:clrScheme name="Blends 2">

--- a/ppt/chapter 7.pptx
+++ b/ppt/chapter 7.pptx
@@ -5,10 +5,10 @@
     <p:sldMasterId id="2147483660" r:id="rId1"/>
   </p:sldMasterIdLst>
   <p:notesMasterIdLst>
-    <p:notesMasterId r:id="rId28"/>
+    <p:notesMasterId r:id="rId27"/>
   </p:notesMasterIdLst>
   <p:handoutMasterIdLst>
-    <p:handoutMasterId r:id="rId29"/>
+    <p:handoutMasterId r:id="rId28"/>
   </p:handoutMasterIdLst>
   <p:sldIdLst>
     <p:sldId id="256" r:id="rId2"/>
@@ -36,7 +36,6 @@
     <p:sldId id="276" r:id="rId24"/>
     <p:sldId id="279" r:id="rId25"/>
     <p:sldId id="280" r:id="rId26"/>
-    <p:sldId id="282" r:id="rId27"/>
   </p:sldIdLst>
   <p:sldSz cx="12192000" cy="6858000"/>
   <p:notesSz cx="6858000" cy="9144000"/>
@@ -139,6 +138,9 @@
     <p:ext uri="{EFAFB233-063F-42B5-8137-9DF3F51BA10A}">
       <p15:sldGuideLst xmlns:p15="http://schemas.microsoft.com/office/powerpoint/2012/main"/>
     </p:ext>
+    <p:ext uri="{2D200454-40CA-4A62-9FC3-DE9A4176ACB9}">
+      <p15:notesGuideLst xmlns:p15="http://schemas.microsoft.com/office/powerpoint/2012/main"/>
+    </p:ext>
   </p:extLst>
 </p:presentation>
 </file>
@@ -233,7 +235,7 @@
           <a:p>
             <a:fld id="{D663D772-940C-1E41-9D58-26A81223DCC5}" type="datetimeFigureOut">
               <a:rPr kumimoji="1" lang="zh-CN" altLang="en-US" smtClean="0"/>
-              <a:t>2019/4/17</a:t>
+              <a:t>2019/4/24</a:t>
             </a:fld>
             <a:endParaRPr kumimoji="1" lang="zh-CN" altLang="en-US"/>
           </a:p>
@@ -398,7 +400,7 @@
           <a:p>
             <a:fld id="{58876C6E-B1FE-4CC0-90D8-EC39C27F390F}" type="datetimeFigureOut">
               <a:rPr lang="zh-CN" altLang="en-US" smtClean="0"/>
-              <a:t>2019/4/17</a:t>
+              <a:t>2019/4/24</a:t>
             </a:fld>
             <a:endParaRPr lang="zh-CN" altLang="en-US"/>
           </a:p>
@@ -741,90 +743,6 @@
     <p:extLst>
       <p:ext uri="{BB962C8B-B14F-4D97-AF65-F5344CB8AC3E}">
         <p14:creationId xmlns:p14="http://schemas.microsoft.com/office/powerpoint/2010/main" val="1008048690"/>
-      </p:ext>
-    </p:extLst>
-  </p:cSld>
-  <p:clrMapOvr>
-    <a:masterClrMapping/>
-  </p:clrMapOvr>
-</p:notes>
-</file>
-
-<file path=ppt/notesSlides/notesSlide2.xml><?xml version="1.0" encoding="utf-8"?>
-<p:notes xmlns:a="http://schemas.openxmlformats.org/drawingml/2006/main" xmlns:r="http://schemas.openxmlformats.org/officeDocument/2006/relationships" xmlns:p="http://schemas.openxmlformats.org/presentationml/2006/main">
-  <p:cSld>
-    <p:spTree>
-      <p:nvGrpSpPr>
-        <p:cNvPr id="1" name=""/>
-        <p:cNvGrpSpPr/>
-        <p:nvPr/>
-      </p:nvGrpSpPr>
-      <p:grpSpPr>
-        <a:xfrm>
-          <a:off x="0" y="0"/>
-          <a:ext cx="0" cy="0"/>
-          <a:chOff x="0" y="0"/>
-          <a:chExt cx="0" cy="0"/>
-        </a:xfrm>
-      </p:grpSpPr>
-      <p:sp>
-        <p:nvSpPr>
-          <p:cNvPr id="2" name="幻灯片图像占位符 1"/>
-          <p:cNvSpPr>
-            <a:spLocks noGrp="1" noRot="1" noChangeAspect="1"/>
-          </p:cNvSpPr>
-          <p:nvPr>
-            <p:ph type="sldImg"/>
-          </p:nvPr>
-        </p:nvSpPr>
-        <p:spPr/>
-      </p:sp>
-      <p:sp>
-        <p:nvSpPr>
-          <p:cNvPr id="3" name="备注占位符 2"/>
-          <p:cNvSpPr>
-            <a:spLocks noGrp="1"/>
-          </p:cNvSpPr>
-          <p:nvPr>
-            <p:ph type="body" idx="1"/>
-          </p:nvPr>
-        </p:nvSpPr>
-        <p:spPr/>
-        <p:txBody>
-          <a:bodyPr/>
-          <a:lstStyle/>
-          <a:p>
-            <a:endParaRPr lang="zh-CN" altLang="en-US" dirty="0"/>
-          </a:p>
-        </p:txBody>
-      </p:sp>
-      <p:sp>
-        <p:nvSpPr>
-          <p:cNvPr id="4" name="灯片编号占位符 3"/>
-          <p:cNvSpPr>
-            <a:spLocks noGrp="1"/>
-          </p:cNvSpPr>
-          <p:nvPr>
-            <p:ph type="sldNum" sz="quarter" idx="10"/>
-          </p:nvPr>
-        </p:nvSpPr>
-        <p:spPr/>
-        <p:txBody>
-          <a:bodyPr/>
-          <a:lstStyle/>
-          <a:p>
-            <a:fld id="{EAAA54E0-E54F-4192-A255-6BED4914879F}" type="slidenum">
-              <a:rPr lang="zh-CN" altLang="en-US" smtClean="0"/>
-              <a:t>26</a:t>
-            </a:fld>
-            <a:endParaRPr lang="zh-CN" altLang="en-US"/>
-          </a:p>
-        </p:txBody>
-      </p:sp>
-    </p:spTree>
-    <p:extLst>
-      <p:ext uri="{BB962C8B-B14F-4D97-AF65-F5344CB8AC3E}">
-        <p14:creationId xmlns:p14="http://schemas.microsoft.com/office/powerpoint/2010/main" val="3980852063"/>
       </p:ext>
     </p:extLst>
   </p:cSld>
@@ -8645,178 +8563,6 @@
     <p:extLst>
       <p:ext uri="{BB962C8B-B14F-4D97-AF65-F5344CB8AC3E}">
         <p14:creationId xmlns:p14="http://schemas.microsoft.com/office/powerpoint/2010/main" val="4221184638"/>
-      </p:ext>
-    </p:extLst>
-  </p:cSld>
-  <p:clrMapOvr>
-    <a:masterClrMapping/>
-  </p:clrMapOvr>
-  <p:transition spd="med"/>
-</p:sld>
-</file>
-
-<file path=ppt/slides/slide26.xml><?xml version="1.0" encoding="utf-8"?>
-<p:sld xmlns:a="http://schemas.openxmlformats.org/drawingml/2006/main" xmlns:r="http://schemas.openxmlformats.org/officeDocument/2006/relationships" xmlns:p="http://schemas.openxmlformats.org/presentationml/2006/main">
-  <p:cSld>
-    <p:spTree>
-      <p:nvGrpSpPr>
-        <p:cNvPr id="1" name=""/>
-        <p:cNvGrpSpPr/>
-        <p:nvPr/>
-      </p:nvGrpSpPr>
-      <p:grpSpPr>
-        <a:xfrm>
-          <a:off x="0" y="0"/>
-          <a:ext cx="0" cy="0"/>
-          <a:chOff x="0" y="0"/>
-          <a:chExt cx="0" cy="0"/>
-        </a:xfrm>
-      </p:grpSpPr>
-      <p:sp>
-        <p:nvSpPr>
-          <p:cNvPr id="2" name="标题 1"/>
-          <p:cNvSpPr>
-            <a:spLocks noGrp="1"/>
-          </p:cNvSpPr>
-          <p:nvPr>
-            <p:ph type="title"/>
-          </p:nvPr>
-        </p:nvSpPr>
-        <p:spPr/>
-        <p:txBody>
-          <a:bodyPr/>
-          <a:lstStyle/>
-          <a:p>
-            <a:r>
-              <a:rPr lang="en-US" altLang="zh-CN" dirty="0" smtClean="0"/>
-              <a:t>Project submit</a:t>
-            </a:r>
-            <a:endParaRPr lang="zh-CN" altLang="en-US" dirty="0"/>
-          </a:p>
-        </p:txBody>
-      </p:sp>
-      <p:sp>
-        <p:nvSpPr>
-          <p:cNvPr id="3" name="内容占位符 2"/>
-          <p:cNvSpPr>
-            <a:spLocks noGrp="1"/>
-          </p:cNvSpPr>
-          <p:nvPr>
-            <p:ph idx="1"/>
-          </p:nvPr>
-        </p:nvSpPr>
-        <p:spPr>
-          <a:xfrm>
-            <a:off x="999000" y="1464415"/>
-            <a:ext cx="10515600" cy="4351338"/>
-          </a:xfrm>
-        </p:spPr>
-        <p:txBody>
-          <a:bodyPr>
-            <a:normAutofit/>
-          </a:bodyPr>
-          <a:lstStyle/>
-          <a:p>
-            <a:pPr marL="0" indent="0">
-              <a:buNone/>
-            </a:pPr>
-            <a:r>
-              <a:rPr lang="en-US" altLang="zh-CN" sz="3600" dirty="0" smtClean="0"/>
-              <a:t>172.18.5.102</a:t>
-            </a:r>
-            <a:endParaRPr lang="en-US" altLang="zh-CN" sz="3600" dirty="0"/>
-          </a:p>
-          <a:p>
-            <a:pPr marL="0" indent="0">
-              <a:buNone/>
-            </a:pPr>
-            <a:r>
-              <a:rPr lang="en-US" altLang="zh-CN" sz="3600" dirty="0" smtClean="0"/>
-              <a:t>User:  </a:t>
-            </a:r>
-            <a:r>
-              <a:rPr lang="en-US" altLang="zh-CN" sz="3600" dirty="0" err="1" smtClean="0"/>
-              <a:t>dailiyun</a:t>
-            </a:r>
-            <a:endParaRPr lang="en-US" altLang="zh-CN" sz="3600" dirty="0" smtClean="0"/>
-          </a:p>
-          <a:p>
-            <a:pPr marL="0" indent="0">
-              <a:buNone/>
-            </a:pPr>
-            <a:r>
-              <a:rPr lang="en-US" altLang="zh-CN" sz="3600" dirty="0" smtClean="0"/>
-              <a:t>Password: </a:t>
-            </a:r>
-            <a:r>
-              <a:rPr lang="en-US" altLang="zh-CN" sz="3600" dirty="0" err="1" smtClean="0"/>
-              <a:t>dailiyun</a:t>
-            </a:r>
-            <a:endParaRPr lang="en-US" altLang="zh-CN" sz="3600" dirty="0" smtClean="0"/>
-          </a:p>
-          <a:p>
-            <a:pPr marL="0" indent="0">
-              <a:buNone/>
-            </a:pPr>
-            <a:endParaRPr lang="zh-CN" altLang="en-US" sz="3600" dirty="0"/>
-          </a:p>
-        </p:txBody>
-      </p:sp>
-      <p:pic>
-        <p:nvPicPr>
-          <p:cNvPr id="4" name="图片 3"/>
-          <p:cNvPicPr>
-            <a:picLocks noChangeAspect="1"/>
-          </p:cNvPicPr>
-          <p:nvPr/>
-        </p:nvPicPr>
-        <p:blipFill>
-          <a:blip r:embed="rId3"/>
-          <a:stretch>
-            <a:fillRect/>
-          </a:stretch>
-        </p:blipFill>
-        <p:spPr>
-          <a:xfrm>
-            <a:off x="1208995" y="3348207"/>
-            <a:ext cx="7850164" cy="3184568"/>
-          </a:xfrm>
-          <a:prstGeom prst="rect">
-            <a:avLst/>
-          </a:prstGeom>
-        </p:spPr>
-      </p:pic>
-      <p:sp>
-        <p:nvSpPr>
-          <p:cNvPr id="5" name="幻灯片编号占位符 4"/>
-          <p:cNvSpPr>
-            <a:spLocks noGrp="1"/>
-          </p:cNvSpPr>
-          <p:nvPr>
-            <p:ph type="sldNum" sz="quarter" idx="10"/>
-          </p:nvPr>
-        </p:nvSpPr>
-        <p:spPr/>
-        <p:txBody>
-          <a:bodyPr/>
-          <a:lstStyle/>
-          <a:p>
-            <a:r>
-              <a:rPr lang="en-US" altLang="zh-CN" smtClean="0"/>
-              <a:t>7-</a:t>
-            </a:r>
-            <a:fld id="{A73EA82F-FF5D-4507-8448-F2EE48C3D6A9}" type="slidenum">
-              <a:rPr lang="zh-CN" altLang="en-US" smtClean="0"/>
-              <a:t>26</a:t>
-            </a:fld>
-            <a:endParaRPr lang="zh-CN" altLang="en-US" dirty="0"/>
-          </a:p>
-        </p:txBody>
-      </p:sp>
-    </p:spTree>
-    <p:extLst>
-      <p:ext uri="{BB962C8B-B14F-4D97-AF65-F5344CB8AC3E}">
-        <p14:creationId xmlns:p14="http://schemas.microsoft.com/office/powerpoint/2010/main" val="527127618"/>
       </p:ext>
     </p:extLst>
   </p:cSld>

--- a/ppt/chapter 7.pptx
+++ b/ppt/chapter 7.pptx
@@ -235,7 +235,7 @@
           <a:p>
             <a:fld id="{D663D772-940C-1E41-9D58-26A81223DCC5}" type="datetimeFigureOut">
               <a:rPr kumimoji="1" lang="zh-CN" altLang="en-US" smtClean="0"/>
-              <a:t>2019/4/24</a:t>
+              <a:t>2019/5/8</a:t>
             </a:fld>
             <a:endParaRPr kumimoji="1" lang="zh-CN" altLang="en-US"/>
           </a:p>
@@ -400,7 +400,7 @@
           <a:p>
             <a:fld id="{58876C6E-B1FE-4CC0-90D8-EC39C27F390F}" type="datetimeFigureOut">
               <a:rPr lang="zh-CN" altLang="en-US" smtClean="0"/>
-              <a:t>2019/4/24</a:t>
+              <a:t>2019/5/8</a:t>
             </a:fld>
             <a:endParaRPr lang="zh-CN" altLang="en-US"/>
           </a:p>
@@ -8468,7 +8468,7 @@
           <a:p>
             <a:r>
               <a:rPr lang="en-US" altLang="zh-CN" dirty="0" smtClean="0"/>
-              <a:t>Project </a:t>
+              <a:t>Project 2</a:t>
             </a:r>
             <a:endParaRPr lang="zh-CN" altLang="en-US" dirty="0"/>
           </a:p>
@@ -8505,16 +8505,8 @@
               <a:t>roles in novel “</a:t>
             </a:r>
             <a:r>
-              <a:rPr lang="en-US" altLang="zh-CN" dirty="0"/>
-              <a:t>Romeo and </a:t>
-            </a:r>
-            <a:r>
-              <a:rPr lang="en-US" altLang="zh-CN" dirty="0" smtClean="0"/>
-              <a:t>Juliet</a:t>
-            </a:r>
-            <a:r>
               <a:rPr lang="zh-CN" altLang="en-US" dirty="0" smtClean="0"/>
-              <a:t>”</a:t>
+              <a:t>射雕英雄传”</a:t>
             </a:r>
             <a:r>
               <a:rPr lang="en-US" altLang="zh-CN" dirty="0" smtClean="0"/>
